--- a/vue组件.pptx
+++ b/vue组件.pptx
@@ -2,45 +2,45 @@
 <file path=ppt/presentation.xml><?xml version="1.0" encoding="utf-8"?>
 <p:presentation xmlns:a="http://schemas.openxmlformats.org/drawingml/2006/main" xmlns:r="http://schemas.openxmlformats.org/officeDocument/2006/relationships" xmlns:p="http://schemas.openxmlformats.org/presentationml/2006/main">
   <p:sldMasterIdLst>
-    <p:sldMasterId id="2147483648" r:id="rId5"/>
+    <p:sldMasterId id="2147483648" r:id="rId1"/>
   </p:sldMasterIdLst>
   <p:notesMasterIdLst>
-    <p:notesMasterId r:id="rId7"/>
+    <p:notesMasterId r:id="rId9"/>
   </p:notesMasterIdLst>
   <p:sldIdLst>
-    <p:sldId id="256" r:id="rId8"/>
-    <p:sldId id="257" r:id="rId9"/>
-    <p:sldId id="258" r:id="rId10"/>
-    <p:sldId id="259" r:id="rId11"/>
-    <p:sldId id="260" r:id="rId12"/>
-    <p:sldId id="261" r:id="rId13"/>
-    <p:sldId id="262" r:id="rId14"/>
-    <p:sldId id="263" r:id="rId15"/>
-    <p:sldId id="264" r:id="rId16"/>
-    <p:sldId id="265" r:id="rId17"/>
-    <p:sldId id="266" r:id="rId18"/>
-    <p:sldId id="267" r:id="rId19"/>
-    <p:sldId id="268" r:id="rId20"/>
-    <p:sldId id="269" r:id="rId21"/>
-    <p:sldId id="270" r:id="rId22"/>
-    <p:sldId id="271" r:id="rId23"/>
-    <p:sldId id="272" r:id="rId24"/>
-    <p:sldId id="273" r:id="rId25"/>
-    <p:sldId id="274" r:id="rId26"/>
-    <p:sldId id="275" r:id="rId27"/>
-    <p:sldId id="276" r:id="rId28"/>
-    <p:sldId id="277" r:id="rId29"/>
-    <p:sldId id="278" r:id="rId30"/>
-    <p:sldId id="279" r:id="rId31"/>
-    <p:sldId id="280" r:id="rId32"/>
-    <p:sldId id="281" r:id="rId33"/>
-    <p:sldId id="282" r:id="rId34"/>
-    <p:sldId id="283" r:id="rId35"/>
-    <p:sldId id="284" r:id="rId36"/>
-    <p:sldId id="285" r:id="rId37"/>
-    <p:sldId id="286" r:id="rId38"/>
-    <p:sldId id="287" r:id="rId39"/>
-    <p:sldId id="288" r:id="rId40"/>
+    <p:sldId id="256" r:id="rId3"/>
+    <p:sldId id="257" r:id="rId4"/>
+    <p:sldId id="258" r:id="rId5"/>
+    <p:sldId id="259" r:id="rId6"/>
+    <p:sldId id="260" r:id="rId7"/>
+    <p:sldId id="261" r:id="rId8"/>
+    <p:sldId id="262" r:id="rId10"/>
+    <p:sldId id="263" r:id="rId11"/>
+    <p:sldId id="264" r:id="rId12"/>
+    <p:sldId id="265" r:id="rId13"/>
+    <p:sldId id="266" r:id="rId14"/>
+    <p:sldId id="267" r:id="rId15"/>
+    <p:sldId id="268" r:id="rId16"/>
+    <p:sldId id="269" r:id="rId17"/>
+    <p:sldId id="270" r:id="rId18"/>
+    <p:sldId id="271" r:id="rId19"/>
+    <p:sldId id="272" r:id="rId20"/>
+    <p:sldId id="273" r:id="rId21"/>
+    <p:sldId id="274" r:id="rId22"/>
+    <p:sldId id="275" r:id="rId23"/>
+    <p:sldId id="276" r:id="rId24"/>
+    <p:sldId id="277" r:id="rId25"/>
+    <p:sldId id="278" r:id="rId26"/>
+    <p:sldId id="279" r:id="rId27"/>
+    <p:sldId id="280" r:id="rId28"/>
+    <p:sldId id="281" r:id="rId29"/>
+    <p:sldId id="282" r:id="rId30"/>
+    <p:sldId id="283" r:id="rId31"/>
+    <p:sldId id="284" r:id="rId32"/>
+    <p:sldId id="285" r:id="rId33"/>
+    <p:sldId id="286" r:id="rId34"/>
+    <p:sldId id="287" r:id="rId35"/>
+    <p:sldId id="288" r:id="rId36"/>
   </p:sldIdLst>
   <p:sldSz cx="24384000" cy="13716000"/>
   <p:notesSz cx="6858000" cy="9144000"/>
@@ -59,8 +59,7 @@
       <a:buSzTx/>
       <a:buFontTx/>
       <a:buNone/>
-      <a:tabLst/>
-      <a:defRPr b="0" baseline="0" cap="none" i="0" spc="0" strike="noStrike" sz="1800" u="none" kumimoji="0" normalizeH="0">
+      <a:defRPr kumimoji="0" sz="1800" b="0" i="0" u="none" strike="noStrike" cap="none" spc="0" normalizeH="0" baseline="0">
         <a:ln>
           <a:noFill/>
         </a:ln>
@@ -85,8 +84,7 @@
       <a:buSzTx/>
       <a:buFontTx/>
       <a:buNone/>
-      <a:tabLst/>
-      <a:defRPr b="1" baseline="0" cap="none" i="0" spc="0" strike="noStrike" sz="3000" u="none" kumimoji="0" normalizeH="0">
+      <a:defRPr kumimoji="0" sz="3000" b="1" i="0" u="none" strike="noStrike" cap="none" spc="0" normalizeH="0" baseline="0">
         <a:ln>
           <a:noFill/>
         </a:ln>
@@ -115,8 +113,7 @@
       <a:buSzTx/>
       <a:buFontTx/>
       <a:buNone/>
-      <a:tabLst/>
-      <a:defRPr b="1" baseline="0" cap="none" i="0" spc="0" strike="noStrike" sz="3000" u="none" kumimoji="0" normalizeH="0">
+      <a:defRPr kumimoji="0" sz="3000" b="1" i="0" u="none" strike="noStrike" cap="none" spc="0" normalizeH="0" baseline="0">
         <a:ln>
           <a:noFill/>
         </a:ln>
@@ -145,8 +142,7 @@
       <a:buSzTx/>
       <a:buFontTx/>
       <a:buNone/>
-      <a:tabLst/>
-      <a:defRPr b="1" baseline="0" cap="none" i="0" spc="0" strike="noStrike" sz="3000" u="none" kumimoji="0" normalizeH="0">
+      <a:defRPr kumimoji="0" sz="3000" b="1" i="0" u="none" strike="noStrike" cap="none" spc="0" normalizeH="0" baseline="0">
         <a:ln>
           <a:noFill/>
         </a:ln>
@@ -175,8 +171,7 @@
       <a:buSzTx/>
       <a:buFontTx/>
       <a:buNone/>
-      <a:tabLst/>
-      <a:defRPr b="1" baseline="0" cap="none" i="0" spc="0" strike="noStrike" sz="3000" u="none" kumimoji="0" normalizeH="0">
+      <a:defRPr kumimoji="0" sz="3000" b="1" i="0" u="none" strike="noStrike" cap="none" spc="0" normalizeH="0" baseline="0">
         <a:ln>
           <a:noFill/>
         </a:ln>
@@ -205,8 +200,7 @@
       <a:buSzTx/>
       <a:buFontTx/>
       <a:buNone/>
-      <a:tabLst/>
-      <a:defRPr b="1" baseline="0" cap="none" i="0" spc="0" strike="noStrike" sz="3000" u="none" kumimoji="0" normalizeH="0">
+      <a:defRPr kumimoji="0" sz="3000" b="1" i="0" u="none" strike="noStrike" cap="none" spc="0" normalizeH="0" baseline="0">
         <a:ln>
           <a:noFill/>
         </a:ln>
@@ -235,8 +229,7 @@
       <a:buSzTx/>
       <a:buFontTx/>
       <a:buNone/>
-      <a:tabLst/>
-      <a:defRPr b="1" baseline="0" cap="none" i="0" spc="0" strike="noStrike" sz="3000" u="none" kumimoji="0" normalizeH="0">
+      <a:defRPr kumimoji="0" sz="3000" b="1" i="0" u="none" strike="noStrike" cap="none" spc="0" normalizeH="0" baseline="0">
         <a:ln>
           <a:noFill/>
         </a:ln>
@@ -265,8 +258,7 @@
       <a:buSzTx/>
       <a:buFontTx/>
       <a:buNone/>
-      <a:tabLst/>
-      <a:defRPr b="1" baseline="0" cap="none" i="0" spc="0" strike="noStrike" sz="3000" u="none" kumimoji="0" normalizeH="0">
+      <a:defRPr kumimoji="0" sz="3000" b="1" i="0" u="none" strike="noStrike" cap="none" spc="0" normalizeH="0" baseline="0">
         <a:ln>
           <a:noFill/>
         </a:ln>
@@ -295,8 +287,7 @@
       <a:buSzTx/>
       <a:buFontTx/>
       <a:buNone/>
-      <a:tabLst/>
-      <a:defRPr b="1" baseline="0" cap="none" i="0" spc="0" strike="noStrike" sz="3000" u="none" kumimoji="0" normalizeH="0">
+      <a:defRPr kumimoji="0" sz="3000" b="1" i="0" u="none" strike="noStrike" cap="none" spc="0" normalizeH="0" baseline="0">
         <a:ln>
           <a:noFill/>
         </a:ln>
@@ -325,8 +316,7 @@
       <a:buSzTx/>
       <a:buFontTx/>
       <a:buNone/>
-      <a:tabLst/>
-      <a:defRPr b="1" baseline="0" cap="none" i="0" spc="0" strike="noStrike" sz="3000" u="none" kumimoji="0" normalizeH="0">
+      <a:defRPr kumimoji="0" sz="3000" b="1" i="0" u="none" strike="noStrike" cap="none" spc="0" normalizeH="0" baseline="0">
         <a:ln>
           <a:noFill/>
         </a:ln>
@@ -345,13 +335,14 @@
 </p:presentation>
 </file>
 
-<file path=ppt/commentAuthors.xml><?xml version="1.0" encoding="utf-8"?>
-<p:cmAuthorLst xmlns:a="http://schemas.openxmlformats.org/drawingml/2006/main" xmlns:r="http://schemas.openxmlformats.org/officeDocument/2006/relationships" xmlns:p="http://schemas.openxmlformats.org/presentationml/2006/main"/>
-</file>
-
 <file path=ppt/notesMasters/notesMaster1.xml><?xml version="1.0" encoding="utf-8"?>
 <p:notesMaster xmlns:a="http://schemas.openxmlformats.org/drawingml/2006/main" xmlns:r="http://schemas.openxmlformats.org/officeDocument/2006/relationships" xmlns:p="http://schemas.openxmlformats.org/presentationml/2006/main">
   <p:cSld>
+    <p:bg>
+      <p:bgRef idx="1001">
+        <a:schemeClr val="bg1"/>
+      </p:bgRef>
+    </p:bg>
     <p:spTree>
       <p:nvGrpSpPr>
         <p:cNvPr id="1" name=""/>
@@ -386,9 +377,7 @@
         <p:txBody>
           <a:bodyPr/>
           <a:lstStyle/>
-          <a:p>
-            <a:pPr/>
-          </a:p>
+          <a:p/>
         </p:txBody>
       </p:sp>
       <p:sp>
@@ -411,9 +400,7 @@
         <p:txBody>
           <a:bodyPr/>
           <a:lstStyle/>
-          <a:p>
-            <a:pPr/>
-          </a:p>
+          <a:p/>
         </p:txBody>
       </p:sp>
     </p:spTree>
@@ -422,7 +409,7 @@
   <p:notesStyle>
     <a:lvl1pPr defTabSz="457200" latinLnBrk="0">
       <a:lnSpc>
-        <a:spcPct val="117999"/>
+        <a:spcPct val="118000"/>
       </a:lnSpc>
       <a:defRPr sz="2200">
         <a:latin typeface="Helvetica Neue"/>
@@ -433,7 +420,7 @@
     </a:lvl1pPr>
     <a:lvl2pPr indent="228600" defTabSz="457200" latinLnBrk="0">
       <a:lnSpc>
-        <a:spcPct val="117999"/>
+        <a:spcPct val="118000"/>
       </a:lnSpc>
       <a:defRPr sz="2200">
         <a:latin typeface="Helvetica Neue"/>
@@ -444,7 +431,7 @@
     </a:lvl2pPr>
     <a:lvl3pPr indent="457200" defTabSz="457200" latinLnBrk="0">
       <a:lnSpc>
-        <a:spcPct val="117999"/>
+        <a:spcPct val="118000"/>
       </a:lnSpc>
       <a:defRPr sz="2200">
         <a:latin typeface="Helvetica Neue"/>
@@ -455,7 +442,7 @@
     </a:lvl3pPr>
     <a:lvl4pPr indent="685800" defTabSz="457200" latinLnBrk="0">
       <a:lnSpc>
-        <a:spcPct val="117999"/>
+        <a:spcPct val="118000"/>
       </a:lnSpc>
       <a:defRPr sz="2200">
         <a:latin typeface="Helvetica Neue"/>
@@ -466,7 +453,7 @@
     </a:lvl4pPr>
     <a:lvl5pPr indent="914400" defTabSz="457200" latinLnBrk="0">
       <a:lnSpc>
-        <a:spcPct val="117999"/>
+        <a:spcPct val="118000"/>
       </a:lnSpc>
       <a:defRPr sz="2200">
         <a:latin typeface="Helvetica Neue"/>
@@ -477,7 +464,7 @@
     </a:lvl5pPr>
     <a:lvl6pPr indent="1143000" defTabSz="457200" latinLnBrk="0">
       <a:lnSpc>
-        <a:spcPct val="117999"/>
+        <a:spcPct val="118000"/>
       </a:lnSpc>
       <a:defRPr sz="2200">
         <a:latin typeface="Helvetica Neue"/>
@@ -488,7 +475,7 @@
     </a:lvl6pPr>
     <a:lvl7pPr indent="1371600" defTabSz="457200" latinLnBrk="0">
       <a:lnSpc>
-        <a:spcPct val="117999"/>
+        <a:spcPct val="118000"/>
       </a:lnSpc>
       <a:defRPr sz="2200">
         <a:latin typeface="Helvetica Neue"/>
@@ -499,7 +486,7 @@
     </a:lvl7pPr>
     <a:lvl8pPr indent="1600200" defTabSz="457200" latinLnBrk="0">
       <a:lnSpc>
-        <a:spcPct val="117999"/>
+        <a:spcPct val="118000"/>
       </a:lnSpc>
       <a:defRPr sz="2200">
         <a:latin typeface="Helvetica Neue"/>
@@ -510,7 +497,7 @@
     </a:lvl8pPr>
     <a:lvl9pPr indent="1828800" defTabSz="457200" latinLnBrk="0">
       <a:lnSpc>
-        <a:spcPct val="117999"/>
+        <a:spcPct val="118000"/>
       </a:lnSpc>
       <a:defRPr sz="2200">
         <a:latin typeface="Helvetica Neue"/>
@@ -523,8 +510,474 @@
 </p:notesMaster>
 </file>
 
+<file path=ppt/notesSlides/notesSlide1.xml><?xml version="1.0" encoding="utf-8"?>
+<p:notes xmlns:a="http://schemas.openxmlformats.org/drawingml/2006/main" xmlns:r="http://schemas.openxmlformats.org/officeDocument/2006/relationships" xmlns:p="http://schemas.openxmlformats.org/presentationml/2006/main">
+  <p:cSld>
+    <p:spTree>
+      <p:nvGrpSpPr>
+        <p:cNvPr id="1" name=""/>
+        <p:cNvGrpSpPr/>
+        <p:nvPr/>
+      </p:nvGrpSpPr>
+      <p:grpSpPr/>
+      <p:sp>
+        <p:nvSpPr>
+          <p:cNvPr id="2" name="幻灯片图像占位符 1"/>
+          <p:cNvSpPr/>
+          <p:nvPr>
+            <p:ph type="sldImg"/>
+          </p:nvPr>
+        </p:nvSpPr>
+        <p:spPr/>
+      </p:sp>
+      <p:sp>
+        <p:nvSpPr>
+          <p:cNvPr id="3" name="文本占位符 2"/>
+          <p:cNvSpPr/>
+          <p:nvPr>
+            <p:ph type="body" idx="1"/>
+          </p:nvPr>
+        </p:nvSpPr>
+        <p:spPr/>
+        <p:txBody>
+          <a:bodyPr/>
+          <a:p>
+            <a:r>
+              <a:rPr lang="zh-CN" altLang="en-US"/>
+              <a:t>这个的练习的次数</a:t>
+            </a:r>
+            <a:endParaRPr lang="zh-CN" altLang="en-US"/>
+          </a:p>
+        </p:txBody>
+      </p:sp>
+    </p:spTree>
+  </p:cSld>
+  <p:clrMapOvr>
+    <a:masterClrMapping/>
+  </p:clrMapOvr>
+</p:notes>
+</file>
+
+<file path=ppt/notesSlides/notesSlide2.xml><?xml version="1.0" encoding="utf-8"?>
+<p:notes xmlns:a="http://schemas.openxmlformats.org/drawingml/2006/main" xmlns:r="http://schemas.openxmlformats.org/officeDocument/2006/relationships" xmlns:p="http://schemas.openxmlformats.org/presentationml/2006/main">
+  <p:cSld>
+    <p:spTree>
+      <p:nvGrpSpPr>
+        <p:cNvPr id="1" name=""/>
+        <p:cNvGrpSpPr/>
+        <p:nvPr/>
+      </p:nvGrpSpPr>
+      <p:grpSpPr/>
+      <p:sp>
+        <p:nvSpPr>
+          <p:cNvPr id="2" name="幻灯片图像占位符 1"/>
+          <p:cNvSpPr/>
+          <p:nvPr>
+            <p:ph type="sldImg"/>
+          </p:nvPr>
+        </p:nvSpPr>
+        <p:spPr/>
+      </p:sp>
+      <p:sp>
+        <p:nvSpPr>
+          <p:cNvPr id="3" name="文本占位符 2"/>
+          <p:cNvSpPr/>
+          <p:nvPr>
+            <p:ph type="body" idx="1"/>
+          </p:nvPr>
+        </p:nvSpPr>
+        <p:spPr/>
+        <p:txBody>
+          <a:bodyPr/>
+          <a:p>
+            <a:r>
+              <a:rPr>
+                <a:sym typeface="+mn-ea"/>
+              </a:rPr>
+              <a:t>全局</a:t>
+            </a:r>
+            <a:r>
+              <a:rPr lang="zh-CN">
+                <a:sym typeface="+mn-ea"/>
+              </a:rPr>
+              <a:t>的只能是所有的</a:t>
+            </a:r>
+            <a:r>
+              <a:rPr lang="en-US" altLang="zh-CN">
+                <a:sym typeface="+mn-ea"/>
+              </a:rPr>
+              <a:t>vue</a:t>
+            </a:r>
+            <a:r>
+              <a:rPr lang="zh-CN" altLang="en-US">
+                <a:sym typeface="+mn-ea"/>
+              </a:rPr>
+              <a:t>实例中的应用</a:t>
+            </a:r>
+            <a:endParaRPr lang="zh-CN" altLang="en-US">
+              <a:sym typeface="+mn-ea"/>
+            </a:endParaRPr>
+          </a:p>
+          <a:p>
+            <a:r>
+              <a:rPr lang="zh-CN" altLang="en-US">
+                <a:sym typeface="+mn-ea"/>
+              </a:rPr>
+              <a:t>注册的组件只能在注册的实例中使用</a:t>
+            </a:r>
+            <a:endParaRPr lang="zh-CN" altLang="en-US">
+              <a:sym typeface="+mn-ea"/>
+            </a:endParaRPr>
+          </a:p>
+        </p:txBody>
+      </p:sp>
+    </p:spTree>
+  </p:cSld>
+  <p:clrMapOvr>
+    <a:masterClrMapping/>
+  </p:clrMapOvr>
+</p:notes>
+</file>
+
+<file path=ppt/notesSlides/notesSlide3.xml><?xml version="1.0" encoding="utf-8"?>
+<p:notes xmlns:a="http://schemas.openxmlformats.org/drawingml/2006/main" xmlns:r="http://schemas.openxmlformats.org/officeDocument/2006/relationships" xmlns:p="http://schemas.openxmlformats.org/presentationml/2006/main">
+  <p:cSld>
+    <p:spTree>
+      <p:nvGrpSpPr>
+        <p:cNvPr id="1" name=""/>
+        <p:cNvGrpSpPr/>
+        <p:nvPr/>
+      </p:nvGrpSpPr>
+      <p:grpSpPr/>
+      <p:sp>
+        <p:nvSpPr>
+          <p:cNvPr id="2" name="幻灯片图像占位符 1"/>
+          <p:cNvSpPr/>
+          <p:nvPr>
+            <p:ph type="sldImg"/>
+          </p:nvPr>
+        </p:nvSpPr>
+        <p:spPr/>
+      </p:sp>
+      <p:sp>
+        <p:nvSpPr>
+          <p:cNvPr id="3" name="文本占位符 2"/>
+          <p:cNvSpPr/>
+          <p:nvPr>
+            <p:ph type="body" idx="1"/>
+          </p:nvPr>
+        </p:nvSpPr>
+        <p:spPr/>
+        <p:txBody>
+          <a:bodyPr/>
+          <a:p>
+            <a:r>
+              <a:rPr lang="zh-CN" altLang="en-US"/>
+              <a:t>事件中的监听</a:t>
+            </a:r>
+            <a:endParaRPr lang="zh-CN" altLang="en-US"/>
+          </a:p>
+          <a:p>
+            <a:r>
+              <a:rPr lang="en-US" altLang="zh-CN"/>
+              <a:t>dom</a:t>
+            </a:r>
+            <a:r>
+              <a:rPr lang="zh-CN" altLang="en-US"/>
+              <a:t>中都写</a:t>
+            </a:r>
+            <a:r>
+              <a:rPr lang="en-US" altLang="zh-CN"/>
+              <a:t>my-component</a:t>
+            </a:r>
+            <a:endParaRPr lang="en-US" altLang="zh-CN"/>
+          </a:p>
+          <a:p>
+            <a:r>
+              <a:rPr lang="zh-CN" altLang="en-US"/>
+              <a:t>在</a:t>
+            </a:r>
+            <a:r>
+              <a:rPr lang="en-US" altLang="zh-CN"/>
+              <a:t>js</a:t>
+            </a:r>
+            <a:r>
+              <a:rPr lang="zh-CN" altLang="en-US"/>
+              <a:t>中都写</a:t>
+            </a:r>
+            <a:r>
+              <a:rPr lang="en-US" altLang="zh-CN">
+                <a:sym typeface="+mn-ea"/>
+              </a:rPr>
+              <a:t>my-component</a:t>
+            </a:r>
+            <a:r>
+              <a:rPr lang="zh-CN" altLang="en-US">
+                <a:sym typeface="+mn-ea"/>
+              </a:rPr>
+              <a:t>或者</a:t>
+            </a:r>
+            <a:r>
+              <a:rPr lang="en-US" altLang="zh-CN">
+                <a:sym typeface="+mn-ea"/>
+              </a:rPr>
+              <a:t>myComponent</a:t>
+            </a:r>
+            <a:endParaRPr lang="en-US" altLang="zh-CN">
+              <a:sym typeface="+mn-ea"/>
+            </a:endParaRPr>
+          </a:p>
+          <a:p>
+            <a:r>
+              <a:rPr lang="en-US" altLang="zh-CN">
+                <a:sym typeface="+mn-ea"/>
+              </a:rPr>
+              <a:t>跟组件和 prop 不同，事件名不存在任何自动化的大小写转换。而是触发的事件名需要完全匹配监听这个事件所用的名称。举个例子，如果触发一个 camelCase 名字的事件：</a:t>
+            </a:r>
+            <a:endParaRPr lang="en-US" altLang="zh-CN">
+              <a:sym typeface="+mn-ea"/>
+            </a:endParaRPr>
+          </a:p>
+        </p:txBody>
+      </p:sp>
+    </p:spTree>
+  </p:cSld>
+  <p:clrMapOvr>
+    <a:masterClrMapping/>
+  </p:clrMapOvr>
+</p:notes>
+</file>
+
+<file path=ppt/notesSlides/notesSlide4.xml><?xml version="1.0" encoding="utf-8"?>
+<p:notes xmlns:a="http://schemas.openxmlformats.org/drawingml/2006/main" xmlns:r="http://schemas.openxmlformats.org/officeDocument/2006/relationships" xmlns:p="http://schemas.openxmlformats.org/presentationml/2006/main">
+  <p:cSld>
+    <p:spTree>
+      <p:nvGrpSpPr>
+        <p:cNvPr id="1" name=""/>
+        <p:cNvGrpSpPr/>
+        <p:nvPr/>
+      </p:nvGrpSpPr>
+      <p:grpSpPr/>
+      <p:sp>
+        <p:nvSpPr>
+          <p:cNvPr id="2" name="幻灯片图像占位符 1"/>
+          <p:cNvSpPr/>
+          <p:nvPr>
+            <p:ph type="sldImg"/>
+          </p:nvPr>
+        </p:nvSpPr>
+        <p:spPr/>
+      </p:sp>
+      <p:sp>
+        <p:nvSpPr>
+          <p:cNvPr id="3" name="文本占位符 2"/>
+          <p:cNvSpPr/>
+          <p:nvPr>
+            <p:ph type="body" idx="1"/>
+          </p:nvPr>
+        </p:nvSpPr>
+        <p:spPr/>
+        <p:txBody>
+          <a:bodyPr/>
+          <a:p>
+            <a:r>
+              <a:rPr lang="en-US" altLang="zh-CN"/>
+              <a:t>this.$parent</a:t>
+            </a:r>
+            <a:endParaRPr lang="en-US" altLang="zh-CN"/>
+          </a:p>
+          <a:p>
+            <a:r>
+              <a:rPr lang="en-US" altLang="zh-CN"/>
+              <a:t>this.$children</a:t>
+            </a:r>
+            <a:endParaRPr lang="en-US" altLang="zh-CN"/>
+          </a:p>
+          <a:p>
+            <a:r>
+              <a:rPr lang="en-US" altLang="zh-CN"/>
+              <a:t>this.$ref</a:t>
+            </a:r>
+            <a:endParaRPr lang="en-US" altLang="zh-CN"/>
+          </a:p>
+          <a:p>
+            <a:endParaRPr lang="en-US" altLang="zh-CN"/>
+          </a:p>
+        </p:txBody>
+      </p:sp>
+    </p:spTree>
+  </p:cSld>
+  <p:clrMapOvr>
+    <a:masterClrMapping/>
+  </p:clrMapOvr>
+</p:notes>
+</file>
+
+<file path=ppt/notesSlides/notesSlide5.xml><?xml version="1.0" encoding="utf-8"?>
+<p:notes xmlns:a="http://schemas.openxmlformats.org/drawingml/2006/main" xmlns:r="http://schemas.openxmlformats.org/officeDocument/2006/relationships" xmlns:p="http://schemas.openxmlformats.org/presentationml/2006/main">
+  <p:cSld>
+    <p:spTree>
+      <p:nvGrpSpPr>
+        <p:cNvPr id="1" name=""/>
+        <p:cNvGrpSpPr/>
+        <p:nvPr/>
+      </p:nvGrpSpPr>
+      <p:grpSpPr/>
+      <p:sp>
+        <p:nvSpPr>
+          <p:cNvPr id="2" name="幻灯片图像占位符 1"/>
+          <p:cNvSpPr/>
+          <p:nvPr>
+            <p:ph type="sldImg"/>
+          </p:nvPr>
+        </p:nvSpPr>
+        <p:spPr/>
+      </p:sp>
+      <p:sp>
+        <p:nvSpPr>
+          <p:cNvPr id="3" name="文本占位符 2"/>
+          <p:cNvSpPr/>
+          <p:nvPr>
+            <p:ph type="body" idx="1"/>
+          </p:nvPr>
+        </p:nvSpPr>
+        <p:spPr/>
+        <p:txBody>
+          <a:bodyPr/>
+          <a:p>
+            <a:r>
+              <a:rPr lang="zh-CN" altLang="en-US"/>
+              <a:t>组件包含了</a:t>
+            </a:r>
+            <a:r>
+              <a:rPr lang="en-US" altLang="zh-CN"/>
+              <a:t>dom</a:t>
+            </a:r>
+            <a:r>
+              <a:rPr lang="zh-CN" altLang="en-US"/>
+              <a:t>加逻辑，互相之间的传值</a:t>
+            </a:r>
+            <a:endParaRPr lang="zh-CN" altLang="en-US"/>
+          </a:p>
+          <a:p>
+            <a:r>
+              <a:rPr lang="zh-CN" altLang="en-US"/>
+              <a:t>插槽主要是在里面放置</a:t>
+            </a:r>
+            <a:r>
+              <a:rPr lang="en-US" altLang="zh-CN"/>
+              <a:t>dom</a:t>
+            </a:r>
+            <a:endParaRPr lang="en-US" altLang="zh-CN"/>
+          </a:p>
+        </p:txBody>
+      </p:sp>
+    </p:spTree>
+  </p:cSld>
+  <p:clrMapOvr>
+    <a:masterClrMapping/>
+  </p:clrMapOvr>
+</p:notes>
+</file>
+
+<file path=ppt/notesSlides/notesSlide6.xml><?xml version="1.0" encoding="utf-8"?>
+<p:notes xmlns:a="http://schemas.openxmlformats.org/drawingml/2006/main" xmlns:r="http://schemas.openxmlformats.org/officeDocument/2006/relationships" xmlns:p="http://schemas.openxmlformats.org/presentationml/2006/main">
+  <p:cSld>
+    <p:spTree>
+      <p:nvGrpSpPr>
+        <p:cNvPr id="1" name=""/>
+        <p:cNvGrpSpPr/>
+        <p:nvPr/>
+      </p:nvGrpSpPr>
+      <p:grpSpPr/>
+      <p:sp>
+        <p:nvSpPr>
+          <p:cNvPr id="2" name="幻灯片图像占位符 1"/>
+          <p:cNvSpPr/>
+          <p:nvPr>
+            <p:ph type="sldImg"/>
+          </p:nvPr>
+        </p:nvSpPr>
+        <p:spPr/>
+      </p:sp>
+      <p:sp>
+        <p:nvSpPr>
+          <p:cNvPr id="3" name="文本占位符 2"/>
+          <p:cNvSpPr/>
+          <p:nvPr>
+            <p:ph type="body" idx="1"/>
+          </p:nvPr>
+        </p:nvSpPr>
+        <p:spPr/>
+        <p:txBody>
+          <a:bodyPr/>
+          <a:p>
+            <a:r>
+              <a:rPr lang="zh-CN" altLang="en-US"/>
+              <a:t>传递，派发，分发</a:t>
+            </a:r>
+            <a:endParaRPr lang="zh-CN" altLang="en-US"/>
+          </a:p>
+        </p:txBody>
+      </p:sp>
+    </p:spTree>
+  </p:cSld>
+  <p:clrMapOvr>
+    <a:masterClrMapping/>
+  </p:clrMapOvr>
+</p:notes>
+</file>
+
+<file path=ppt/notesSlides/notesSlide7.xml><?xml version="1.0" encoding="utf-8"?>
+<p:notes xmlns:a="http://schemas.openxmlformats.org/drawingml/2006/main" xmlns:r="http://schemas.openxmlformats.org/officeDocument/2006/relationships" xmlns:p="http://schemas.openxmlformats.org/presentationml/2006/main">
+  <p:cSld>
+    <p:spTree>
+      <p:nvGrpSpPr>
+        <p:cNvPr id="1" name=""/>
+        <p:cNvGrpSpPr/>
+        <p:nvPr/>
+      </p:nvGrpSpPr>
+      <p:grpSpPr/>
+      <p:sp>
+        <p:nvSpPr>
+          <p:cNvPr id="2" name="幻灯片图像占位符 1"/>
+          <p:cNvSpPr/>
+          <p:nvPr>
+            <p:ph type="sldImg"/>
+          </p:nvPr>
+        </p:nvSpPr>
+        <p:spPr/>
+      </p:sp>
+      <p:sp>
+        <p:nvSpPr>
+          <p:cNvPr id="3" name="文本占位符 2"/>
+          <p:cNvSpPr/>
+          <p:nvPr>
+            <p:ph type="body" idx="1"/>
+          </p:nvPr>
+        </p:nvSpPr>
+        <p:spPr/>
+        <p:txBody>
+          <a:bodyPr/>
+          <a:p>
+            <a:r>
+              <a:rPr lang="en-US" altLang="zh-CN"/>
+              <a:t>this.$slots.name</a:t>
+            </a:r>
+            <a:endParaRPr lang="en-US" altLang="zh-CN"/>
+          </a:p>
+        </p:txBody>
+      </p:sp>
+    </p:spTree>
+  </p:cSld>
+  <p:clrMapOvr>
+    <a:masterClrMapping/>
+  </p:clrMapOvr>
+</p:notes>
+</file>
+
 <file path=ppt/slideLayouts/slideLayout1.xml><?xml version="1.0" encoding="utf-8"?>
-<p:sldLayout xmlns:a="http://schemas.openxmlformats.org/drawingml/2006/main" xmlns:r="http://schemas.openxmlformats.org/officeDocument/2006/relationships" xmlns:p="http://schemas.openxmlformats.org/presentationml/2006/main" type="title" showMasterSp="1" showMasterPhAnim="1">
+<p:sldLayout xmlns:a="http://schemas.openxmlformats.org/drawingml/2006/main" xmlns:r="http://schemas.openxmlformats.org/officeDocument/2006/relationships" xmlns:p="http://schemas.openxmlformats.org/presentationml/2006/main" type="title">
   <p:cSld name="标题与副标题">
     <p:spTree>
       <p:nvGrpSpPr>
@@ -545,7 +998,7 @@
           <p:cNvPr id="11" name="标题文本"/>
           <p:cNvSpPr txBox="1"/>
           <p:nvPr>
-            <p:ph type="title"/>
+            <p:ph type="title" hasCustomPrompt="1"/>
           </p:nvPr>
         </p:nvSpPr>
         <p:spPr>
@@ -561,7 +1014,6 @@
           <a:bodyPr anchor="b"/>
           <a:lstStyle/>
           <a:p>
-            <a:pPr/>
             <a:r>
               <a:t>标题文本</a:t>
             </a:r>
@@ -573,7 +1025,7 @@
           <p:cNvPr id="12" name="正文级别 1…"/>
           <p:cNvSpPr txBox="1"/>
           <p:nvPr>
-            <p:ph type="body" sz="quarter" idx="1"/>
+            <p:ph type="body" sz="quarter" idx="1" hasCustomPrompt="1"/>
           </p:nvPr>
         </p:nvSpPr>
         <p:spPr>
@@ -630,7 +1082,6 @@
             </a:lvl5pPr>
           </a:lstStyle>
           <a:p>
-            <a:pPr/>
             <a:r>
               <a:t>正文级别 1</a:t>
             </a:r>
@@ -678,8 +1129,10 @@
           <a:bodyPr/>
           <a:lstStyle/>
           <a:p>
-            <a:pPr/>
-            <a:fld id="{86CB4B4D-7CA3-9044-876B-883B54F8677D}" type="slidenum"/>
+            <a:fld id="{86CB4B4D-7CA3-9044-876B-883B54F8677D}" type="slidenum">
+              <a:rPr/>
+            </a:fld>
+            <a:endParaRPr/>
           </a:p>
         </p:txBody>
       </p:sp>
@@ -688,12 +1141,12 @@
   <p:clrMapOvr>
     <a:masterClrMapping/>
   </p:clrMapOvr>
-  <p:transition xmlns:p14="http://schemas.microsoft.com/office/powerpoint/2010/main" spd="med" advClick="1"/>
+  <p:transition spd="med"/>
 </p:sldLayout>
 </file>
 
 <file path=ppt/slideLayouts/slideLayout10.xml><?xml version="1.0" encoding="utf-8"?>
-<p:sldLayout xmlns:a="http://schemas.openxmlformats.org/drawingml/2006/main" xmlns:r="http://schemas.openxmlformats.org/officeDocument/2006/relationships" xmlns:p="http://schemas.openxmlformats.org/presentationml/2006/main" type="tx" showMasterSp="1" showMasterPhAnim="1">
+<p:sldLayout xmlns:a="http://schemas.openxmlformats.org/drawingml/2006/main" xmlns:r="http://schemas.openxmlformats.org/officeDocument/2006/relationships" xmlns:p="http://schemas.openxmlformats.org/presentationml/2006/main" type="tx">
   <p:cSld name="引文">
     <p:spTree>
       <p:nvGrpSpPr>
@@ -714,7 +1167,7 @@
           <p:cNvPr id="93" name="–Johnny Appleseed"/>
           <p:cNvSpPr txBox="1"/>
           <p:nvPr>
-            <p:ph type="body" sz="quarter" idx="13"/>
+            <p:ph type="body" sz="quarter" idx="13" hasCustomPrompt="1"/>
           </p:nvPr>
         </p:nvSpPr>
         <p:spPr>
@@ -737,11 +1190,10 @@
               </a:spcBef>
               <a:buSzTx/>
               <a:buNone/>
-              <a:defRPr i="1" sz="3200"/>
+              <a:defRPr sz="3200" i="1"/>
             </a:lvl1pPr>
           </a:lstStyle>
           <a:p>
-            <a:pPr/>
             <a:r>
               <a:t>–Johnny Appleseed</a:t>
             </a:r>
@@ -753,7 +1205,7 @@
           <p:cNvPr id="94" name="“在此键入引文。”"/>
           <p:cNvSpPr txBox="1"/>
           <p:nvPr>
-            <p:ph type="body" sz="quarter" idx="14"/>
+            <p:ph type="body" sz="quarter" idx="14" hasCustomPrompt="1"/>
           </p:nvPr>
         </p:nvSpPr>
         <p:spPr>
@@ -785,7 +1237,6 @@
             </a:lvl1pPr>
           </a:lstStyle>
           <a:p>
-            <a:pPr/>
             <a:r>
               <a:t>“在此键入引文。”</a:t>
             </a:r>
@@ -809,8 +1260,10 @@
           <a:bodyPr/>
           <a:lstStyle/>
           <a:p>
-            <a:pPr/>
-            <a:fld id="{86CB4B4D-7CA3-9044-876B-883B54F8677D}" type="slidenum"/>
+            <a:fld id="{86CB4B4D-7CA3-9044-876B-883B54F8677D}" type="slidenum">
+              <a:rPr/>
+            </a:fld>
+            <a:endParaRPr/>
           </a:p>
         </p:txBody>
       </p:sp>
@@ -819,12 +1272,12 @@
   <p:clrMapOvr>
     <a:masterClrMapping/>
   </p:clrMapOvr>
-  <p:transition xmlns:p14="http://schemas.microsoft.com/office/powerpoint/2010/main" spd="med" advClick="1"/>
+  <p:transition spd="med"/>
 </p:sldLayout>
 </file>
 
 <file path=ppt/slideLayouts/slideLayout11.xml><?xml version="1.0" encoding="utf-8"?>
-<p:sldLayout xmlns:a="http://schemas.openxmlformats.org/drawingml/2006/main" xmlns:r="http://schemas.openxmlformats.org/officeDocument/2006/relationships" xmlns:p="http://schemas.openxmlformats.org/presentationml/2006/main" type="tx" showMasterSp="1" showMasterPhAnim="1">
+<p:sldLayout xmlns:a="http://schemas.openxmlformats.org/drawingml/2006/main" xmlns:r="http://schemas.openxmlformats.org/officeDocument/2006/relationships" xmlns:p="http://schemas.openxmlformats.org/presentationml/2006/main" type="tx">
   <p:cSld name="照片">
     <p:spTree>
       <p:nvGrpSpPr>
@@ -862,9 +1315,7 @@
             <a:noAutofit/>
           </a:bodyPr>
           <a:lstStyle/>
-          <a:p>
-            <a:pPr/>
-          </a:p>
+          <a:p/>
         </p:txBody>
       </p:sp>
       <p:sp>
@@ -884,8 +1335,10 @@
           <a:bodyPr/>
           <a:lstStyle/>
           <a:p>
-            <a:pPr/>
-            <a:fld id="{86CB4B4D-7CA3-9044-876B-883B54F8677D}" type="slidenum"/>
+            <a:fld id="{86CB4B4D-7CA3-9044-876B-883B54F8677D}" type="slidenum">
+              <a:rPr/>
+            </a:fld>
+            <a:endParaRPr/>
           </a:p>
         </p:txBody>
       </p:sp>
@@ -894,12 +1347,12 @@
   <p:clrMapOvr>
     <a:masterClrMapping/>
   </p:clrMapOvr>
-  <p:transition xmlns:p14="http://schemas.microsoft.com/office/powerpoint/2010/main" spd="med" advClick="1"/>
+  <p:transition spd="med"/>
 </p:sldLayout>
 </file>
 
 <file path=ppt/slideLayouts/slideLayout12.xml><?xml version="1.0" encoding="utf-8"?>
-<p:sldLayout xmlns:a="http://schemas.openxmlformats.org/drawingml/2006/main" xmlns:r="http://schemas.openxmlformats.org/officeDocument/2006/relationships" xmlns:p="http://schemas.openxmlformats.org/presentationml/2006/main" type="tx" showMasterSp="1" showMasterPhAnim="1">
+<p:sldLayout xmlns:a="http://schemas.openxmlformats.org/drawingml/2006/main" xmlns:r="http://schemas.openxmlformats.org/officeDocument/2006/relationships" xmlns:p="http://schemas.openxmlformats.org/presentationml/2006/main" type="tx">
   <p:cSld name="空白">
     <p:spTree>
       <p:nvGrpSpPr>
@@ -932,8 +1385,10 @@
           <a:bodyPr/>
           <a:lstStyle/>
           <a:p>
-            <a:pPr/>
-            <a:fld id="{86CB4B4D-7CA3-9044-876B-883B54F8677D}" type="slidenum"/>
+            <a:fld id="{86CB4B4D-7CA3-9044-876B-883B54F8677D}" type="slidenum">
+              <a:rPr/>
+            </a:fld>
+            <a:endParaRPr/>
           </a:p>
         </p:txBody>
       </p:sp>
@@ -942,12 +1397,12 @@
   <p:clrMapOvr>
     <a:masterClrMapping/>
   </p:clrMapOvr>
-  <p:transition xmlns:p14="http://schemas.microsoft.com/office/powerpoint/2010/main" spd="med" advClick="1"/>
+  <p:transition spd="med"/>
 </p:sldLayout>
 </file>
 
 <file path=ppt/slideLayouts/slideLayout13.xml><?xml version="1.0" encoding="utf-8"?>
-<p:sldLayout xmlns:a="http://schemas.openxmlformats.org/drawingml/2006/main" xmlns:r="http://schemas.openxmlformats.org/officeDocument/2006/relationships" xmlns:p="http://schemas.openxmlformats.org/presentationml/2006/main" type="tx" showMasterSp="1" showMasterPhAnim="1">
+<p:sldLayout xmlns:a="http://schemas.openxmlformats.org/drawingml/2006/main" xmlns:r="http://schemas.openxmlformats.org/officeDocument/2006/relationships" xmlns:p="http://schemas.openxmlformats.org/presentationml/2006/main" type="tx">
   <p:cSld name="标题与副标题">
     <p:spTree>
       <p:nvGrpSpPr>
@@ -968,7 +1423,7 @@
           <p:cNvPr id="117" name="标题文本"/>
           <p:cNvSpPr txBox="1"/>
           <p:nvPr>
-            <p:ph type="title"/>
+            <p:ph type="title" hasCustomPrompt="1"/>
           </p:nvPr>
         </p:nvSpPr>
         <p:spPr>
@@ -993,7 +1448,6 @@
             </a:lvl1pPr>
           </a:lstStyle>
           <a:p>
-            <a:pPr/>
             <a:r>
               <a:t>标题文本</a:t>
             </a:r>
@@ -1005,7 +1459,7 @@
           <p:cNvPr id="118" name="正文级别 1…"/>
           <p:cNvSpPr txBox="1"/>
           <p:nvPr>
-            <p:ph type="body" sz="quarter" idx="1"/>
+            <p:ph type="body" sz="quarter" idx="1" hasCustomPrompt="1"/>
           </p:nvPr>
         </p:nvSpPr>
         <p:spPr>
@@ -1087,7 +1541,6 @@
             </a:lvl5pPr>
           </a:lstStyle>
           <a:p>
-            <a:pPr/>
             <a:r>
               <a:t>正文级别 1</a:t>
             </a:r>
@@ -1148,8 +1601,10 @@
             </a:lvl1pPr>
           </a:lstStyle>
           <a:p>
-            <a:pPr/>
-            <a:fld id="{86CB4B4D-7CA3-9044-876B-883B54F8677D}" type="slidenum"/>
+            <a:fld id="{86CB4B4D-7CA3-9044-876B-883B54F8677D}" type="slidenum">
+              <a:rPr/>
+            </a:fld>
+            <a:endParaRPr/>
           </a:p>
         </p:txBody>
       </p:sp>
@@ -1158,12 +1613,12 @@
   <p:clrMapOvr>
     <a:masterClrMapping/>
   </p:clrMapOvr>
-  <p:transition xmlns:p14="http://schemas.microsoft.com/office/powerpoint/2010/main" spd="med" advClick="1"/>
+  <p:transition spd="med"/>
 </p:sldLayout>
 </file>
 
 <file path=ppt/slideLayouts/slideLayout2.xml><?xml version="1.0" encoding="utf-8"?>
-<p:sldLayout xmlns:a="http://schemas.openxmlformats.org/drawingml/2006/main" xmlns:r="http://schemas.openxmlformats.org/officeDocument/2006/relationships" xmlns:p="http://schemas.openxmlformats.org/presentationml/2006/main" type="tx" showMasterSp="1" showMasterPhAnim="1">
+<p:sldLayout xmlns:a="http://schemas.openxmlformats.org/drawingml/2006/main" xmlns:r="http://schemas.openxmlformats.org/officeDocument/2006/relationships" xmlns:p="http://schemas.openxmlformats.org/presentationml/2006/main" type="tx">
   <p:cSld name="照片 - 水平">
     <p:spTree>
       <p:nvGrpSpPr>
@@ -1201,9 +1656,7 @@
             <a:noAutofit/>
           </a:bodyPr>
           <a:lstStyle/>
-          <a:p>
-            <a:pPr/>
-          </a:p>
+          <a:p/>
         </p:txBody>
       </p:sp>
       <p:sp>
@@ -1211,7 +1664,7 @@
           <p:cNvPr id="21" name="标题文本"/>
           <p:cNvSpPr txBox="1"/>
           <p:nvPr>
-            <p:ph type="title"/>
+            <p:ph type="title" hasCustomPrompt="1"/>
           </p:nvPr>
         </p:nvSpPr>
         <p:spPr>
@@ -1227,7 +1680,6 @@
           <a:bodyPr anchor="b"/>
           <a:lstStyle/>
           <a:p>
-            <a:pPr/>
             <a:r>
               <a:t>标题文本</a:t>
             </a:r>
@@ -1239,7 +1691,7 @@
           <p:cNvPr id="22" name="正文级别 1…"/>
           <p:cNvSpPr txBox="1"/>
           <p:nvPr>
-            <p:ph type="body" sz="quarter" idx="1"/>
+            <p:ph type="body" sz="quarter" idx="1" hasCustomPrompt="1"/>
           </p:nvPr>
         </p:nvSpPr>
         <p:spPr>
@@ -1296,7 +1748,6 @@
             </a:lvl5pPr>
           </a:lstStyle>
           <a:p>
-            <a:pPr/>
             <a:r>
               <a:t>正文级别 1</a:t>
             </a:r>
@@ -1344,8 +1795,10 @@
           <a:bodyPr/>
           <a:lstStyle/>
           <a:p>
-            <a:pPr/>
-            <a:fld id="{86CB4B4D-7CA3-9044-876B-883B54F8677D}" type="slidenum"/>
+            <a:fld id="{86CB4B4D-7CA3-9044-876B-883B54F8677D}" type="slidenum">
+              <a:rPr/>
+            </a:fld>
+            <a:endParaRPr/>
           </a:p>
         </p:txBody>
       </p:sp>
@@ -1354,12 +1807,12 @@
   <p:clrMapOvr>
     <a:masterClrMapping/>
   </p:clrMapOvr>
-  <p:transition xmlns:p14="http://schemas.microsoft.com/office/powerpoint/2010/main" spd="med" advClick="1"/>
+  <p:transition spd="med"/>
 </p:sldLayout>
 </file>
 
 <file path=ppt/slideLayouts/slideLayout3.xml><?xml version="1.0" encoding="utf-8"?>
-<p:sldLayout xmlns:a="http://schemas.openxmlformats.org/drawingml/2006/main" xmlns:r="http://schemas.openxmlformats.org/officeDocument/2006/relationships" xmlns:p="http://schemas.openxmlformats.org/presentationml/2006/main" type="tx" showMasterSp="1" showMasterPhAnim="1">
+<p:sldLayout xmlns:a="http://schemas.openxmlformats.org/drawingml/2006/main" xmlns:r="http://schemas.openxmlformats.org/officeDocument/2006/relationships" xmlns:p="http://schemas.openxmlformats.org/presentationml/2006/main" type="tx">
   <p:cSld name="标题 - 居中">
     <p:spTree>
       <p:nvGrpSpPr>
@@ -1380,7 +1833,7 @@
           <p:cNvPr id="30" name="标题文本"/>
           <p:cNvSpPr txBox="1"/>
           <p:nvPr>
-            <p:ph type="title"/>
+            <p:ph type="title" hasCustomPrompt="1"/>
           </p:nvPr>
         </p:nvSpPr>
         <p:spPr>
@@ -1396,7 +1849,6 @@
           <a:bodyPr/>
           <a:lstStyle/>
           <a:p>
-            <a:pPr/>
             <a:r>
               <a:t>标题文本</a:t>
             </a:r>
@@ -1420,8 +1872,10 @@
           <a:bodyPr/>
           <a:lstStyle/>
           <a:p>
-            <a:pPr/>
-            <a:fld id="{86CB4B4D-7CA3-9044-876B-883B54F8677D}" type="slidenum"/>
+            <a:fld id="{86CB4B4D-7CA3-9044-876B-883B54F8677D}" type="slidenum">
+              <a:rPr/>
+            </a:fld>
+            <a:endParaRPr/>
           </a:p>
         </p:txBody>
       </p:sp>
@@ -1430,12 +1884,12 @@
   <p:clrMapOvr>
     <a:masterClrMapping/>
   </p:clrMapOvr>
-  <p:transition xmlns:p14="http://schemas.microsoft.com/office/powerpoint/2010/main" spd="med" advClick="1"/>
+  <p:transition spd="med"/>
 </p:sldLayout>
 </file>
 
 <file path=ppt/slideLayouts/slideLayout4.xml><?xml version="1.0" encoding="utf-8"?>
-<p:sldLayout xmlns:a="http://schemas.openxmlformats.org/drawingml/2006/main" xmlns:r="http://schemas.openxmlformats.org/officeDocument/2006/relationships" xmlns:p="http://schemas.openxmlformats.org/presentationml/2006/main" type="tx" showMasterSp="1" showMasterPhAnim="1">
+<p:sldLayout xmlns:a="http://schemas.openxmlformats.org/drawingml/2006/main" xmlns:r="http://schemas.openxmlformats.org/officeDocument/2006/relationships" xmlns:p="http://schemas.openxmlformats.org/presentationml/2006/main" type="tx">
   <p:cSld name="照片 - 垂直">
     <p:spTree>
       <p:nvGrpSpPr>
@@ -1473,9 +1927,7 @@
             <a:noAutofit/>
           </a:bodyPr>
           <a:lstStyle/>
-          <a:p>
-            <a:pPr/>
-          </a:p>
+          <a:p/>
         </p:txBody>
       </p:sp>
       <p:sp>
@@ -1483,7 +1935,7 @@
           <p:cNvPr id="39" name="标题文本"/>
           <p:cNvSpPr txBox="1"/>
           <p:nvPr>
-            <p:ph type="title"/>
+            <p:ph type="title" hasCustomPrompt="1"/>
           </p:nvPr>
         </p:nvSpPr>
         <p:spPr>
@@ -1503,7 +1955,6 @@
             </a:lvl1pPr>
           </a:lstStyle>
           <a:p>
-            <a:pPr/>
             <a:r>
               <a:t>标题文本</a:t>
             </a:r>
@@ -1515,7 +1966,7 @@
           <p:cNvPr id="40" name="正文级别 1…"/>
           <p:cNvSpPr txBox="1"/>
           <p:nvPr>
-            <p:ph type="body" sz="quarter" idx="1"/>
+            <p:ph type="body" sz="quarter" idx="1" hasCustomPrompt="1"/>
           </p:nvPr>
         </p:nvSpPr>
         <p:spPr>
@@ -1572,7 +2023,6 @@
             </a:lvl5pPr>
           </a:lstStyle>
           <a:p>
-            <a:pPr/>
             <a:r>
               <a:t>正文级别 1</a:t>
             </a:r>
@@ -1620,8 +2070,10 @@
           <a:bodyPr/>
           <a:lstStyle/>
           <a:p>
-            <a:pPr/>
-            <a:fld id="{86CB4B4D-7CA3-9044-876B-883B54F8677D}" type="slidenum"/>
+            <a:fld id="{86CB4B4D-7CA3-9044-876B-883B54F8677D}" type="slidenum">
+              <a:rPr/>
+            </a:fld>
+            <a:endParaRPr/>
           </a:p>
         </p:txBody>
       </p:sp>
@@ -1630,12 +2082,12 @@
   <p:clrMapOvr>
     <a:masterClrMapping/>
   </p:clrMapOvr>
-  <p:transition xmlns:p14="http://schemas.microsoft.com/office/powerpoint/2010/main" spd="med" advClick="1"/>
+  <p:transition spd="med"/>
 </p:sldLayout>
 </file>
 
 <file path=ppt/slideLayouts/slideLayout5.xml><?xml version="1.0" encoding="utf-8"?>
-<p:sldLayout xmlns:a="http://schemas.openxmlformats.org/drawingml/2006/main" xmlns:r="http://schemas.openxmlformats.org/officeDocument/2006/relationships" xmlns:p="http://schemas.openxmlformats.org/presentationml/2006/main" type="tx" showMasterSp="1" showMasterPhAnim="1">
+<p:sldLayout xmlns:a="http://schemas.openxmlformats.org/drawingml/2006/main" xmlns:r="http://schemas.openxmlformats.org/officeDocument/2006/relationships" xmlns:p="http://schemas.openxmlformats.org/presentationml/2006/main" type="tx">
   <p:cSld name="标题 - 顶部对齐">
     <p:spTree>
       <p:nvGrpSpPr>
@@ -1656,7 +2108,7 @@
           <p:cNvPr id="48" name="标题文本"/>
           <p:cNvSpPr txBox="1"/>
           <p:nvPr>
-            <p:ph type="title"/>
+            <p:ph type="title" hasCustomPrompt="1"/>
           </p:nvPr>
         </p:nvSpPr>
         <p:spPr>
@@ -1668,7 +2120,6 @@
           <a:bodyPr/>
           <a:lstStyle/>
           <a:p>
-            <a:pPr/>
             <a:r>
               <a:t>标题文本</a:t>
             </a:r>
@@ -1692,8 +2143,10 @@
           <a:bodyPr/>
           <a:lstStyle/>
           <a:p>
-            <a:pPr/>
-            <a:fld id="{86CB4B4D-7CA3-9044-876B-883B54F8677D}" type="slidenum"/>
+            <a:fld id="{86CB4B4D-7CA3-9044-876B-883B54F8677D}" type="slidenum">
+              <a:rPr/>
+            </a:fld>
+            <a:endParaRPr/>
           </a:p>
         </p:txBody>
       </p:sp>
@@ -1702,12 +2155,12 @@
   <p:clrMapOvr>
     <a:masterClrMapping/>
   </p:clrMapOvr>
-  <p:transition xmlns:p14="http://schemas.microsoft.com/office/powerpoint/2010/main" spd="med" advClick="1"/>
+  <p:transition spd="med"/>
 </p:sldLayout>
 </file>
 
 <file path=ppt/slideLayouts/slideLayout6.xml><?xml version="1.0" encoding="utf-8"?>
-<p:sldLayout xmlns:a="http://schemas.openxmlformats.org/drawingml/2006/main" xmlns:r="http://schemas.openxmlformats.org/officeDocument/2006/relationships" xmlns:p="http://schemas.openxmlformats.org/presentationml/2006/main" type="tx" showMasterSp="1" showMasterPhAnim="1">
+<p:sldLayout xmlns:a="http://schemas.openxmlformats.org/drawingml/2006/main" xmlns:r="http://schemas.openxmlformats.org/officeDocument/2006/relationships" xmlns:p="http://schemas.openxmlformats.org/presentationml/2006/main" type="tx">
   <p:cSld name="标题与项目符号">
     <p:spTree>
       <p:nvGrpSpPr>
@@ -1728,7 +2181,7 @@
           <p:cNvPr id="56" name="标题文本"/>
           <p:cNvSpPr txBox="1"/>
           <p:nvPr>
-            <p:ph type="title"/>
+            <p:ph type="title" hasCustomPrompt="1"/>
           </p:nvPr>
         </p:nvSpPr>
         <p:spPr>
@@ -1740,7 +2193,6 @@
           <a:bodyPr/>
           <a:lstStyle/>
           <a:p>
-            <a:pPr/>
             <a:r>
               <a:t>标题文本</a:t>
             </a:r>
@@ -1752,7 +2204,7 @@
           <p:cNvPr id="57" name="正文级别 1…"/>
           <p:cNvSpPr txBox="1"/>
           <p:nvPr>
-            <p:ph type="body" idx="1"/>
+            <p:ph type="body" idx="1" hasCustomPrompt="1"/>
           </p:nvPr>
         </p:nvSpPr>
         <p:spPr>
@@ -1780,7 +2232,6 @@
             </a:lvl5pPr>
           </a:lstStyle>
           <a:p>
-            <a:pPr/>
             <a:r>
               <a:t>正文级别 1</a:t>
             </a:r>
@@ -1828,8 +2279,10 @@
           <a:bodyPr/>
           <a:lstStyle/>
           <a:p>
-            <a:pPr/>
-            <a:fld id="{86CB4B4D-7CA3-9044-876B-883B54F8677D}" type="slidenum"/>
+            <a:fld id="{86CB4B4D-7CA3-9044-876B-883B54F8677D}" type="slidenum">
+              <a:rPr/>
+            </a:fld>
+            <a:endParaRPr/>
           </a:p>
         </p:txBody>
       </p:sp>
@@ -1838,12 +2291,12 @@
   <p:clrMapOvr>
     <a:masterClrMapping/>
   </p:clrMapOvr>
-  <p:transition xmlns:p14="http://schemas.microsoft.com/office/powerpoint/2010/main" spd="med" advClick="1"/>
+  <p:transition spd="med"/>
 </p:sldLayout>
 </file>
 
 <file path=ppt/slideLayouts/slideLayout7.xml><?xml version="1.0" encoding="utf-8"?>
-<p:sldLayout xmlns:a="http://schemas.openxmlformats.org/drawingml/2006/main" xmlns:r="http://schemas.openxmlformats.org/officeDocument/2006/relationships" xmlns:p="http://schemas.openxmlformats.org/presentationml/2006/main" type="tx" showMasterSp="1" showMasterPhAnim="1">
+<p:sldLayout xmlns:a="http://schemas.openxmlformats.org/drawingml/2006/main" xmlns:r="http://schemas.openxmlformats.org/officeDocument/2006/relationships" xmlns:p="http://schemas.openxmlformats.org/presentationml/2006/main" type="tx">
   <p:cSld name="标题、项目符号与照片">
     <p:spTree>
       <p:nvGrpSpPr>
@@ -1881,9 +2334,7 @@
             <a:noAutofit/>
           </a:bodyPr>
           <a:lstStyle/>
-          <a:p>
-            <a:pPr/>
-          </a:p>
+          <a:p/>
         </p:txBody>
       </p:sp>
       <p:sp>
@@ -1891,7 +2342,7 @@
           <p:cNvPr id="66" name="标题文本"/>
           <p:cNvSpPr txBox="1"/>
           <p:nvPr>
-            <p:ph type="title"/>
+            <p:ph type="title" hasCustomPrompt="1"/>
           </p:nvPr>
         </p:nvSpPr>
         <p:spPr>
@@ -1903,7 +2354,6 @@
           <a:bodyPr/>
           <a:lstStyle/>
           <a:p>
-            <a:pPr/>
             <a:r>
               <a:t>标题文本</a:t>
             </a:r>
@@ -1915,7 +2365,7 @@
           <p:cNvPr id="67" name="正文级别 1…"/>
           <p:cNvSpPr txBox="1"/>
           <p:nvPr>
-            <p:ph type="body" sz="half" idx="1"/>
+            <p:ph type="body" sz="half" idx="1" hasCustomPrompt="1"/>
           </p:nvPr>
         </p:nvSpPr>
         <p:spPr>
@@ -1962,7 +2412,6 @@
             </a:lvl5pPr>
           </a:lstStyle>
           <a:p>
-            <a:pPr/>
             <a:r>
               <a:t>正文级别 1</a:t>
             </a:r>
@@ -2010,8 +2459,10 @@
           <a:bodyPr/>
           <a:lstStyle/>
           <a:p>
-            <a:pPr/>
-            <a:fld id="{86CB4B4D-7CA3-9044-876B-883B54F8677D}" type="slidenum"/>
+            <a:fld id="{86CB4B4D-7CA3-9044-876B-883B54F8677D}" type="slidenum">
+              <a:rPr/>
+            </a:fld>
+            <a:endParaRPr/>
           </a:p>
         </p:txBody>
       </p:sp>
@@ -2020,12 +2471,12 @@
   <p:clrMapOvr>
     <a:masterClrMapping/>
   </p:clrMapOvr>
-  <p:transition xmlns:p14="http://schemas.microsoft.com/office/powerpoint/2010/main" spd="med" advClick="1"/>
+  <p:transition spd="med"/>
 </p:sldLayout>
 </file>
 
 <file path=ppt/slideLayouts/slideLayout8.xml><?xml version="1.0" encoding="utf-8"?>
-<p:sldLayout xmlns:a="http://schemas.openxmlformats.org/drawingml/2006/main" xmlns:r="http://schemas.openxmlformats.org/officeDocument/2006/relationships" xmlns:p="http://schemas.openxmlformats.org/presentationml/2006/main" type="tx" showMasterSp="1" showMasterPhAnim="1">
+<p:sldLayout xmlns:a="http://schemas.openxmlformats.org/drawingml/2006/main" xmlns:r="http://schemas.openxmlformats.org/officeDocument/2006/relationships" xmlns:p="http://schemas.openxmlformats.org/presentationml/2006/main" type="tx">
   <p:cSld name="项目符号">
     <p:spTree>
       <p:nvGrpSpPr>
@@ -2046,7 +2497,7 @@
           <p:cNvPr id="75" name="正文级别 1…"/>
           <p:cNvSpPr txBox="1"/>
           <p:nvPr>
-            <p:ph type="body" idx="1"/>
+            <p:ph type="body" idx="1" hasCustomPrompt="1"/>
           </p:nvPr>
         </p:nvSpPr>
         <p:spPr>
@@ -2078,7 +2529,6 @@
             </a:lvl5pPr>
           </a:lstStyle>
           <a:p>
-            <a:pPr/>
             <a:r>
               <a:t>正文级别 1</a:t>
             </a:r>
@@ -2126,8 +2576,10 @@
           <a:bodyPr/>
           <a:lstStyle/>
           <a:p>
-            <a:pPr/>
-            <a:fld id="{86CB4B4D-7CA3-9044-876B-883B54F8677D}" type="slidenum"/>
+            <a:fld id="{86CB4B4D-7CA3-9044-876B-883B54F8677D}" type="slidenum">
+              <a:rPr/>
+            </a:fld>
+            <a:endParaRPr/>
           </a:p>
         </p:txBody>
       </p:sp>
@@ -2136,12 +2588,12 @@
   <p:clrMapOvr>
     <a:masterClrMapping/>
   </p:clrMapOvr>
-  <p:transition xmlns:p14="http://schemas.microsoft.com/office/powerpoint/2010/main" spd="med" advClick="1"/>
+  <p:transition spd="med"/>
 </p:sldLayout>
 </file>
 
 <file path=ppt/slideLayouts/slideLayout9.xml><?xml version="1.0" encoding="utf-8"?>
-<p:sldLayout xmlns:a="http://schemas.openxmlformats.org/drawingml/2006/main" xmlns:r="http://schemas.openxmlformats.org/officeDocument/2006/relationships" xmlns:p="http://schemas.openxmlformats.org/presentationml/2006/main" type="tx" showMasterSp="1" showMasterPhAnim="1">
+<p:sldLayout xmlns:a="http://schemas.openxmlformats.org/drawingml/2006/main" xmlns:r="http://schemas.openxmlformats.org/officeDocument/2006/relationships" xmlns:p="http://schemas.openxmlformats.org/presentationml/2006/main" type="tx">
   <p:cSld name="照片 - 3 联">
     <p:spTree>
       <p:nvGrpSpPr>
@@ -2179,9 +2631,7 @@
             <a:noAutofit/>
           </a:bodyPr>
           <a:lstStyle/>
-          <a:p>
-            <a:pPr/>
-          </a:p>
+          <a:p/>
         </p:txBody>
       </p:sp>
       <p:sp>
@@ -2206,9 +2656,7 @@
             <a:noAutofit/>
           </a:bodyPr>
           <a:lstStyle/>
-          <a:p>
-            <a:pPr/>
-          </a:p>
+          <a:p/>
         </p:txBody>
       </p:sp>
       <p:sp>
@@ -2233,9 +2681,7 @@
             <a:noAutofit/>
           </a:bodyPr>
           <a:lstStyle/>
-          <a:p>
-            <a:pPr/>
-          </a:p>
+          <a:p/>
         </p:txBody>
       </p:sp>
       <p:sp>
@@ -2255,8 +2701,10 @@
           <a:bodyPr/>
           <a:lstStyle/>
           <a:p>
-            <a:pPr/>
-            <a:fld id="{86CB4B4D-7CA3-9044-876B-883B54F8677D}" type="slidenum"/>
+            <a:fld id="{86CB4B4D-7CA3-9044-876B-883B54F8677D}" type="slidenum">
+              <a:rPr/>
+            </a:fld>
+            <a:endParaRPr/>
           </a:p>
         </p:txBody>
       </p:sp>
@@ -2265,7 +2713,7 @@
   <p:clrMapOvr>
     <a:masterClrMapping/>
   </p:clrMapOvr>
-  <p:transition xmlns:p14="http://schemas.microsoft.com/office/powerpoint/2010/main" spd="med" advClick="1"/>
+  <p:transition spd="med"/>
 </p:sldLayout>
 </file>
 
@@ -2277,6 +2725,7 @@
         <a:solidFill>
           <a:srgbClr val="FFFFFF"/>
         </a:solidFill>
+        <a:effectLst/>
       </p:bgPr>
     </p:bg>
     <p:spTree>
@@ -2312,19 +2761,13 @@
           <a:ln w="12700">
             <a:miter lim="400000"/>
           </a:ln>
-          <a:extLst>
-            <a:ext uri="{C572A759-6A51-4108-AA02-DFA0A04FC94B}">
-              <ma14:wrappingTextBoxFlag xmlns:ma14="http://schemas.microsoft.com/office/mac/drawingml/2011/main" val="1"/>
-            </a:ext>
-          </a:extLst>
         </p:spPr>
         <p:txBody>
           <a:bodyPr lIns="50800" tIns="50800" rIns="50800" bIns="50800" anchor="ctr">
-            <a:normAutofit fontScale="100000" lnSpcReduction="0"/>
+            <a:normAutofit/>
           </a:bodyPr>
           <a:lstStyle/>
           <a:p>
-            <a:pPr/>
             <a:r>
               <a:t>标题文本</a:t>
             </a:r>
@@ -2350,19 +2793,13 @@
           <a:ln w="12700">
             <a:miter lim="400000"/>
           </a:ln>
-          <a:extLst>
-            <a:ext uri="{C572A759-6A51-4108-AA02-DFA0A04FC94B}">
-              <ma14:wrappingTextBoxFlag xmlns:ma14="http://schemas.microsoft.com/office/mac/drawingml/2011/main" val="1"/>
-            </a:ext>
-          </a:extLst>
         </p:spPr>
         <p:txBody>
           <a:bodyPr lIns="50800" tIns="50800" rIns="50800" bIns="50800" anchor="ctr">
-            <a:normAutofit fontScale="100000" lnSpcReduction="0"/>
+            <a:normAutofit/>
           </a:bodyPr>
           <a:lstStyle/>
           <a:p>
-            <a:pPr/>
             <a:r>
               <a:t>正文级别 1</a:t>
             </a:r>
@@ -2419,7 +2856,7 @@
           </a:bodyPr>
           <a:lstStyle>
             <a:lvl1pPr>
-              <a:defRPr b="0" sz="2400">
+              <a:defRPr sz="2400" b="0">
                 <a:latin typeface="Helvetica Neue Light"/>
                 <a:ea typeface="Helvetica Neue Light"/>
                 <a:cs typeface="Helvetica Neue Light"/>
@@ -2428,8 +2865,10 @@
             </a:lvl1pPr>
           </a:lstStyle>
           <a:p>
-            <a:pPr/>
-            <a:fld id="{86CB4B4D-7CA3-9044-876B-883B54F8677D}" type="slidenum"/>
+            <a:fld id="{86CB4B4D-7CA3-9044-876B-883B54F8677D}" type="slidenum">
+              <a:rPr/>
+            </a:fld>
+            <a:endParaRPr/>
           </a:p>
         </p:txBody>
       </p:sp>
@@ -2437,21 +2876,21 @@
   </p:cSld>
   <p:clrMap bg1="lt1" tx1="dk1" bg2="lt2" tx2="dk2" accent1="accent1" accent2="accent2" accent3="accent3" accent4="accent4" accent5="accent5" accent6="accent6" hlink="hlink" folHlink="folHlink"/>
   <p:sldLayoutIdLst>
-    <p:sldLayoutId id="2147483649" r:id="rId2"/>
-    <p:sldLayoutId id="2147483650" r:id="rId3"/>
-    <p:sldLayoutId id="2147483651" r:id="rId4"/>
-    <p:sldLayoutId id="2147483652" r:id="rId5"/>
-    <p:sldLayoutId id="2147483653" r:id="rId6"/>
-    <p:sldLayoutId id="2147483654" r:id="rId7"/>
-    <p:sldLayoutId id="2147483655" r:id="rId8"/>
-    <p:sldLayoutId id="2147483656" r:id="rId9"/>
-    <p:sldLayoutId id="2147483657" r:id="rId10"/>
-    <p:sldLayoutId id="2147483658" r:id="rId11"/>
-    <p:sldLayoutId id="2147483659" r:id="rId12"/>
-    <p:sldLayoutId id="2147483660" r:id="rId13"/>
-    <p:sldLayoutId id="2147483661" r:id="rId14"/>
+    <p:sldLayoutId id="2147483649" r:id="rId1"/>
+    <p:sldLayoutId id="2147483650" r:id="rId2"/>
+    <p:sldLayoutId id="2147483651" r:id="rId3"/>
+    <p:sldLayoutId id="2147483652" r:id="rId4"/>
+    <p:sldLayoutId id="2147483653" r:id="rId5"/>
+    <p:sldLayoutId id="2147483654" r:id="rId6"/>
+    <p:sldLayoutId id="2147483655" r:id="rId7"/>
+    <p:sldLayoutId id="2147483656" r:id="rId8"/>
+    <p:sldLayoutId id="2147483657" r:id="rId9"/>
+    <p:sldLayoutId id="2147483658" r:id="rId10"/>
+    <p:sldLayoutId id="2147483659" r:id="rId11"/>
+    <p:sldLayoutId id="2147483660" r:id="rId12"/>
+    <p:sldLayoutId id="2147483661" r:id="rId13"/>
   </p:sldLayoutIdLst>
-  <p:transition xmlns:p14="http://schemas.microsoft.com/office/powerpoint/2010/main" spd="med" advClick="1"/>
+  <p:transition spd="med"/>
   <p:txStyles>
     <p:titleStyle>
       <a:lvl1pPr marL="0" marR="0" indent="0" algn="ctr" defTabSz="825500" rtl="0" latinLnBrk="0">
@@ -2468,8 +2907,7 @@
         <a:buSzTx/>
         <a:buFontTx/>
         <a:buNone/>
-        <a:tabLst/>
-        <a:defRPr b="0" baseline="0" cap="none" i="0" spc="0" strike="noStrike" sz="11200" u="none">
+        <a:defRPr sz="11200" b="0" i="0" u="none" strike="noStrike" cap="none" spc="0" baseline="0">
           <a:ln>
             <a:noFill/>
           </a:ln>
@@ -2497,8 +2935,7 @@
         <a:buSzTx/>
         <a:buFontTx/>
         <a:buNone/>
-        <a:tabLst/>
-        <a:defRPr b="0" baseline="0" cap="none" i="0" spc="0" strike="noStrike" sz="11200" u="none">
+        <a:defRPr sz="11200" b="0" i="0" u="none" strike="noStrike" cap="none" spc="0" baseline="0">
           <a:ln>
             <a:noFill/>
           </a:ln>
@@ -2526,8 +2963,7 @@
         <a:buSzTx/>
         <a:buFontTx/>
         <a:buNone/>
-        <a:tabLst/>
-        <a:defRPr b="0" baseline="0" cap="none" i="0" spc="0" strike="noStrike" sz="11200" u="none">
+        <a:defRPr sz="11200" b="0" i="0" u="none" strike="noStrike" cap="none" spc="0" baseline="0">
           <a:ln>
             <a:noFill/>
           </a:ln>
@@ -2555,8 +2991,7 @@
         <a:buSzTx/>
         <a:buFontTx/>
         <a:buNone/>
-        <a:tabLst/>
-        <a:defRPr b="0" baseline="0" cap="none" i="0" spc="0" strike="noStrike" sz="11200" u="none">
+        <a:defRPr sz="11200" b="0" i="0" u="none" strike="noStrike" cap="none" spc="0" baseline="0">
           <a:ln>
             <a:noFill/>
           </a:ln>
@@ -2584,8 +3019,7 @@
         <a:buSzTx/>
         <a:buFontTx/>
         <a:buNone/>
-        <a:tabLst/>
-        <a:defRPr b="0" baseline="0" cap="none" i="0" spc="0" strike="noStrike" sz="11200" u="none">
+        <a:defRPr sz="11200" b="0" i="0" u="none" strike="noStrike" cap="none" spc="0" baseline="0">
           <a:ln>
             <a:noFill/>
           </a:ln>
@@ -2613,8 +3047,7 @@
         <a:buSzTx/>
         <a:buFontTx/>
         <a:buNone/>
-        <a:tabLst/>
-        <a:defRPr b="0" baseline="0" cap="none" i="0" spc="0" strike="noStrike" sz="11200" u="none">
+        <a:defRPr sz="11200" b="0" i="0" u="none" strike="noStrike" cap="none" spc="0" baseline="0">
           <a:ln>
             <a:noFill/>
           </a:ln>
@@ -2642,8 +3075,7 @@
         <a:buSzTx/>
         <a:buFontTx/>
         <a:buNone/>
-        <a:tabLst/>
-        <a:defRPr b="0" baseline="0" cap="none" i="0" spc="0" strike="noStrike" sz="11200" u="none">
+        <a:defRPr sz="11200" b="0" i="0" u="none" strike="noStrike" cap="none" spc="0" baseline="0">
           <a:ln>
             <a:noFill/>
           </a:ln>
@@ -2671,8 +3103,7 @@
         <a:buSzTx/>
         <a:buFontTx/>
         <a:buNone/>
-        <a:tabLst/>
-        <a:defRPr b="0" baseline="0" cap="none" i="0" spc="0" strike="noStrike" sz="11200" u="none">
+        <a:defRPr sz="11200" b="0" i="0" u="none" strike="noStrike" cap="none" spc="0" baseline="0">
           <a:ln>
             <a:noFill/>
           </a:ln>
@@ -2700,8 +3131,7 @@
         <a:buSzTx/>
         <a:buFontTx/>
         <a:buNone/>
-        <a:tabLst/>
-        <a:defRPr b="0" baseline="0" cap="none" i="0" spc="0" strike="noStrike" sz="11200" u="none">
+        <a:defRPr sz="11200" b="0" i="0" u="none" strike="noStrike" cap="none" spc="0" baseline="0">
           <a:ln>
             <a:noFill/>
           </a:ln>
@@ -2731,8 +3161,7 @@
         <a:buSzPct val="125000"/>
         <a:buFontTx/>
         <a:buChar char="•"/>
-        <a:tabLst/>
-        <a:defRPr b="0" baseline="0" cap="none" i="0" spc="0" strike="noStrike" sz="5200" u="none">
+        <a:defRPr sz="5200" b="0" i="0" u="none" strike="noStrike" cap="none" spc="0" baseline="0">
           <a:ln>
             <a:noFill/>
           </a:ln>
@@ -2760,8 +3189,7 @@
         <a:buSzPct val="125000"/>
         <a:buFontTx/>
         <a:buChar char="•"/>
-        <a:tabLst/>
-        <a:defRPr b="0" baseline="0" cap="none" i="0" spc="0" strike="noStrike" sz="5200" u="none">
+        <a:defRPr sz="5200" b="0" i="0" u="none" strike="noStrike" cap="none" spc="0" baseline="0">
           <a:ln>
             <a:noFill/>
           </a:ln>
@@ -2789,8 +3217,7 @@
         <a:buSzPct val="125000"/>
         <a:buFontTx/>
         <a:buChar char="•"/>
-        <a:tabLst/>
-        <a:defRPr b="0" baseline="0" cap="none" i="0" spc="0" strike="noStrike" sz="5200" u="none">
+        <a:defRPr sz="5200" b="0" i="0" u="none" strike="noStrike" cap="none" spc="0" baseline="0">
           <a:ln>
             <a:noFill/>
           </a:ln>
@@ -2818,8 +3245,7 @@
         <a:buSzPct val="125000"/>
         <a:buFontTx/>
         <a:buChar char="•"/>
-        <a:tabLst/>
-        <a:defRPr b="0" baseline="0" cap="none" i="0" spc="0" strike="noStrike" sz="5200" u="none">
+        <a:defRPr sz="5200" b="0" i="0" u="none" strike="noStrike" cap="none" spc="0" baseline="0">
           <a:ln>
             <a:noFill/>
           </a:ln>
@@ -2847,8 +3273,7 @@
         <a:buSzPct val="125000"/>
         <a:buFontTx/>
         <a:buChar char="•"/>
-        <a:tabLst/>
-        <a:defRPr b="0" baseline="0" cap="none" i="0" spc="0" strike="noStrike" sz="5200" u="none">
+        <a:defRPr sz="5200" b="0" i="0" u="none" strike="noStrike" cap="none" spc="0" baseline="0">
           <a:ln>
             <a:noFill/>
           </a:ln>
@@ -2876,8 +3301,7 @@
         <a:buSzPct val="125000"/>
         <a:buFontTx/>
         <a:buChar char="•"/>
-        <a:tabLst/>
-        <a:defRPr b="0" baseline="0" cap="none" i="0" spc="0" strike="noStrike" sz="5200" u="none">
+        <a:defRPr sz="5200" b="0" i="0" u="none" strike="noStrike" cap="none" spc="0" baseline="0">
           <a:ln>
             <a:noFill/>
           </a:ln>
@@ -2905,8 +3329,7 @@
         <a:buSzPct val="125000"/>
         <a:buFontTx/>
         <a:buChar char="•"/>
-        <a:tabLst/>
-        <a:defRPr b="0" baseline="0" cap="none" i="0" spc="0" strike="noStrike" sz="5200" u="none">
+        <a:defRPr sz="5200" b="0" i="0" u="none" strike="noStrike" cap="none" spc="0" baseline="0">
           <a:ln>
             <a:noFill/>
           </a:ln>
@@ -2934,8 +3357,7 @@
         <a:buSzPct val="125000"/>
         <a:buFontTx/>
         <a:buChar char="•"/>
-        <a:tabLst/>
-        <a:defRPr b="0" baseline="0" cap="none" i="0" spc="0" strike="noStrike" sz="5200" u="none">
+        <a:defRPr sz="5200" b="0" i="0" u="none" strike="noStrike" cap="none" spc="0" baseline="0">
           <a:ln>
             <a:noFill/>
           </a:ln>
@@ -2963,8 +3385,7 @@
         <a:buSzPct val="125000"/>
         <a:buFontTx/>
         <a:buChar char="•"/>
-        <a:tabLst/>
-        <a:defRPr b="0" baseline="0" cap="none" i="0" spc="0" strike="noStrike" sz="5200" u="none">
+        <a:defRPr sz="5200" b="0" i="0" u="none" strike="noStrike" cap="none" spc="0" baseline="0">
           <a:ln>
             <a:noFill/>
           </a:ln>
@@ -2994,8 +3415,7 @@
         <a:buSzTx/>
         <a:buFontTx/>
         <a:buNone/>
-        <a:tabLst/>
-        <a:defRPr b="0" baseline="0" cap="none" i="0" spc="0" strike="noStrike" sz="2400" u="none">
+        <a:defRPr sz="2400" b="0" i="0" u="none" strike="noStrike" cap="none" spc="0" baseline="0">
           <a:ln>
             <a:noFill/>
           </a:ln>
@@ -3023,8 +3443,7 @@
         <a:buSzTx/>
         <a:buFontTx/>
         <a:buNone/>
-        <a:tabLst/>
-        <a:defRPr b="0" baseline="0" cap="none" i="0" spc="0" strike="noStrike" sz="2400" u="none">
+        <a:defRPr sz="2400" b="0" i="0" u="none" strike="noStrike" cap="none" spc="0" baseline="0">
           <a:ln>
             <a:noFill/>
           </a:ln>
@@ -3052,8 +3471,7 @@
         <a:buSzTx/>
         <a:buFontTx/>
         <a:buNone/>
-        <a:tabLst/>
-        <a:defRPr b="0" baseline="0" cap="none" i="0" spc="0" strike="noStrike" sz="2400" u="none">
+        <a:defRPr sz="2400" b="0" i="0" u="none" strike="noStrike" cap="none" spc="0" baseline="0">
           <a:ln>
             <a:noFill/>
           </a:ln>
@@ -3081,8 +3499,7 @@
         <a:buSzTx/>
         <a:buFontTx/>
         <a:buNone/>
-        <a:tabLst/>
-        <a:defRPr b="0" baseline="0" cap="none" i="0" spc="0" strike="noStrike" sz="2400" u="none">
+        <a:defRPr sz="2400" b="0" i="0" u="none" strike="noStrike" cap="none" spc="0" baseline="0">
           <a:ln>
             <a:noFill/>
           </a:ln>
@@ -3110,8 +3527,7 @@
         <a:buSzTx/>
         <a:buFontTx/>
         <a:buNone/>
-        <a:tabLst/>
-        <a:defRPr b="0" baseline="0" cap="none" i="0" spc="0" strike="noStrike" sz="2400" u="none">
+        <a:defRPr sz="2400" b="0" i="0" u="none" strike="noStrike" cap="none" spc="0" baseline="0">
           <a:ln>
             <a:noFill/>
           </a:ln>
@@ -3139,8 +3555,7 @@
         <a:buSzTx/>
         <a:buFontTx/>
         <a:buNone/>
-        <a:tabLst/>
-        <a:defRPr b="0" baseline="0" cap="none" i="0" spc="0" strike="noStrike" sz="2400" u="none">
+        <a:defRPr sz="2400" b="0" i="0" u="none" strike="noStrike" cap="none" spc="0" baseline="0">
           <a:ln>
             <a:noFill/>
           </a:ln>
@@ -3168,8 +3583,7 @@
         <a:buSzTx/>
         <a:buFontTx/>
         <a:buNone/>
-        <a:tabLst/>
-        <a:defRPr b="0" baseline="0" cap="none" i="0" spc="0" strike="noStrike" sz="2400" u="none">
+        <a:defRPr sz="2400" b="0" i="0" u="none" strike="noStrike" cap="none" spc="0" baseline="0">
           <a:ln>
             <a:noFill/>
           </a:ln>
@@ -3197,8 +3611,7 @@
         <a:buSzTx/>
         <a:buFontTx/>
         <a:buNone/>
-        <a:tabLst/>
-        <a:defRPr b="0" baseline="0" cap="none" i="0" spc="0" strike="noStrike" sz="2400" u="none">
+        <a:defRPr sz="2400" b="0" i="0" u="none" strike="noStrike" cap="none" spc="0" baseline="0">
           <a:ln>
             <a:noFill/>
           </a:ln>
@@ -3226,8 +3639,7 @@
         <a:buSzTx/>
         <a:buFontTx/>
         <a:buNone/>
-        <a:tabLst/>
-        <a:defRPr b="0" baseline="0" cap="none" i="0" spc="0" strike="noStrike" sz="2400" u="none">
+        <a:defRPr sz="2400" b="0" i="0" u="none" strike="noStrike" cap="none" spc="0" baseline="0">
           <a:ln>
             <a:noFill/>
           </a:ln>
@@ -3247,7 +3659,7 @@
 </file>
 
 <file path=ppt/slides/slide1.xml><?xml version="1.0" encoding="utf-8"?>
-<p:sld xmlns:a="http://schemas.openxmlformats.org/drawingml/2006/main" xmlns:r="http://schemas.openxmlformats.org/officeDocument/2006/relationships" xmlns:p="http://schemas.openxmlformats.org/presentationml/2006/main" showMasterSp="1" showMasterPhAnim="1">
+<p:sld xmlns:a="http://schemas.openxmlformats.org/drawingml/2006/main" xmlns:r="http://schemas.openxmlformats.org/officeDocument/2006/relationships" xmlns:p="http://schemas.openxmlformats.org/presentationml/2006/main">
   <p:cSld>
     <p:spTree>
       <p:nvGrpSpPr>
@@ -3272,9 +3684,7 @@
           <p:nvPr/>
         </p:nvPicPr>
         <p:blipFill>
-          <a:blip r:embed="rId2">
-            <a:extLst/>
-          </a:blip>
+          <a:blip r:embed="rId1"/>
           <a:stretch>
             <a:fillRect/>
           </a:stretch>
@@ -3289,6 +3699,8 @@
           </a:prstGeom>
           <a:ln w="12700">
             <a:miter lim="400000"/>
+            <a:headEnd/>
+            <a:tailEnd/>
           </a:ln>
         </p:spPr>
       </p:pic>
@@ -3309,11 +3721,6 @@
           <a:ln w="12700">
             <a:miter lim="400000"/>
           </a:ln>
-          <a:extLst>
-            <a:ext uri="{C572A759-6A51-4108-AA02-DFA0A04FC94B}">
-              <ma14:wrappingTextBoxFlag xmlns:ma14="http://schemas.microsoft.com/office/mac/drawingml/2011/main" val="1"/>
-            </a:ext>
-          </a:extLst>
         </p:spPr>
         <p:txBody>
           <a:bodyPr wrap="none" lIns="50800" tIns="50800" rIns="50800" bIns="50800" anchor="ctr">
@@ -3321,7 +3728,7 @@
           </a:bodyPr>
           <a:lstStyle>
             <a:lvl1pPr>
-              <a:defRPr b="0" sz="10000">
+              <a:defRPr sz="10000" b="0">
                 <a:latin typeface="PingFang SC Regular"/>
                 <a:ea typeface="PingFang SC Regular"/>
                 <a:cs typeface="PingFang SC Regular"/>
@@ -3330,7 +3737,6 @@
             </a:lvl1pPr>
           </a:lstStyle>
           <a:p>
-            <a:pPr/>
             <a:r>
               <a:t>组件篇</a:t>
             </a:r>
@@ -3354,11 +3760,6 @@
           <a:ln w="12700">
             <a:miter lim="400000"/>
           </a:ln>
-          <a:extLst>
-            <a:ext uri="{C572A759-6A51-4108-AA02-DFA0A04FC94B}">
-              <ma14:wrappingTextBoxFlag xmlns:ma14="http://schemas.microsoft.com/office/mac/drawingml/2011/main" val="1"/>
-            </a:ext>
-          </a:extLst>
         </p:spPr>
         <p:txBody>
           <a:bodyPr wrap="none" lIns="50800" tIns="50800" rIns="50800" bIns="50800" anchor="ctr">
@@ -3366,7 +3767,6 @@
           </a:bodyPr>
           <a:lstStyle/>
           <a:p>
-            <a:pPr/>
             <a:r>
               <a:t>加微信：talkingcoder 进群讨论，注明“组件”</a:t>
             </a:r>
@@ -3378,12 +3778,12 @@
   <p:clrMapOvr>
     <a:masterClrMapping/>
   </p:clrMapOvr>
-  <p:transition xmlns:p14="http://schemas.microsoft.com/office/powerpoint/2010/main" spd="med" advClick="1"/>
+  <p:transition spd="med"/>
 </p:sld>
 </file>
 
 <file path=ppt/slides/slide10.xml><?xml version="1.0" encoding="utf-8"?>
-<p:sld xmlns:a="http://schemas.openxmlformats.org/drawingml/2006/main" xmlns:r="http://schemas.openxmlformats.org/officeDocument/2006/relationships" xmlns:p="http://schemas.openxmlformats.org/presentationml/2006/main" showMasterSp="1" showMasterPhAnim="1">
+<p:sld xmlns:a="http://schemas.openxmlformats.org/drawingml/2006/main" xmlns:r="http://schemas.openxmlformats.org/officeDocument/2006/relationships" xmlns:p="http://schemas.openxmlformats.org/presentationml/2006/main">
   <p:cSld>
     <p:spTree>
       <p:nvGrpSpPr>
@@ -3416,23 +3816,18 @@
           <a:ln w="12700">
             <a:miter lim="400000"/>
           </a:ln>
-          <a:extLst>
-            <a:ext uri="{C572A759-6A51-4108-AA02-DFA0A04FC94B}">
-              <ma14:wrappingTextBoxFlag xmlns:ma14="http://schemas.microsoft.com/office/mac/drawingml/2011/main" val="1"/>
-            </a:ext>
-          </a:extLst>
         </p:spPr>
         <p:txBody>
           <a:bodyPr wrap="none" lIns="50800" tIns="50800" rIns="50800" bIns="50800">
             <a:spAutoFit/>
           </a:bodyPr>
           <a:lstStyle>
-            <a:lvl1pPr marL="661458" indent="-661458" algn="l">
+            <a:lvl1pPr marL="661670" indent="-661670" algn="l">
               <a:buSzPct val="50000"/>
               <a:buBlip>
-                <a:blip r:embed="rId2"/>
+                <a:blip r:embed="rId1"/>
               </a:buBlip>
-              <a:defRPr b="0" sz="5000">
+              <a:defRPr sz="5000" b="0">
                 <a:latin typeface="Helvetica Light"/>
                 <a:ea typeface="Helvetica Light"/>
                 <a:cs typeface="Helvetica Light"/>
@@ -3441,7 +3836,6 @@
             </a:lvl1pPr>
           </a:lstStyle>
           <a:p>
-            <a:pPr/>
             <a:r>
               <a:t>单向数据流</a:t>
             </a:r>
@@ -3465,11 +3859,6 @@
           <a:ln w="12700">
             <a:miter lim="400000"/>
           </a:ln>
-          <a:extLst>
-            <a:ext uri="{C572A759-6A51-4108-AA02-DFA0A04FC94B}">
-              <ma14:wrappingTextBoxFlag xmlns:ma14="http://schemas.microsoft.com/office/mac/drawingml/2011/main" val="1"/>
-            </a:ext>
-          </a:extLst>
         </p:spPr>
         <p:txBody>
           <a:bodyPr lIns="50800" tIns="50800" rIns="50800" bIns="50800" anchor="ctr">
@@ -3486,9 +3875,9 @@
               </a:spcBef>
               <a:buSzPct val="100000"/>
               <a:buBlip>
-                <a:blip r:embed="rId3"/>
+                <a:blip r:embed="rId2"/>
               </a:buBlip>
-              <a:defRPr b="0" sz="4000">
+              <a:defRPr sz="4000" b="0">
                 <a:latin typeface="Kaiti SC Regular"/>
                 <a:ea typeface="Kaiti SC Regular"/>
                 <a:cs typeface="Kaiti SC Regular"/>
@@ -3518,12 +3907,12 @@
   <p:clrMapOvr>
     <a:masterClrMapping/>
   </p:clrMapOvr>
-  <p:transition xmlns:p14="http://schemas.microsoft.com/office/powerpoint/2010/main" spd="med" advClick="1"/>
+  <p:transition spd="med"/>
 </p:sld>
 </file>
 
 <file path=ppt/slides/slide11.xml><?xml version="1.0" encoding="utf-8"?>
-<p:sld xmlns:a="http://schemas.openxmlformats.org/drawingml/2006/main" xmlns:r="http://schemas.openxmlformats.org/officeDocument/2006/relationships" xmlns:p="http://schemas.openxmlformats.org/presentationml/2006/main" showMasterSp="1" showMasterPhAnim="1">
+<p:sld xmlns:a="http://schemas.openxmlformats.org/drawingml/2006/main" xmlns:r="http://schemas.openxmlformats.org/officeDocument/2006/relationships" xmlns:p="http://schemas.openxmlformats.org/presentationml/2006/main">
   <p:cSld>
     <p:spTree>
       <p:nvGrpSpPr>
@@ -3556,23 +3945,18 @@
           <a:ln w="12700">
             <a:miter lim="400000"/>
           </a:ln>
-          <a:extLst>
-            <a:ext uri="{C572A759-6A51-4108-AA02-DFA0A04FC94B}">
-              <ma14:wrappingTextBoxFlag xmlns:ma14="http://schemas.microsoft.com/office/mac/drawingml/2011/main" val="1"/>
-            </a:ext>
-          </a:extLst>
         </p:spPr>
         <p:txBody>
           <a:bodyPr wrap="none" lIns="50800" tIns="50800" rIns="50800" bIns="50800">
             <a:spAutoFit/>
           </a:bodyPr>
           <a:lstStyle>
-            <a:lvl1pPr marL="661458" indent="-661458" algn="l">
+            <a:lvl1pPr marL="661670" indent="-661670" algn="l">
               <a:buSzPct val="50000"/>
               <a:buBlip>
-                <a:blip r:embed="rId2"/>
+                <a:blip r:embed="rId1"/>
               </a:buBlip>
-              <a:defRPr b="0" sz="5000">
+              <a:defRPr sz="5000" b="0">
                 <a:latin typeface="Helvetica Light"/>
                 <a:ea typeface="Helvetica Light"/>
                 <a:cs typeface="Helvetica Light"/>
@@ -3581,7 +3965,6 @@
             </a:lvl1pPr>
           </a:lstStyle>
           <a:p>
-            <a:pPr/>
             <a:r>
               <a:t>数据验证</a:t>
             </a:r>
@@ -3605,11 +3988,6 @@
           <a:ln w="12700">
             <a:miter lim="400000"/>
           </a:ln>
-          <a:extLst>
-            <a:ext uri="{C572A759-6A51-4108-AA02-DFA0A04FC94B}">
-              <ma14:wrappingTextBoxFlag xmlns:ma14="http://schemas.microsoft.com/office/mac/drawingml/2011/main" val="1"/>
-            </a:ext>
-          </a:extLst>
         </p:spPr>
         <p:txBody>
           <a:bodyPr lIns="50800" tIns="50800" rIns="50800" bIns="50800" anchor="ctr">
@@ -3617,7 +3995,7 @@
           </a:bodyPr>
           <a:lstStyle/>
           <a:p>
-            <a:pPr marL="495000" indent="-228600" algn="just" defTabSz="457200">
+            <a:pPr marL="495300" indent="-228600" algn="just" defTabSz="457200">
               <a:lnSpc>
                 <a:spcPts val="7500"/>
               </a:lnSpc>
@@ -3626,9 +4004,9 @@
               </a:buClr>
               <a:buSzPct val="60000"/>
               <a:buBlip>
-                <a:blip r:embed="rId3"/>
+                <a:blip r:embed="rId2"/>
               </a:buBlip>
-              <a:defRPr b="0" sz="5000">
+              <a:defRPr sz="5000" b="0">
                 <a:latin typeface="Songti SC Regular"/>
                 <a:ea typeface="Songti SC Regular"/>
                 <a:cs typeface="Songti SC Regular"/>
@@ -3640,7 +4018,7 @@
             </a:r>
           </a:p>
           <a:p>
-            <a:pPr marL="495000" indent="-228600" algn="just" defTabSz="457200">
+            <a:pPr marL="495300" indent="-228600" algn="just" defTabSz="457200">
               <a:lnSpc>
                 <a:spcPts val="7500"/>
               </a:lnSpc>
@@ -3649,9 +4027,9 @@
               </a:buClr>
               <a:buSzPct val="60000"/>
               <a:buBlip>
-                <a:blip r:embed="rId3"/>
+                <a:blip r:embed="rId2"/>
               </a:buBlip>
-              <a:defRPr b="0" sz="5000">
+              <a:defRPr sz="5000" b="0">
                 <a:latin typeface="Songti SC Regular"/>
                 <a:ea typeface="Songti SC Regular"/>
                 <a:cs typeface="Songti SC Regular"/>
@@ -3663,7 +4041,7 @@
             </a:r>
           </a:p>
           <a:p>
-            <a:pPr marL="495000" indent="-228600" algn="just" defTabSz="457200">
+            <a:pPr marL="495300" indent="-228600" algn="just" defTabSz="457200">
               <a:lnSpc>
                 <a:spcPts val="7500"/>
               </a:lnSpc>
@@ -3672,9 +4050,9 @@
               </a:buClr>
               <a:buSzPct val="60000"/>
               <a:buBlip>
-                <a:blip r:embed="rId3"/>
+                <a:blip r:embed="rId2"/>
               </a:buBlip>
-              <a:defRPr b="0" sz="5000">
+              <a:defRPr sz="5000" b="0">
                 <a:latin typeface="Songti SC Regular"/>
                 <a:ea typeface="Songti SC Regular"/>
                 <a:cs typeface="Songti SC Regular"/>
@@ -3686,7 +4064,7 @@
             </a:r>
           </a:p>
           <a:p>
-            <a:pPr marL="495000" indent="-228600" algn="just" defTabSz="457200">
+            <a:pPr marL="495300" indent="-228600" algn="just" defTabSz="457200">
               <a:lnSpc>
                 <a:spcPts val="7500"/>
               </a:lnSpc>
@@ -3695,9 +4073,9 @@
               </a:buClr>
               <a:buSzPct val="60000"/>
               <a:buBlip>
-                <a:blip r:embed="rId3"/>
+                <a:blip r:embed="rId2"/>
               </a:buBlip>
-              <a:defRPr b="0" sz="5000">
+              <a:defRPr sz="5000" b="0">
                 <a:latin typeface="Songti SC Regular"/>
                 <a:ea typeface="Songti SC Regular"/>
                 <a:cs typeface="Songti SC Regular"/>
@@ -3709,7 +4087,7 @@
             </a:r>
           </a:p>
           <a:p>
-            <a:pPr marL="495000" indent="-228600" algn="just" defTabSz="457200">
+            <a:pPr marL="495300" indent="-228600" algn="just" defTabSz="457200">
               <a:lnSpc>
                 <a:spcPts val="7500"/>
               </a:lnSpc>
@@ -3718,9 +4096,9 @@
               </a:buClr>
               <a:buSzPct val="60000"/>
               <a:buBlip>
-                <a:blip r:embed="rId3"/>
+                <a:blip r:embed="rId2"/>
               </a:buBlip>
-              <a:defRPr b="0" sz="5000">
+              <a:defRPr sz="5000" b="0">
                 <a:latin typeface="Songti SC Regular"/>
                 <a:ea typeface="Songti SC Regular"/>
                 <a:cs typeface="Songti SC Regular"/>
@@ -3732,7 +4110,7 @@
             </a:r>
           </a:p>
           <a:p>
-            <a:pPr marL="495000" indent="-228600" algn="just" defTabSz="457200">
+            <a:pPr marL="495300" indent="-228600" algn="just" defTabSz="457200">
               <a:lnSpc>
                 <a:spcPts val="7500"/>
               </a:lnSpc>
@@ -3741,9 +4119,9 @@
               </a:buClr>
               <a:buSzPct val="60000"/>
               <a:buBlip>
-                <a:blip r:embed="rId3"/>
+                <a:blip r:embed="rId2"/>
               </a:buBlip>
-              <a:defRPr b="0" sz="5000">
+              <a:defRPr sz="5000" b="0">
                 <a:latin typeface="Songti SC Regular"/>
                 <a:ea typeface="Songti SC Regular"/>
                 <a:cs typeface="Songti SC Regular"/>
@@ -3765,9 +4143,7 @@
           <p:nvPr/>
         </p:nvPicPr>
         <p:blipFill>
-          <a:blip r:embed="rId4">
-            <a:extLst/>
-          </a:blip>
+          <a:blip r:embed="rId3"/>
           <a:stretch>
             <a:fillRect/>
           </a:stretch>
@@ -3782,9 +4158,11 @@
           </a:prstGeom>
           <a:ln w="25400">
             <a:miter lim="400000"/>
+            <a:headEnd/>
+            <a:tailEnd/>
           </a:ln>
           <a:effectLst>
-            <a:outerShdw sx="100000" sy="100000" kx="0" ky="0" algn="b" rotWithShape="0" blurRad="254000" dist="127000" dir="5400000">
+            <a:outerShdw blurRad="254000" dist="127000" dir="5400000" rotWithShape="0">
               <a:srgbClr val="000000">
                 <a:alpha val="70000"/>
               </a:srgbClr>
@@ -3797,12 +4175,12 @@
   <p:clrMapOvr>
     <a:masterClrMapping/>
   </p:clrMapOvr>
-  <p:transition xmlns:p14="http://schemas.microsoft.com/office/powerpoint/2010/main" spd="med" advClick="1"/>
+  <p:transition spd="med"/>
 </p:sld>
 </file>
 
 <file path=ppt/slides/slide12.xml><?xml version="1.0" encoding="utf-8"?>
-<p:sld xmlns:a="http://schemas.openxmlformats.org/drawingml/2006/main" xmlns:r="http://schemas.openxmlformats.org/officeDocument/2006/relationships" xmlns:p="http://schemas.openxmlformats.org/presentationml/2006/main" showMasterSp="1" showMasterPhAnim="1">
+<p:sld xmlns:a="http://schemas.openxmlformats.org/drawingml/2006/main" xmlns:r="http://schemas.openxmlformats.org/officeDocument/2006/relationships" xmlns:p="http://schemas.openxmlformats.org/presentationml/2006/main">
   <p:cSld>
     <p:spTree>
       <p:nvGrpSpPr>
@@ -3835,23 +4213,18 @@
           <a:ln w="12700">
             <a:miter lim="400000"/>
           </a:ln>
-          <a:extLst>
-            <a:ext uri="{C572A759-6A51-4108-AA02-DFA0A04FC94B}">
-              <ma14:wrappingTextBoxFlag xmlns:ma14="http://schemas.microsoft.com/office/mac/drawingml/2011/main" val="1"/>
-            </a:ext>
-          </a:extLst>
         </p:spPr>
         <p:txBody>
           <a:bodyPr wrap="none" lIns="50800" tIns="50800" rIns="50800" bIns="50800">
             <a:spAutoFit/>
           </a:bodyPr>
           <a:lstStyle>
-            <a:lvl1pPr marL="661458" indent="-661458" algn="l">
+            <a:lvl1pPr marL="661670" indent="-661670" algn="l">
               <a:buSzPct val="50000"/>
               <a:buBlip>
-                <a:blip r:embed="rId2"/>
+                <a:blip r:embed="rId1"/>
               </a:buBlip>
-              <a:defRPr b="0" sz="5000">
+              <a:defRPr sz="5000" b="0">
                 <a:latin typeface="Helvetica Light"/>
                 <a:ea typeface="Helvetica Light"/>
                 <a:cs typeface="Helvetica Light"/>
@@ -3860,7 +4233,6 @@
             </a:lvl1pPr>
           </a:lstStyle>
           <a:p>
-            <a:pPr/>
             <a:r>
               <a:t>组件通信</a:t>
             </a:r>
@@ -3876,9 +4248,7 @@
           <p:nvPr/>
         </p:nvPicPr>
         <p:blipFill>
-          <a:blip r:embed="rId3">
-            <a:extLst/>
-          </a:blip>
+          <a:blip r:embed="rId2"/>
           <a:stretch>
             <a:fillRect/>
           </a:stretch>
@@ -3893,6 +4263,8 @@
           </a:prstGeom>
           <a:ln w="12700">
             <a:miter lim="400000"/>
+            <a:headEnd/>
+            <a:tailEnd/>
           </a:ln>
         </p:spPr>
       </p:pic>
@@ -3901,12 +4273,12 @@
   <p:clrMapOvr>
     <a:masterClrMapping/>
   </p:clrMapOvr>
-  <p:transition xmlns:p14="http://schemas.microsoft.com/office/powerpoint/2010/main" spd="med" advClick="1"/>
+  <p:transition spd="med"/>
 </p:sld>
 </file>
 
 <file path=ppt/slides/slide13.xml><?xml version="1.0" encoding="utf-8"?>
-<p:sld xmlns:a="http://schemas.openxmlformats.org/drawingml/2006/main" xmlns:r="http://schemas.openxmlformats.org/officeDocument/2006/relationships" xmlns:p="http://schemas.openxmlformats.org/presentationml/2006/main" showMasterSp="1" showMasterPhAnim="1">
+<p:sld xmlns:a="http://schemas.openxmlformats.org/drawingml/2006/main" xmlns:r="http://schemas.openxmlformats.org/officeDocument/2006/relationships" xmlns:p="http://schemas.openxmlformats.org/presentationml/2006/main">
   <p:cSld>
     <p:spTree>
       <p:nvGrpSpPr>
@@ -3939,23 +4311,18 @@
           <a:ln w="12700">
             <a:miter lim="400000"/>
           </a:ln>
-          <a:extLst>
-            <a:ext uri="{C572A759-6A51-4108-AA02-DFA0A04FC94B}">
-              <ma14:wrappingTextBoxFlag xmlns:ma14="http://schemas.microsoft.com/office/mac/drawingml/2011/main" val="1"/>
-            </a:ext>
-          </a:extLst>
         </p:spPr>
         <p:txBody>
           <a:bodyPr wrap="none" lIns="50800" tIns="50800" rIns="50800" bIns="50800">
             <a:spAutoFit/>
           </a:bodyPr>
           <a:lstStyle>
-            <a:lvl1pPr marL="661458" indent="-661458" algn="l">
+            <a:lvl1pPr marL="661670" indent="-661670" algn="l">
               <a:buSzPct val="50000"/>
               <a:buBlip>
-                <a:blip r:embed="rId2"/>
+                <a:blip r:embed="rId1"/>
               </a:buBlip>
-              <a:defRPr b="0" sz="5000">
+              <a:defRPr sz="5000" b="0">
                 <a:latin typeface="Helvetica Light"/>
                 <a:ea typeface="Helvetica Light"/>
                 <a:cs typeface="Helvetica Light"/>
@@ -3964,7 +4331,6 @@
             </a:lvl1pPr>
           </a:lstStyle>
           <a:p>
-            <a:pPr/>
             <a:r>
               <a:t>自定义事件</a:t>
             </a:r>
@@ -3988,11 +4354,6 @@
           <a:ln w="12700">
             <a:miter lim="400000"/>
           </a:ln>
-          <a:extLst>
-            <a:ext uri="{C572A759-6A51-4108-AA02-DFA0A04FC94B}">
-              <ma14:wrappingTextBoxFlag xmlns:ma14="http://schemas.microsoft.com/office/mac/drawingml/2011/main" val="1"/>
-            </a:ext>
-          </a:extLst>
         </p:spPr>
         <p:txBody>
           <a:bodyPr wrap="none" lIns="50800" tIns="50800" rIns="50800" bIns="50800" anchor="ctr">
@@ -4000,11 +4361,10 @@
           </a:bodyPr>
           <a:lstStyle>
             <a:lvl1pPr>
-              <a:defRPr b="0" i="1" sz="6000"/>
+              <a:defRPr sz="6000" b="0" i="1"/>
             </a:lvl1pPr>
           </a:lstStyle>
           <a:p>
-            <a:pPr/>
             <a:r>
               <a:t>Demo</a:t>
             </a:r>
@@ -4016,12 +4376,12 @@
   <p:clrMapOvr>
     <a:masterClrMapping/>
   </p:clrMapOvr>
-  <p:transition xmlns:p14="http://schemas.microsoft.com/office/powerpoint/2010/main" spd="med" advClick="1"/>
+  <p:transition spd="med"/>
 </p:sld>
 </file>
 
 <file path=ppt/slides/slide14.xml><?xml version="1.0" encoding="utf-8"?>
-<p:sld xmlns:a="http://schemas.openxmlformats.org/drawingml/2006/main" xmlns:r="http://schemas.openxmlformats.org/officeDocument/2006/relationships" xmlns:p="http://schemas.openxmlformats.org/presentationml/2006/main" showMasterSp="1" showMasterPhAnim="1">
+<p:sld xmlns:a="http://schemas.openxmlformats.org/drawingml/2006/main" xmlns:r="http://schemas.openxmlformats.org/officeDocument/2006/relationships" xmlns:p="http://schemas.openxmlformats.org/presentationml/2006/main">
   <p:cSld>
     <p:spTree>
       <p:nvGrpSpPr>
@@ -4054,23 +4414,18 @@
           <a:ln w="12700">
             <a:miter lim="400000"/>
           </a:ln>
-          <a:extLst>
-            <a:ext uri="{C572A759-6A51-4108-AA02-DFA0A04FC94B}">
-              <ma14:wrappingTextBoxFlag xmlns:ma14="http://schemas.microsoft.com/office/mac/drawingml/2011/main" val="1"/>
-            </a:ext>
-          </a:extLst>
         </p:spPr>
         <p:txBody>
           <a:bodyPr wrap="none" lIns="50800" tIns="50800" rIns="50800" bIns="50800">
             <a:spAutoFit/>
           </a:bodyPr>
           <a:lstStyle>
-            <a:lvl1pPr marL="661458" indent="-661458" algn="l">
+            <a:lvl1pPr marL="661670" indent="-661670" algn="l">
               <a:buSzPct val="50000"/>
               <a:buBlip>
-                <a:blip r:embed="rId2"/>
+                <a:blip r:embed="rId1"/>
               </a:buBlip>
-              <a:defRPr b="0" sz="5000">
+              <a:defRPr sz="5000" b="0">
                 <a:latin typeface="Helvetica Light"/>
                 <a:ea typeface="Helvetica Light"/>
                 <a:cs typeface="Helvetica Light"/>
@@ -4079,7 +4434,6 @@
             </a:lvl1pPr>
           </a:lstStyle>
           <a:p>
-            <a:pPr/>
             <a:r>
               <a:t>自定义事件</a:t>
             </a:r>
@@ -4103,11 +4457,6 @@
           <a:ln w="12700">
             <a:miter lim="400000"/>
           </a:ln>
-          <a:extLst>
-            <a:ext uri="{C572A759-6A51-4108-AA02-DFA0A04FC94B}">
-              <ma14:wrappingTextBoxFlag xmlns:ma14="http://schemas.microsoft.com/office/mac/drawingml/2011/main" val="1"/>
-            </a:ext>
-          </a:extLst>
         </p:spPr>
         <p:txBody>
           <a:bodyPr lIns="50800" tIns="50800" rIns="50800" bIns="50800" anchor="ctr">
@@ -4115,14 +4464,14 @@
           </a:bodyPr>
           <a:lstStyle/>
           <a:p>
-            <a:pPr indent="266399" algn="just" defTabSz="457200">
+            <a:pPr indent="266700" algn="just" defTabSz="457200">
               <a:lnSpc>
                 <a:spcPts val="6300"/>
               </a:lnSpc>
               <a:spcBef>
                 <a:spcPts val="1000"/>
               </a:spcBef>
-              <a:defRPr b="0" sz="4000">
+              <a:defRPr sz="4000" b="0">
                 <a:latin typeface="Songti SC Light"/>
                 <a:ea typeface="Songti SC Light"/>
                 <a:cs typeface="Songti SC Light"/>
@@ -4146,15 +4495,15 @@
             </a:r>
           </a:p>
           <a:p>
-            <a:pPr indent="266399" algn="just" defTabSz="457200">
+            <a:pPr indent="266700" algn="just" defTabSz="457200">
               <a:lnSpc>
                 <a:spcPts val="6200"/>
               </a:lnSpc>
-              <a:defRPr b="0" sz="4000">
-                <a:latin typeface="Consolas"/>
-                <a:ea typeface="Consolas"/>
-                <a:cs typeface="Consolas"/>
-                <a:sym typeface="Consolas"/>
+              <a:defRPr sz="4000" b="0">
+                <a:latin typeface="Consolas" panose="020B0609020204030204"/>
+                <a:ea typeface="Consolas" panose="020B0609020204030204"/>
+                <a:cs typeface="Consolas" panose="020B0609020204030204"/>
+                <a:sym typeface="Consolas" panose="020B0609020204030204"/>
               </a:defRPr>
             </a:pPr>
             <a:r>
@@ -4168,12 +4517,12 @@
   <p:clrMapOvr>
     <a:masterClrMapping/>
   </p:clrMapOvr>
-  <p:transition xmlns:p14="http://schemas.microsoft.com/office/powerpoint/2010/main" spd="med" advClick="1"/>
+  <p:transition spd="med"/>
 </p:sld>
 </file>
 
 <file path=ppt/slides/slide15.xml><?xml version="1.0" encoding="utf-8"?>
-<p:sld xmlns:a="http://schemas.openxmlformats.org/drawingml/2006/main" xmlns:r="http://schemas.openxmlformats.org/officeDocument/2006/relationships" xmlns:p="http://schemas.openxmlformats.org/presentationml/2006/main" showMasterSp="1" showMasterPhAnim="1">
+<p:sld xmlns:a="http://schemas.openxmlformats.org/drawingml/2006/main" xmlns:r="http://schemas.openxmlformats.org/officeDocument/2006/relationships" xmlns:p="http://schemas.openxmlformats.org/presentationml/2006/main">
   <p:cSld>
     <p:spTree>
       <p:nvGrpSpPr>
@@ -4206,23 +4555,18 @@
           <a:ln w="12700">
             <a:miter lim="400000"/>
           </a:ln>
-          <a:extLst>
-            <a:ext uri="{C572A759-6A51-4108-AA02-DFA0A04FC94B}">
-              <ma14:wrappingTextBoxFlag xmlns:ma14="http://schemas.microsoft.com/office/mac/drawingml/2011/main" val="1"/>
-            </a:ext>
-          </a:extLst>
         </p:spPr>
         <p:txBody>
           <a:bodyPr wrap="none" lIns="50800" tIns="50800" rIns="50800" bIns="50800">
             <a:spAutoFit/>
           </a:bodyPr>
           <a:lstStyle>
-            <a:lvl1pPr marL="661458" indent="-661458" algn="l">
+            <a:lvl1pPr marL="661670" indent="-661670" algn="l">
               <a:buSzPct val="50000"/>
               <a:buBlip>
-                <a:blip r:embed="rId2"/>
+                <a:blip r:embed="rId1"/>
               </a:buBlip>
-              <a:defRPr b="0" sz="5000">
+              <a:defRPr sz="5000" b="0">
                 <a:latin typeface="Helvetica Light"/>
                 <a:ea typeface="Helvetica Light"/>
                 <a:cs typeface="Helvetica Light"/>
@@ -4231,7 +4575,6 @@
             </a:lvl1pPr>
           </a:lstStyle>
           <a:p>
-            <a:pPr/>
             <a:r>
               <a:t>使用 v-model</a:t>
             </a:r>
@@ -4255,11 +4598,6 @@
           <a:ln w="12700">
             <a:miter lim="400000"/>
           </a:ln>
-          <a:extLst>
-            <a:ext uri="{C572A759-6A51-4108-AA02-DFA0A04FC94B}">
-              <ma14:wrappingTextBoxFlag xmlns:ma14="http://schemas.microsoft.com/office/mac/drawingml/2011/main" val="1"/>
-            </a:ext>
-          </a:extLst>
         </p:spPr>
         <p:txBody>
           <a:bodyPr wrap="none" lIns="50800" tIns="50800" rIns="50800" bIns="50800" anchor="ctr">
@@ -4267,11 +4605,10 @@
           </a:bodyPr>
           <a:lstStyle>
             <a:lvl1pPr>
-              <a:defRPr b="0" i="1" sz="6000"/>
+              <a:defRPr sz="6000" b="0" i="1"/>
             </a:lvl1pPr>
           </a:lstStyle>
           <a:p>
-            <a:pPr/>
             <a:r>
               <a:t>Demo</a:t>
             </a:r>
@@ -4295,11 +4632,6 @@
           <a:ln w="12700">
             <a:miter lim="400000"/>
           </a:ln>
-          <a:extLst>
-            <a:ext uri="{C572A759-6A51-4108-AA02-DFA0A04FC94B}">
-              <ma14:wrappingTextBoxFlag xmlns:ma14="http://schemas.microsoft.com/office/mac/drawingml/2011/main" val="1"/>
-            </a:ext>
-          </a:extLst>
         </p:spPr>
         <p:txBody>
           <a:bodyPr lIns="50800" tIns="50800" rIns="50800" bIns="50800">
@@ -4307,13 +4639,13 @@
           </a:bodyPr>
           <a:lstStyle/>
           <a:p>
-            <a:pPr marL="610576" indent="-610576" algn="l">
+            <a:pPr marL="610870" indent="-610870" algn="l">
               <a:lnSpc>
                 <a:spcPct val="200000"/>
               </a:lnSpc>
               <a:buSzPct val="75000"/>
               <a:buChar char="•"/>
-              <a:defRPr b="0" sz="5000">
+              <a:defRPr sz="5000" b="0">
                 <a:latin typeface="Helvetica Light"/>
                 <a:ea typeface="Helvetica Light"/>
                 <a:cs typeface="Helvetica Light"/>
@@ -4325,13 +4657,13 @@
             </a:r>
           </a:p>
           <a:p>
-            <a:pPr marL="610576" indent="-610576" algn="l">
+            <a:pPr marL="610870" indent="-610870" algn="l">
               <a:lnSpc>
                 <a:spcPct val="200000"/>
               </a:lnSpc>
               <a:buSzPct val="75000"/>
               <a:buChar char="•"/>
-              <a:defRPr b="0" sz="5000">
+              <a:defRPr sz="5000" b="0">
                 <a:latin typeface="Helvetica Light"/>
                 <a:ea typeface="Helvetica Light"/>
                 <a:cs typeface="Helvetica Light"/>
@@ -4349,12 +4681,12 @@
   <p:clrMapOvr>
     <a:masterClrMapping/>
   </p:clrMapOvr>
-  <p:transition xmlns:p14="http://schemas.microsoft.com/office/powerpoint/2010/main" spd="med" advClick="1"/>
+  <p:transition spd="med"/>
 </p:sld>
 </file>
 
 <file path=ppt/slides/slide16.xml><?xml version="1.0" encoding="utf-8"?>
-<p:sld xmlns:a="http://schemas.openxmlformats.org/drawingml/2006/main" xmlns:r="http://schemas.openxmlformats.org/officeDocument/2006/relationships" xmlns:p="http://schemas.openxmlformats.org/presentationml/2006/main" showMasterSp="1" showMasterPhAnim="1">
+<p:sld xmlns:a="http://schemas.openxmlformats.org/drawingml/2006/main" xmlns:r="http://schemas.openxmlformats.org/officeDocument/2006/relationships" xmlns:p="http://schemas.openxmlformats.org/presentationml/2006/main">
   <p:cSld>
     <p:spTree>
       <p:nvGrpSpPr>
@@ -4387,23 +4719,18 @@
           <a:ln w="12700">
             <a:miter lim="400000"/>
           </a:ln>
-          <a:extLst>
-            <a:ext uri="{C572A759-6A51-4108-AA02-DFA0A04FC94B}">
-              <ma14:wrappingTextBoxFlag xmlns:ma14="http://schemas.microsoft.com/office/mac/drawingml/2011/main" val="1"/>
-            </a:ext>
-          </a:extLst>
         </p:spPr>
         <p:txBody>
           <a:bodyPr wrap="none" lIns="50800" tIns="50800" rIns="50800" bIns="50800">
             <a:spAutoFit/>
           </a:bodyPr>
           <a:lstStyle>
-            <a:lvl1pPr marL="661458" indent="-661458" algn="l">
+            <a:lvl1pPr marL="661670" indent="-661670" algn="l">
               <a:buSzPct val="50000"/>
               <a:buBlip>
-                <a:blip r:embed="rId2"/>
+                <a:blip r:embed="rId1"/>
               </a:buBlip>
-              <a:defRPr b="0" sz="5000">
+              <a:defRPr sz="5000" b="0">
                 <a:latin typeface="Helvetica Light"/>
                 <a:ea typeface="Helvetica Light"/>
                 <a:cs typeface="Helvetica Light"/>
@@ -4412,7 +4739,6 @@
             </a:lvl1pPr>
           </a:lstStyle>
           <a:p>
-            <a:pPr/>
             <a:r>
               <a:t>非父子组件通信</a:t>
             </a:r>
@@ -4436,25 +4762,20 @@
           <a:ln w="12700">
             <a:miter lim="400000"/>
           </a:ln>
-          <a:extLst>
-            <a:ext uri="{C572A759-6A51-4108-AA02-DFA0A04FC94B}">
-              <ma14:wrappingTextBoxFlag xmlns:ma14="http://schemas.microsoft.com/office/mac/drawingml/2011/main" val="1"/>
-            </a:ext>
-          </a:extLst>
         </p:spPr>
         <p:txBody>
           <a:bodyPr wrap="none" lIns="50800" tIns="50800" rIns="50800" bIns="50800" anchor="ctr">
             <a:spAutoFit/>
           </a:bodyPr>
           <a:lstStyle>
-            <a:lvl1pPr indent="266399" algn="just" defTabSz="457200">
+            <a:lvl1pPr indent="266700" algn="just" defTabSz="457200">
               <a:lnSpc>
                 <a:spcPts val="6300"/>
               </a:lnSpc>
               <a:spcBef>
                 <a:spcPts val="1000"/>
               </a:spcBef>
-              <a:defRPr b="0" sz="4000">
+              <a:defRPr sz="4000" b="0">
                 <a:latin typeface="Songti SC Light"/>
                 <a:ea typeface="Songti SC Light"/>
                 <a:cs typeface="Songti SC Light"/>
@@ -4463,7 +4784,6 @@
             </a:lvl1pPr>
           </a:lstStyle>
           <a:p>
-            <a:pPr/>
             <a:r>
               <a:t>在 Vue.js 2.x 中，推荐使用一个空的 Vue 实例作为中央事件总线（bus），也就是一个中介。</a:t>
             </a:r>
@@ -4487,11 +4807,6 @@
           <a:ln w="12700">
             <a:miter lim="400000"/>
           </a:ln>
-          <a:extLst>
-            <a:ext uri="{C572A759-6A51-4108-AA02-DFA0A04FC94B}">
-              <ma14:wrappingTextBoxFlag xmlns:ma14="http://schemas.microsoft.com/office/mac/drawingml/2011/main" val="1"/>
-            </a:ext>
-          </a:extLst>
         </p:spPr>
         <p:txBody>
           <a:bodyPr wrap="none" lIns="50800" tIns="50800" rIns="50800" bIns="50800" anchor="ctr">
@@ -4503,7 +4818,6 @@
             </a:lvl1pPr>
           </a:lstStyle>
           <a:p>
-            <a:pPr/>
             <a:r>
               <a:t>举个 🌰</a:t>
             </a:r>
@@ -4515,12 +4829,12 @@
   <p:clrMapOvr>
     <a:masterClrMapping/>
   </p:clrMapOvr>
-  <p:transition xmlns:p14="http://schemas.microsoft.com/office/powerpoint/2010/main" spd="med" advClick="1"/>
+  <p:transition spd="med"/>
 </p:sld>
 </file>
 
 <file path=ppt/slides/slide17.xml><?xml version="1.0" encoding="utf-8"?>
-<p:sld xmlns:a="http://schemas.openxmlformats.org/drawingml/2006/main" xmlns:r="http://schemas.openxmlformats.org/officeDocument/2006/relationships" xmlns:p="http://schemas.openxmlformats.org/presentationml/2006/main" showMasterSp="1" showMasterPhAnim="1">
+<p:sld xmlns:a="http://schemas.openxmlformats.org/drawingml/2006/main" xmlns:r="http://schemas.openxmlformats.org/officeDocument/2006/relationships" xmlns:p="http://schemas.openxmlformats.org/presentationml/2006/main">
   <p:cSld>
     <p:spTree>
       <p:nvGrpSpPr>
@@ -4553,23 +4867,18 @@
           <a:ln w="12700">
             <a:miter lim="400000"/>
           </a:ln>
-          <a:extLst>
-            <a:ext uri="{C572A759-6A51-4108-AA02-DFA0A04FC94B}">
-              <ma14:wrappingTextBoxFlag xmlns:ma14="http://schemas.microsoft.com/office/mac/drawingml/2011/main" val="1"/>
-            </a:ext>
-          </a:extLst>
         </p:spPr>
         <p:txBody>
           <a:bodyPr wrap="none" lIns="50800" tIns="50800" rIns="50800" bIns="50800">
             <a:spAutoFit/>
           </a:bodyPr>
           <a:lstStyle>
-            <a:lvl1pPr marL="661458" indent="-661458" algn="l">
+            <a:lvl1pPr marL="661670" indent="-661670" algn="l">
               <a:buSzPct val="50000"/>
               <a:buBlip>
-                <a:blip r:embed="rId2"/>
+                <a:blip r:embed="rId1"/>
               </a:buBlip>
-              <a:defRPr b="0" sz="5000">
+              <a:defRPr sz="5000" b="0">
                 <a:latin typeface="Helvetica Light"/>
                 <a:ea typeface="Helvetica Light"/>
                 <a:cs typeface="Helvetica Light"/>
@@ -4578,7 +4887,6 @@
             </a:lvl1pPr>
           </a:lstStyle>
           <a:p>
-            <a:pPr/>
             <a:r>
               <a:t>非父子组件通信</a:t>
             </a:r>
@@ -4602,11 +4910,6 @@
           <a:ln w="12700">
             <a:miter lim="400000"/>
           </a:ln>
-          <a:extLst>
-            <a:ext uri="{C572A759-6A51-4108-AA02-DFA0A04FC94B}">
-              <ma14:wrappingTextBoxFlag xmlns:ma14="http://schemas.microsoft.com/office/mac/drawingml/2011/main" val="1"/>
-            </a:ext>
-          </a:extLst>
         </p:spPr>
         <p:txBody>
           <a:bodyPr lIns="50800" tIns="50800" rIns="50800" bIns="50800" anchor="ctr">
@@ -4614,14 +4917,14 @@
           </a:bodyPr>
           <a:lstStyle/>
           <a:p>
-            <a:pPr indent="266399" algn="just" defTabSz="457200">
+            <a:pPr indent="266700" algn="just" defTabSz="457200">
               <a:lnSpc>
                 <a:spcPts val="6300"/>
               </a:lnSpc>
               <a:spcBef>
                 <a:spcPts val="1000"/>
               </a:spcBef>
-              <a:defRPr b="0" sz="4000">
+              <a:defRPr sz="4000" b="0">
                 <a:latin typeface="Songti SC Light"/>
                 <a:ea typeface="Songti SC Light"/>
                 <a:cs typeface="Songti SC Light"/>
@@ -4633,14 +4936,14 @@
             </a:r>
           </a:p>
           <a:p>
-            <a:pPr indent="266399" algn="just" defTabSz="457200">
+            <a:pPr indent="266700" algn="just" defTabSz="457200">
               <a:lnSpc>
                 <a:spcPts val="6300"/>
               </a:lnSpc>
               <a:spcBef>
                 <a:spcPts val="1000"/>
               </a:spcBef>
-              <a:defRPr b="0" sz="4000">
+              <a:defRPr sz="4000" b="0">
                 <a:latin typeface="Songti SC Light"/>
                 <a:ea typeface="Songti SC Light"/>
                 <a:cs typeface="Songti SC Light"/>
@@ -4649,14 +4952,14 @@
             </a:pPr>
           </a:p>
           <a:p>
-            <a:pPr indent="266399" algn="just" defTabSz="457200">
+            <a:pPr indent="266700" algn="just" defTabSz="457200">
               <a:lnSpc>
                 <a:spcPts val="6300"/>
               </a:lnSpc>
               <a:spcBef>
                 <a:spcPts val="1000"/>
               </a:spcBef>
-              <a:defRPr b="0" sz="4000">
+              <a:defRPr sz="4000" b="0">
                 <a:latin typeface="Songti SC Light"/>
                 <a:ea typeface="Songti SC Light"/>
                 <a:cs typeface="Songti SC Light"/>
@@ -4674,12 +4977,12 @@
   <p:clrMapOvr>
     <a:masterClrMapping/>
   </p:clrMapOvr>
-  <p:transition xmlns:p14="http://schemas.microsoft.com/office/powerpoint/2010/main" spd="med" advClick="1"/>
+  <p:transition spd="med"/>
 </p:sld>
 </file>
 
 <file path=ppt/slides/slide18.xml><?xml version="1.0" encoding="utf-8"?>
-<p:sld xmlns:a="http://schemas.openxmlformats.org/drawingml/2006/main" xmlns:r="http://schemas.openxmlformats.org/officeDocument/2006/relationships" xmlns:p="http://schemas.openxmlformats.org/presentationml/2006/main" showMasterSp="1" showMasterPhAnim="1">
+<p:sld xmlns:a="http://schemas.openxmlformats.org/drawingml/2006/main" xmlns:r="http://schemas.openxmlformats.org/officeDocument/2006/relationships" xmlns:p="http://schemas.openxmlformats.org/presentationml/2006/main">
   <p:cSld>
     <p:spTree>
       <p:nvGrpSpPr>
@@ -4712,23 +5015,18 @@
           <a:ln w="12700">
             <a:miter lim="400000"/>
           </a:ln>
-          <a:extLst>
-            <a:ext uri="{C572A759-6A51-4108-AA02-DFA0A04FC94B}">
-              <ma14:wrappingTextBoxFlag xmlns:ma14="http://schemas.microsoft.com/office/mac/drawingml/2011/main" val="1"/>
-            </a:ext>
-          </a:extLst>
         </p:spPr>
         <p:txBody>
           <a:bodyPr wrap="none" lIns="50800" tIns="50800" rIns="50800" bIns="50800">
             <a:spAutoFit/>
           </a:bodyPr>
           <a:lstStyle>
-            <a:lvl1pPr marL="661458" indent="-661458" algn="l">
+            <a:lvl1pPr marL="661670" indent="-661670" algn="l">
               <a:buSzPct val="50000"/>
               <a:buBlip>
-                <a:blip r:embed="rId2"/>
+                <a:blip r:embed="rId1"/>
               </a:buBlip>
-              <a:defRPr b="0" sz="5000">
+              <a:defRPr sz="5000" b="0">
                 <a:latin typeface="Helvetica Light"/>
                 <a:ea typeface="Helvetica Light"/>
                 <a:cs typeface="Helvetica Light"/>
@@ -4737,7 +5035,6 @@
             </a:lvl1pPr>
           </a:lstStyle>
           <a:p>
-            <a:pPr/>
             <a:r>
               <a:t>非父子组件通信 — bus.js</a:t>
             </a:r>
@@ -4761,11 +5058,6 @@
           <a:ln w="12700">
             <a:miter lim="400000"/>
           </a:ln>
-          <a:extLst>
-            <a:ext uri="{C572A759-6A51-4108-AA02-DFA0A04FC94B}">
-              <ma14:wrappingTextBoxFlag xmlns:ma14="http://schemas.microsoft.com/office/mac/drawingml/2011/main" val="1"/>
-            </a:ext>
-          </a:extLst>
         </p:spPr>
         <p:txBody>
           <a:bodyPr wrap="none" lIns="50800" tIns="50800" rIns="50800" bIns="50800" anchor="ctr">
@@ -4773,11 +5065,10 @@
           </a:bodyPr>
           <a:lstStyle>
             <a:lvl1pPr>
-              <a:defRPr b="0" i="1" sz="6000"/>
+              <a:defRPr sz="6000" b="0" i="1"/>
             </a:lvl1pPr>
           </a:lstStyle>
           <a:p>
-            <a:pPr/>
             <a:r>
               <a:t>Demo</a:t>
             </a:r>
@@ -4789,12 +5080,12 @@
   <p:clrMapOvr>
     <a:masterClrMapping/>
   </p:clrMapOvr>
-  <p:transition xmlns:p14="http://schemas.microsoft.com/office/powerpoint/2010/main" spd="med" advClick="1"/>
+  <p:transition spd="med"/>
 </p:sld>
 </file>
 
 <file path=ppt/slides/slide19.xml><?xml version="1.0" encoding="utf-8"?>
-<p:sld xmlns:a="http://schemas.openxmlformats.org/drawingml/2006/main" xmlns:r="http://schemas.openxmlformats.org/officeDocument/2006/relationships" xmlns:p="http://schemas.openxmlformats.org/presentationml/2006/main" showMasterSp="1" showMasterPhAnim="1">
+<p:sld xmlns:a="http://schemas.openxmlformats.org/drawingml/2006/main" xmlns:r="http://schemas.openxmlformats.org/officeDocument/2006/relationships" xmlns:p="http://schemas.openxmlformats.org/presentationml/2006/main">
   <p:cSld>
     <p:spTree>
       <p:nvGrpSpPr>
@@ -4827,23 +5118,18 @@
           <a:ln w="12700">
             <a:miter lim="400000"/>
           </a:ln>
-          <a:extLst>
-            <a:ext uri="{C572A759-6A51-4108-AA02-DFA0A04FC94B}">
-              <ma14:wrappingTextBoxFlag xmlns:ma14="http://schemas.microsoft.com/office/mac/drawingml/2011/main" val="1"/>
-            </a:ext>
-          </a:extLst>
         </p:spPr>
         <p:txBody>
           <a:bodyPr wrap="none" lIns="50800" tIns="50800" rIns="50800" bIns="50800">
             <a:spAutoFit/>
           </a:bodyPr>
           <a:lstStyle>
-            <a:lvl1pPr marL="661458" indent="-661458" algn="l">
+            <a:lvl1pPr marL="661670" indent="-661670" algn="l">
               <a:buSzPct val="50000"/>
               <a:buBlip>
-                <a:blip r:embed="rId2"/>
+                <a:blip r:embed="rId1"/>
               </a:buBlip>
-              <a:defRPr b="0" sz="5000">
+              <a:defRPr sz="5000" b="0">
                 <a:latin typeface="Helvetica Light"/>
                 <a:ea typeface="Helvetica Light"/>
                 <a:cs typeface="Helvetica Light"/>
@@ -4852,7 +5138,6 @@
             </a:lvl1pPr>
           </a:lstStyle>
           <a:p>
-            <a:pPr/>
             <a:r>
               <a:t>非父子组件通信 — 父链、子链</a:t>
             </a:r>
@@ -4876,11 +5161,6 @@
           <a:ln w="12700">
             <a:miter lim="400000"/>
           </a:ln>
-          <a:extLst>
-            <a:ext uri="{C572A759-6A51-4108-AA02-DFA0A04FC94B}">
-              <ma14:wrappingTextBoxFlag xmlns:ma14="http://schemas.microsoft.com/office/mac/drawingml/2011/main" val="1"/>
-            </a:ext>
-          </a:extLst>
         </p:spPr>
         <p:txBody>
           <a:bodyPr wrap="none" lIns="50800" tIns="50800" rIns="50800" bIns="50800" anchor="ctr">
@@ -4888,11 +5168,10 @@
           </a:bodyPr>
           <a:lstStyle>
             <a:lvl1pPr>
-              <a:defRPr b="0" i="1" sz="6000"/>
+              <a:defRPr sz="6000" b="0" i="1"/>
             </a:lvl1pPr>
           </a:lstStyle>
           <a:p>
-            <a:pPr/>
             <a:r>
               <a:t>Demo</a:t>
             </a:r>
@@ -4904,12 +5183,12 @@
   <p:clrMapOvr>
     <a:masterClrMapping/>
   </p:clrMapOvr>
-  <p:transition xmlns:p14="http://schemas.microsoft.com/office/powerpoint/2010/main" spd="med" advClick="1"/>
+  <p:transition spd="med"/>
 </p:sld>
 </file>
 
 <file path=ppt/slides/slide2.xml><?xml version="1.0" encoding="utf-8"?>
-<p:sld xmlns:a="http://schemas.openxmlformats.org/drawingml/2006/main" xmlns:r="http://schemas.openxmlformats.org/officeDocument/2006/relationships" xmlns:p="http://schemas.openxmlformats.org/presentationml/2006/main" showMasterSp="1" showMasterPhAnim="1">
+<p:sld xmlns:a="http://schemas.openxmlformats.org/drawingml/2006/main" xmlns:r="http://schemas.openxmlformats.org/officeDocument/2006/relationships" xmlns:p="http://schemas.openxmlformats.org/presentationml/2006/main">
   <p:cSld>
     <p:spTree>
       <p:nvGrpSpPr>
@@ -4934,9 +5213,7 @@
           <p:nvPr/>
         </p:nvPicPr>
         <p:blipFill>
-          <a:blip r:embed="rId2">
-            <a:extLst/>
-          </a:blip>
+          <a:blip r:embed="rId1"/>
           <a:stretch>
             <a:fillRect/>
           </a:stretch>
@@ -4951,9 +5228,11 @@
           </a:prstGeom>
           <a:ln w="25400">
             <a:miter lim="400000"/>
+            <a:headEnd/>
+            <a:tailEnd/>
           </a:ln>
           <a:effectLst>
-            <a:outerShdw sx="100000" sy="100000" kx="0" ky="0" algn="b" rotWithShape="0" blurRad="254000" dist="127000" dir="5400000">
+            <a:outerShdw blurRad="254000" dist="127000" dir="5400000" rotWithShape="0">
               <a:srgbClr val="000000">
                 <a:alpha val="70000"/>
               </a:srgbClr>
@@ -4978,11 +5257,6 @@
           <a:ln w="12700">
             <a:miter lim="400000"/>
           </a:ln>
-          <a:extLst>
-            <a:ext uri="{C572A759-6A51-4108-AA02-DFA0A04FC94B}">
-              <ma14:wrappingTextBoxFlag xmlns:ma14="http://schemas.microsoft.com/office/mac/drawingml/2011/main" val="1"/>
-            </a:ext>
-          </a:extLst>
         </p:spPr>
         <p:txBody>
           <a:bodyPr wrap="none" lIns="50800" tIns="50800" rIns="50800" bIns="50800">
@@ -4990,7 +5264,7 @@
           </a:bodyPr>
           <a:lstStyle>
             <a:lvl1pPr algn="l">
-              <a:defRPr b="0" sz="5000">
+              <a:defRPr sz="5000" b="0">
                 <a:latin typeface="Helvetica Light"/>
                 <a:ea typeface="Helvetica Light"/>
                 <a:cs typeface="Helvetica Light"/>
@@ -4999,7 +5273,6 @@
             </a:lvl1pPr>
           </a:lstStyle>
           <a:p>
-            <a:pPr/>
             <a:r>
               <a:t>关于我</a:t>
             </a:r>
@@ -5023,11 +5296,6 @@
           <a:ln w="12700">
             <a:miter lim="400000"/>
           </a:ln>
-          <a:extLst>
-            <a:ext uri="{C572A759-6A51-4108-AA02-DFA0A04FC94B}">
-              <ma14:wrappingTextBoxFlag xmlns:ma14="http://schemas.microsoft.com/office/mac/drawingml/2011/main" val="1"/>
-            </a:ext>
-          </a:extLst>
         </p:spPr>
         <p:txBody>
           <a:bodyPr wrap="none" lIns="50800" tIns="50800" rIns="50800" bIns="50800" anchor="ctr">
@@ -5035,7 +5303,7 @@
           </a:bodyPr>
           <a:lstStyle>
             <a:lvl1pPr>
-              <a:defRPr b="0" sz="5000">
+              <a:defRPr sz="5000" b="0">
                 <a:latin typeface="Helvetica Light"/>
                 <a:ea typeface="Helvetica Light"/>
                 <a:cs typeface="Helvetica Light"/>
@@ -5044,7 +5312,6 @@
             </a:lvl1pPr>
           </a:lstStyle>
           <a:p>
-            <a:pPr/>
             <a:r>
               <a:t>Aresn</a:t>
             </a:r>
@@ -5068,11 +5335,6 @@
           <a:ln w="12700">
             <a:miter lim="400000"/>
           </a:ln>
-          <a:extLst>
-            <a:ext uri="{C572A759-6A51-4108-AA02-DFA0A04FC94B}">
-              <ma14:wrappingTextBoxFlag xmlns:ma14="http://schemas.microsoft.com/office/mac/drawingml/2011/main" val="1"/>
-            </a:ext>
-          </a:extLst>
         </p:spPr>
         <p:txBody>
           <a:bodyPr lIns="50800" tIns="50800" rIns="50800" bIns="50800">
@@ -5080,10 +5342,10 @@
           </a:bodyPr>
           <a:lstStyle/>
           <a:p>
-            <a:pPr marL="610576" indent="-610576" algn="l">
+            <a:pPr marL="610870" indent="-610870" algn="l">
               <a:buSzPct val="75000"/>
               <a:buChar char="-"/>
-              <a:defRPr b="0" sz="5000">
+              <a:defRPr sz="5000" b="0">
                 <a:latin typeface="Helvetica Light"/>
                 <a:ea typeface="Helvetica Light"/>
                 <a:cs typeface="Helvetica Light"/>
@@ -5096,7 +5358,7 @@
           </a:p>
           <a:p>
             <a:pPr algn="l">
-              <a:defRPr b="0" sz="5000">
+              <a:defRPr sz="5000" b="0">
                 <a:latin typeface="Helvetica Light"/>
                 <a:ea typeface="Helvetica Light"/>
                 <a:cs typeface="Helvetica Light"/>
@@ -5105,10 +5367,10 @@
             </a:pPr>
           </a:p>
           <a:p>
-            <a:pPr marL="610576" indent="-610576" algn="l">
+            <a:pPr marL="610870" indent="-610870" algn="l">
               <a:buSzPct val="75000"/>
               <a:buChar char="-"/>
-              <a:defRPr b="0" sz="5000">
+              <a:defRPr sz="5000" b="0">
                 <a:latin typeface="Helvetica Light"/>
                 <a:ea typeface="Helvetica Light"/>
                 <a:cs typeface="Helvetica Light"/>
@@ -5138,11 +5400,6 @@
           <a:ln w="12700">
             <a:miter lim="400000"/>
           </a:ln>
-          <a:extLst>
-            <a:ext uri="{C572A759-6A51-4108-AA02-DFA0A04FC94B}">
-              <ma14:wrappingTextBoxFlag xmlns:ma14="http://schemas.microsoft.com/office/mac/drawingml/2011/main" val="1"/>
-            </a:ext>
-          </a:extLst>
         </p:spPr>
         <p:txBody>
           <a:bodyPr lIns="50800" tIns="50800" rIns="50800" bIns="50800">
@@ -5150,10 +5407,10 @@
           </a:bodyPr>
           <a:lstStyle/>
           <a:p>
-            <a:pPr marL="610576" indent="-610576" algn="l">
+            <a:pPr marL="610870" indent="-610870" algn="l">
               <a:buSzPct val="75000"/>
               <a:buChar char="-"/>
-              <a:defRPr b="0" sz="5000">
+              <a:defRPr sz="5000" b="0">
                 <a:latin typeface="Helvetica Light"/>
                 <a:ea typeface="Helvetica Light"/>
                 <a:cs typeface="Helvetica Light"/>
@@ -5166,7 +5423,7 @@
           </a:p>
           <a:p>
             <a:pPr algn="l">
-              <a:defRPr b="0" sz="5000">
+              <a:defRPr sz="5000" b="0">
                 <a:latin typeface="Helvetica Light"/>
                 <a:ea typeface="Helvetica Light"/>
                 <a:cs typeface="Helvetica Light"/>
@@ -5175,10 +5432,10 @@
             </a:pPr>
           </a:p>
           <a:p>
-            <a:pPr marL="610576" indent="-610576" algn="l">
+            <a:pPr marL="610870" indent="-610870" algn="l">
               <a:buSzPct val="75000"/>
               <a:buChar char="-"/>
-              <a:defRPr b="0" sz="5000">
+              <a:defRPr sz="5000" b="0">
                 <a:latin typeface="Helvetica Light"/>
                 <a:ea typeface="Helvetica Light"/>
                 <a:cs typeface="Helvetica Light"/>
@@ -5200,9 +5457,7 @@
           <p:nvPr/>
         </p:nvPicPr>
         <p:blipFill>
-          <a:blip r:embed="rId3">
-            <a:extLst/>
-          </a:blip>
+          <a:blip r:embed="rId2"/>
           <a:stretch>
             <a:fillRect/>
           </a:stretch>
@@ -5217,6 +5472,8 @@
           </a:prstGeom>
           <a:ln w="12700">
             <a:miter lim="400000"/>
+            <a:headEnd/>
+            <a:tailEnd/>
           </a:ln>
         </p:spPr>
       </p:pic>
@@ -5229,9 +5486,7 @@
           <p:nvPr/>
         </p:nvPicPr>
         <p:blipFill>
-          <a:blip r:embed="rId4">
-            <a:extLst/>
-          </a:blip>
+          <a:blip r:embed="rId3"/>
           <a:stretch>
             <a:fillRect/>
           </a:stretch>
@@ -5246,6 +5501,8 @@
           </a:prstGeom>
           <a:ln w="12700">
             <a:miter lim="400000"/>
+            <a:headEnd/>
+            <a:tailEnd/>
           </a:ln>
         </p:spPr>
       </p:pic>
@@ -5258,9 +5515,7 @@
           <p:nvPr/>
         </p:nvPicPr>
         <p:blipFill>
-          <a:blip r:embed="rId5">
-            <a:extLst/>
-          </a:blip>
+          <a:blip r:embed="rId4"/>
           <a:stretch>
             <a:fillRect/>
           </a:stretch>
@@ -5275,6 +5530,8 @@
           </a:prstGeom>
           <a:ln w="12700">
             <a:miter lim="400000"/>
+            <a:headEnd/>
+            <a:tailEnd/>
           </a:ln>
         </p:spPr>
       </p:pic>
@@ -5287,9 +5544,7 @@
           <p:nvPr/>
         </p:nvPicPr>
         <p:blipFill>
-          <a:blip r:embed="rId6">
-            <a:extLst/>
-          </a:blip>
+          <a:blip r:embed="rId5"/>
           <a:stretch>
             <a:fillRect/>
           </a:stretch>
@@ -5304,6 +5559,8 @@
           </a:prstGeom>
           <a:ln w="12700">
             <a:miter lim="400000"/>
+            <a:headEnd/>
+            <a:tailEnd/>
           </a:ln>
         </p:spPr>
       </p:pic>
@@ -5312,12 +5569,12 @@
   <p:clrMapOvr>
     <a:masterClrMapping/>
   </p:clrMapOvr>
-  <p:transition xmlns:p14="http://schemas.microsoft.com/office/powerpoint/2010/main" spd="med" advClick="1"/>
+  <p:transition spd="med"/>
 </p:sld>
 </file>
 
 <file path=ppt/slides/slide20.xml><?xml version="1.0" encoding="utf-8"?>
-<p:sld xmlns:a="http://schemas.openxmlformats.org/drawingml/2006/main" xmlns:r="http://schemas.openxmlformats.org/officeDocument/2006/relationships" xmlns:p="http://schemas.openxmlformats.org/presentationml/2006/main" showMasterSp="1" showMasterPhAnim="1">
+<p:sld xmlns:a="http://schemas.openxmlformats.org/drawingml/2006/main" xmlns:r="http://schemas.openxmlformats.org/officeDocument/2006/relationships" xmlns:p="http://schemas.openxmlformats.org/presentationml/2006/main">
   <p:cSld>
     <p:spTree>
       <p:nvGrpSpPr>
@@ -5350,23 +5607,18 @@
           <a:ln w="12700">
             <a:miter lim="400000"/>
           </a:ln>
-          <a:extLst>
-            <a:ext uri="{C572A759-6A51-4108-AA02-DFA0A04FC94B}">
-              <ma14:wrappingTextBoxFlag xmlns:ma14="http://schemas.microsoft.com/office/mac/drawingml/2011/main" val="1"/>
-            </a:ext>
-          </a:extLst>
         </p:spPr>
         <p:txBody>
           <a:bodyPr wrap="none" lIns="50800" tIns="50800" rIns="50800" bIns="50800">
             <a:spAutoFit/>
           </a:bodyPr>
           <a:lstStyle>
-            <a:lvl1pPr marL="661458" indent="-661458" algn="l">
+            <a:lvl1pPr marL="661670" indent="-661670" algn="l">
               <a:buSzPct val="50000"/>
               <a:buBlip>
-                <a:blip r:embed="rId2"/>
+                <a:blip r:embed="rId1"/>
               </a:buBlip>
-              <a:defRPr b="0" sz="5000">
+              <a:defRPr sz="5000" b="0">
                 <a:latin typeface="Helvetica Light"/>
                 <a:ea typeface="Helvetica Light"/>
                 <a:cs typeface="Helvetica Light"/>
@@ -5375,7 +5627,6 @@
             </a:lvl1pPr>
           </a:lstStyle>
           <a:p>
-            <a:pPr/>
             <a:r>
               <a:t>非父子组件通信 — 子组件索引</a:t>
             </a:r>
@@ -5399,11 +5650,6 @@
           <a:ln w="12700">
             <a:miter lim="400000"/>
           </a:ln>
-          <a:extLst>
-            <a:ext uri="{C572A759-6A51-4108-AA02-DFA0A04FC94B}">
-              <ma14:wrappingTextBoxFlag xmlns:ma14="http://schemas.microsoft.com/office/mac/drawingml/2011/main" val="1"/>
-            </a:ext>
-          </a:extLst>
         </p:spPr>
         <p:txBody>
           <a:bodyPr wrap="none" lIns="50800" tIns="50800" rIns="50800" bIns="50800" anchor="ctr">
@@ -5411,11 +5657,10 @@
           </a:bodyPr>
           <a:lstStyle>
             <a:lvl1pPr>
-              <a:defRPr b="0" i="1" sz="6000"/>
+              <a:defRPr sz="6000" b="0" i="1"/>
             </a:lvl1pPr>
           </a:lstStyle>
           <a:p>
-            <a:pPr/>
             <a:r>
               <a:t>Demo</a:t>
             </a:r>
@@ -5427,12 +5672,12 @@
   <p:clrMapOvr>
     <a:masterClrMapping/>
   </p:clrMapOvr>
-  <p:transition xmlns:p14="http://schemas.microsoft.com/office/powerpoint/2010/main" spd="med" advClick="1"/>
+  <p:transition spd="med"/>
 </p:sld>
 </file>
 
 <file path=ppt/slides/slide21.xml><?xml version="1.0" encoding="utf-8"?>
-<p:sld xmlns:a="http://schemas.openxmlformats.org/drawingml/2006/main" xmlns:r="http://schemas.openxmlformats.org/officeDocument/2006/relationships" xmlns:p="http://schemas.openxmlformats.org/presentationml/2006/main" showMasterSp="1" showMasterPhAnim="1">
+<p:sld xmlns:a="http://schemas.openxmlformats.org/drawingml/2006/main" xmlns:r="http://schemas.openxmlformats.org/officeDocument/2006/relationships" xmlns:p="http://schemas.openxmlformats.org/presentationml/2006/main">
   <p:cSld>
     <p:spTree>
       <p:nvGrpSpPr>
@@ -5465,23 +5710,18 @@
           <a:ln w="12700">
             <a:miter lim="400000"/>
           </a:ln>
-          <a:extLst>
-            <a:ext uri="{C572A759-6A51-4108-AA02-DFA0A04FC94B}">
-              <ma14:wrappingTextBoxFlag xmlns:ma14="http://schemas.microsoft.com/office/mac/drawingml/2011/main" val="1"/>
-            </a:ext>
-          </a:extLst>
         </p:spPr>
         <p:txBody>
           <a:bodyPr wrap="none" lIns="50800" tIns="50800" rIns="50800" bIns="50800">
             <a:spAutoFit/>
           </a:bodyPr>
           <a:lstStyle>
-            <a:lvl1pPr marL="661458" indent="-661458" algn="l">
+            <a:lvl1pPr marL="661670" indent="-661670" algn="l">
               <a:buSzPct val="50000"/>
               <a:buBlip>
-                <a:blip r:embed="rId2"/>
+                <a:blip r:embed="rId1"/>
               </a:buBlip>
-              <a:defRPr b="0" sz="5000">
+              <a:defRPr sz="5000" b="0">
                 <a:latin typeface="Helvetica Light"/>
                 <a:ea typeface="Helvetica Light"/>
                 <a:cs typeface="Helvetica Light"/>
@@ -5490,7 +5730,6 @@
             </a:lvl1pPr>
           </a:lstStyle>
           <a:p>
-            <a:pPr/>
             <a:r>
               <a:t>使用 slot 分发内容</a:t>
             </a:r>
@@ -5506,9 +5745,7 @@
           <p:nvPr/>
         </p:nvPicPr>
         <p:blipFill>
-          <a:blip r:embed="rId3">
-            <a:extLst/>
-          </a:blip>
+          <a:blip r:embed="rId2"/>
           <a:stretch>
             <a:fillRect/>
           </a:stretch>
@@ -5523,6 +5760,8 @@
           </a:prstGeom>
           <a:ln w="12700">
             <a:miter lim="400000"/>
+            <a:headEnd/>
+            <a:tailEnd/>
           </a:ln>
         </p:spPr>
       </p:pic>
@@ -5535,9 +5774,7 @@
           <p:nvPr/>
         </p:nvPicPr>
         <p:blipFill>
-          <a:blip r:embed="rId4">
-            <a:extLst/>
-          </a:blip>
+          <a:blip r:embed="rId3"/>
           <a:stretch>
             <a:fillRect/>
           </a:stretch>
@@ -5552,9 +5789,11 @@
           </a:prstGeom>
           <a:ln w="25400">
             <a:miter lim="400000"/>
+            <a:headEnd/>
+            <a:tailEnd/>
           </a:ln>
           <a:effectLst>
-            <a:outerShdw sx="100000" sy="100000" kx="0" ky="0" algn="b" rotWithShape="0" blurRad="254000" dist="127000" dir="5400000">
+            <a:outerShdw blurRad="254000" dist="127000" dir="5400000" rotWithShape="0">
               <a:srgbClr val="000000">
                 <a:alpha val="70000"/>
               </a:srgbClr>
@@ -5567,12 +5806,12 @@
   <p:clrMapOvr>
     <a:masterClrMapping/>
   </p:clrMapOvr>
-  <p:transition xmlns:p14="http://schemas.microsoft.com/office/powerpoint/2010/main" spd="med" advClick="1"/>
+  <p:transition spd="med"/>
 </p:sld>
 </file>
 
 <file path=ppt/slides/slide22.xml><?xml version="1.0" encoding="utf-8"?>
-<p:sld xmlns:a="http://schemas.openxmlformats.org/drawingml/2006/main" xmlns:r="http://schemas.openxmlformats.org/officeDocument/2006/relationships" xmlns:p="http://schemas.openxmlformats.org/presentationml/2006/main" showMasterSp="1" showMasterPhAnim="1">
+<p:sld xmlns:a="http://schemas.openxmlformats.org/drawingml/2006/main" xmlns:r="http://schemas.openxmlformats.org/officeDocument/2006/relationships" xmlns:p="http://schemas.openxmlformats.org/presentationml/2006/main">
   <p:cSld>
     <p:spTree>
       <p:nvGrpSpPr>
@@ -5605,23 +5844,18 @@
           <a:ln w="12700">
             <a:miter lim="400000"/>
           </a:ln>
-          <a:extLst>
-            <a:ext uri="{C572A759-6A51-4108-AA02-DFA0A04FC94B}">
-              <ma14:wrappingTextBoxFlag xmlns:ma14="http://schemas.microsoft.com/office/mac/drawingml/2011/main" val="1"/>
-            </a:ext>
-          </a:extLst>
         </p:spPr>
         <p:txBody>
           <a:bodyPr wrap="none" lIns="50800" tIns="50800" rIns="50800" bIns="50800">
             <a:spAutoFit/>
           </a:bodyPr>
           <a:lstStyle>
-            <a:lvl1pPr marL="661458" indent="-661458" algn="l">
+            <a:lvl1pPr marL="661670" indent="-661670" algn="l">
               <a:buSzPct val="50000"/>
               <a:buBlip>
-                <a:blip r:embed="rId2"/>
+                <a:blip r:embed="rId1"/>
               </a:buBlip>
-              <a:defRPr b="0" sz="5000">
+              <a:defRPr sz="5000" b="0">
                 <a:latin typeface="Helvetica Light"/>
                 <a:ea typeface="Helvetica Light"/>
                 <a:cs typeface="Helvetica Light"/>
@@ -5630,7 +5864,6 @@
             </a:lvl1pPr>
           </a:lstStyle>
           <a:p>
-            <a:pPr/>
             <a:r>
               <a:t>slot 用法 — 单个 slot</a:t>
             </a:r>
@@ -5654,11 +5887,6 @@
           <a:ln w="12700">
             <a:miter lim="400000"/>
           </a:ln>
-          <a:extLst>
-            <a:ext uri="{C572A759-6A51-4108-AA02-DFA0A04FC94B}">
-              <ma14:wrappingTextBoxFlag xmlns:ma14="http://schemas.microsoft.com/office/mac/drawingml/2011/main" val="1"/>
-            </a:ext>
-          </a:extLst>
         </p:spPr>
         <p:txBody>
           <a:bodyPr wrap="none" lIns="50800" tIns="50800" rIns="50800" bIns="50800" anchor="ctr">
@@ -5666,11 +5894,10 @@
           </a:bodyPr>
           <a:lstStyle>
             <a:lvl1pPr>
-              <a:defRPr b="0" i="1" sz="6000"/>
+              <a:defRPr sz="6000" b="0" i="1"/>
             </a:lvl1pPr>
           </a:lstStyle>
           <a:p>
-            <a:pPr/>
             <a:r>
               <a:t>Demo</a:t>
             </a:r>
@@ -5682,12 +5909,12 @@
   <p:clrMapOvr>
     <a:masterClrMapping/>
   </p:clrMapOvr>
-  <p:transition xmlns:p14="http://schemas.microsoft.com/office/powerpoint/2010/main" spd="med" advClick="1"/>
+  <p:transition spd="med"/>
 </p:sld>
 </file>
 
 <file path=ppt/slides/slide23.xml><?xml version="1.0" encoding="utf-8"?>
-<p:sld xmlns:a="http://schemas.openxmlformats.org/drawingml/2006/main" xmlns:r="http://schemas.openxmlformats.org/officeDocument/2006/relationships" xmlns:p="http://schemas.openxmlformats.org/presentationml/2006/main" showMasterSp="1" showMasterPhAnim="1">
+<p:sld xmlns:a="http://schemas.openxmlformats.org/drawingml/2006/main" xmlns:r="http://schemas.openxmlformats.org/officeDocument/2006/relationships" xmlns:p="http://schemas.openxmlformats.org/presentationml/2006/main">
   <p:cSld>
     <p:spTree>
       <p:nvGrpSpPr>
@@ -5720,23 +5947,18 @@
           <a:ln w="12700">
             <a:miter lim="400000"/>
           </a:ln>
-          <a:extLst>
-            <a:ext uri="{C572A759-6A51-4108-AA02-DFA0A04FC94B}">
-              <ma14:wrappingTextBoxFlag xmlns:ma14="http://schemas.microsoft.com/office/mac/drawingml/2011/main" val="1"/>
-            </a:ext>
-          </a:extLst>
         </p:spPr>
         <p:txBody>
           <a:bodyPr wrap="none" lIns="50800" tIns="50800" rIns="50800" bIns="50800">
             <a:spAutoFit/>
           </a:bodyPr>
           <a:lstStyle>
-            <a:lvl1pPr marL="661458" indent="-661458" algn="l">
+            <a:lvl1pPr marL="661670" indent="-661670" algn="l">
               <a:buSzPct val="50000"/>
               <a:buBlip>
-                <a:blip r:embed="rId2"/>
+                <a:blip r:embed="rId1"/>
               </a:buBlip>
-              <a:defRPr b="0" sz="5000">
+              <a:defRPr sz="5000" b="0">
                 <a:latin typeface="Helvetica Light"/>
                 <a:ea typeface="Helvetica Light"/>
                 <a:cs typeface="Helvetica Light"/>
@@ -5745,7 +5967,6 @@
             </a:lvl1pPr>
           </a:lstStyle>
           <a:p>
-            <a:pPr/>
             <a:r>
               <a:t>slot 用法 — 具名 slot</a:t>
             </a:r>
@@ -5769,11 +5990,6 @@
           <a:ln w="12700">
             <a:miter lim="400000"/>
           </a:ln>
-          <a:extLst>
-            <a:ext uri="{C572A759-6A51-4108-AA02-DFA0A04FC94B}">
-              <ma14:wrappingTextBoxFlag xmlns:ma14="http://schemas.microsoft.com/office/mac/drawingml/2011/main" val="1"/>
-            </a:ext>
-          </a:extLst>
         </p:spPr>
         <p:txBody>
           <a:bodyPr wrap="none" lIns="50800" tIns="50800" rIns="50800" bIns="50800" anchor="ctr">
@@ -5781,11 +5997,10 @@
           </a:bodyPr>
           <a:lstStyle>
             <a:lvl1pPr>
-              <a:defRPr b="0" i="1" sz="6000"/>
+              <a:defRPr sz="6000" b="0" i="1"/>
             </a:lvl1pPr>
           </a:lstStyle>
           <a:p>
-            <a:pPr/>
             <a:r>
               <a:t>Demo</a:t>
             </a:r>
@@ -5797,12 +6012,12 @@
   <p:clrMapOvr>
     <a:masterClrMapping/>
   </p:clrMapOvr>
-  <p:transition xmlns:p14="http://schemas.microsoft.com/office/powerpoint/2010/main" spd="med" advClick="1"/>
+  <p:transition spd="med"/>
 </p:sld>
 </file>
 
 <file path=ppt/slides/slide24.xml><?xml version="1.0" encoding="utf-8"?>
-<p:sld xmlns:a="http://schemas.openxmlformats.org/drawingml/2006/main" xmlns:r="http://schemas.openxmlformats.org/officeDocument/2006/relationships" xmlns:p="http://schemas.openxmlformats.org/presentationml/2006/main" showMasterSp="1" showMasterPhAnim="1">
+<p:sld xmlns:a="http://schemas.openxmlformats.org/drawingml/2006/main" xmlns:r="http://schemas.openxmlformats.org/officeDocument/2006/relationships" xmlns:p="http://schemas.openxmlformats.org/presentationml/2006/main">
   <p:cSld>
     <p:spTree>
       <p:nvGrpSpPr>
@@ -5835,23 +6050,18 @@
           <a:ln w="12700">
             <a:miter lim="400000"/>
           </a:ln>
-          <a:extLst>
-            <a:ext uri="{C572A759-6A51-4108-AA02-DFA0A04FC94B}">
-              <ma14:wrappingTextBoxFlag xmlns:ma14="http://schemas.microsoft.com/office/mac/drawingml/2011/main" val="1"/>
-            </a:ext>
-          </a:extLst>
         </p:spPr>
         <p:txBody>
           <a:bodyPr wrap="none" lIns="50800" tIns="50800" rIns="50800" bIns="50800">
             <a:spAutoFit/>
           </a:bodyPr>
           <a:lstStyle>
-            <a:lvl1pPr marL="661458" indent="-661458" algn="l">
+            <a:lvl1pPr marL="661670" indent="-661670" algn="l">
               <a:buSzPct val="50000"/>
               <a:buBlip>
-                <a:blip r:embed="rId2"/>
+                <a:blip r:embed="rId1"/>
               </a:buBlip>
-              <a:defRPr b="0" sz="5000">
+              <a:defRPr sz="5000" b="0">
                 <a:latin typeface="Helvetica Light"/>
                 <a:ea typeface="Helvetica Light"/>
                 <a:cs typeface="Helvetica Light"/>
@@ -5860,7 +6070,6 @@
             </a:lvl1pPr>
           </a:lstStyle>
           <a:p>
-            <a:pPr/>
             <a:r>
               <a:t>访问 slot</a:t>
             </a:r>
@@ -5884,11 +6093,6 @@
           <a:ln w="12700">
             <a:miter lim="400000"/>
           </a:ln>
-          <a:extLst>
-            <a:ext uri="{C572A759-6A51-4108-AA02-DFA0A04FC94B}">
-              <ma14:wrappingTextBoxFlag xmlns:ma14="http://schemas.microsoft.com/office/mac/drawingml/2011/main" val="1"/>
-            </a:ext>
-          </a:extLst>
         </p:spPr>
         <p:txBody>
           <a:bodyPr wrap="none" lIns="50800" tIns="50800" rIns="50800" bIns="50800" anchor="ctr">
@@ -5896,11 +6100,10 @@
           </a:bodyPr>
           <a:lstStyle>
             <a:lvl1pPr>
-              <a:defRPr b="0" i="1" sz="6000"/>
+              <a:defRPr sz="6000" b="0" i="1"/>
             </a:lvl1pPr>
           </a:lstStyle>
           <a:p>
-            <a:pPr/>
             <a:r>
               <a:t>Demo</a:t>
             </a:r>
@@ -5912,12 +6115,12 @@
   <p:clrMapOvr>
     <a:masterClrMapping/>
   </p:clrMapOvr>
-  <p:transition xmlns:p14="http://schemas.microsoft.com/office/powerpoint/2010/main" spd="med" advClick="1"/>
+  <p:transition spd="med"/>
 </p:sld>
 </file>
 
 <file path=ppt/slides/slide25.xml><?xml version="1.0" encoding="utf-8"?>
-<p:sld xmlns:a="http://schemas.openxmlformats.org/drawingml/2006/main" xmlns:r="http://schemas.openxmlformats.org/officeDocument/2006/relationships" xmlns:p="http://schemas.openxmlformats.org/presentationml/2006/main" showMasterSp="1" showMasterPhAnim="1">
+<p:sld xmlns:a="http://schemas.openxmlformats.org/drawingml/2006/main" xmlns:r="http://schemas.openxmlformats.org/officeDocument/2006/relationships" xmlns:p="http://schemas.openxmlformats.org/presentationml/2006/main">
   <p:cSld>
     <p:spTree>
       <p:nvGrpSpPr>
@@ -5950,23 +6153,18 @@
           <a:ln w="12700">
             <a:miter lim="400000"/>
           </a:ln>
-          <a:extLst>
-            <a:ext uri="{C572A759-6A51-4108-AA02-DFA0A04FC94B}">
-              <ma14:wrappingTextBoxFlag xmlns:ma14="http://schemas.microsoft.com/office/mac/drawingml/2011/main" val="1"/>
-            </a:ext>
-          </a:extLst>
         </p:spPr>
         <p:txBody>
           <a:bodyPr wrap="none" lIns="50800" tIns="50800" rIns="50800" bIns="50800">
             <a:spAutoFit/>
           </a:bodyPr>
           <a:lstStyle>
-            <a:lvl1pPr marL="661458" indent="-661458" algn="l">
+            <a:lvl1pPr marL="661670" indent="-661670" algn="l">
               <a:buSzPct val="50000"/>
               <a:buBlip>
-                <a:blip r:embed="rId2"/>
+                <a:blip r:embed="rId1"/>
               </a:buBlip>
-              <a:defRPr b="0" sz="5000">
+              <a:defRPr sz="5000" b="0">
                 <a:latin typeface="Helvetica Light"/>
                 <a:ea typeface="Helvetica Light"/>
                 <a:cs typeface="Helvetica Light"/>
@@ -5975,7 +6173,6 @@
             </a:lvl1pPr>
           </a:lstStyle>
           <a:p>
-            <a:pPr/>
             <a:r>
               <a:t>组件高级用法 — 递归组件</a:t>
             </a:r>
@@ -5991,9 +6188,7 @@
           <p:nvPr/>
         </p:nvPicPr>
         <p:blipFill>
-          <a:blip r:embed="rId3">
-            <a:extLst/>
-          </a:blip>
+          <a:blip r:embed="rId2"/>
           <a:stretch>
             <a:fillRect/>
           </a:stretch>
@@ -6008,6 +6203,8 @@
           </a:prstGeom>
           <a:ln w="12700">
             <a:miter lim="400000"/>
+            <a:headEnd/>
+            <a:tailEnd/>
           </a:ln>
         </p:spPr>
       </p:pic>
@@ -6020,9 +6217,7 @@
           <p:nvPr/>
         </p:nvPicPr>
         <p:blipFill>
-          <a:blip r:embed="rId4">
-            <a:extLst/>
-          </a:blip>
+          <a:blip r:embed="rId3"/>
           <a:stretch>
             <a:fillRect/>
           </a:stretch>
@@ -6037,6 +6232,8 @@
           </a:prstGeom>
           <a:ln w="12700">
             <a:miter lim="400000"/>
+            <a:headEnd/>
+            <a:tailEnd/>
           </a:ln>
         </p:spPr>
       </p:pic>
@@ -6045,12 +6242,12 @@
   <p:clrMapOvr>
     <a:masterClrMapping/>
   </p:clrMapOvr>
-  <p:transition xmlns:p14="http://schemas.microsoft.com/office/powerpoint/2010/main" spd="med" advClick="1"/>
+  <p:transition spd="med"/>
 </p:sld>
 </file>
 
 <file path=ppt/slides/slide26.xml><?xml version="1.0" encoding="utf-8"?>
-<p:sld xmlns:a="http://schemas.openxmlformats.org/drawingml/2006/main" xmlns:r="http://schemas.openxmlformats.org/officeDocument/2006/relationships" xmlns:p="http://schemas.openxmlformats.org/presentationml/2006/main" showMasterSp="1" showMasterPhAnim="1">
+<p:sld xmlns:a="http://schemas.openxmlformats.org/drawingml/2006/main" xmlns:r="http://schemas.openxmlformats.org/officeDocument/2006/relationships" xmlns:p="http://schemas.openxmlformats.org/presentationml/2006/main">
   <p:cSld>
     <p:spTree>
       <p:nvGrpSpPr>
@@ -6083,23 +6280,18 @@
           <a:ln w="12700">
             <a:miter lim="400000"/>
           </a:ln>
-          <a:extLst>
-            <a:ext uri="{C572A759-6A51-4108-AA02-DFA0A04FC94B}">
-              <ma14:wrappingTextBoxFlag xmlns:ma14="http://schemas.microsoft.com/office/mac/drawingml/2011/main" val="1"/>
-            </a:ext>
-          </a:extLst>
         </p:spPr>
         <p:txBody>
           <a:bodyPr wrap="none" lIns="50800" tIns="50800" rIns="50800" bIns="50800">
             <a:spAutoFit/>
           </a:bodyPr>
           <a:lstStyle>
-            <a:lvl1pPr marL="661458" indent="-661458" algn="l">
+            <a:lvl1pPr marL="661670" indent="-661670" algn="l">
               <a:buSzPct val="50000"/>
               <a:buBlip>
-                <a:blip r:embed="rId2"/>
+                <a:blip r:embed="rId1"/>
               </a:buBlip>
-              <a:defRPr b="0" sz="5000">
+              <a:defRPr sz="5000" b="0">
                 <a:latin typeface="Helvetica Light"/>
                 <a:ea typeface="Helvetica Light"/>
                 <a:cs typeface="Helvetica Light"/>
@@ -6108,7 +6300,6 @@
             </a:lvl1pPr>
           </a:lstStyle>
           <a:p>
-            <a:pPr/>
             <a:r>
               <a:t>组件高级用法 — 递归组件</a:t>
             </a:r>
@@ -6132,11 +6323,6 @@
           <a:ln w="12700">
             <a:miter lim="400000"/>
           </a:ln>
-          <a:extLst>
-            <a:ext uri="{C572A759-6A51-4108-AA02-DFA0A04FC94B}">
-              <ma14:wrappingTextBoxFlag xmlns:ma14="http://schemas.microsoft.com/office/mac/drawingml/2011/main" val="1"/>
-            </a:ext>
-          </a:extLst>
         </p:spPr>
         <p:txBody>
           <a:bodyPr wrap="none" lIns="50800" tIns="50800" rIns="50800" bIns="50800" anchor="ctr">
@@ -6144,11 +6330,10 @@
           </a:bodyPr>
           <a:lstStyle>
             <a:lvl1pPr>
-              <a:defRPr b="0" i="1" sz="6000"/>
+              <a:defRPr sz="6000" b="0" i="1"/>
             </a:lvl1pPr>
           </a:lstStyle>
           <a:p>
-            <a:pPr/>
             <a:r>
               <a:t>Demo</a:t>
             </a:r>
@@ -6160,12 +6345,12 @@
   <p:clrMapOvr>
     <a:masterClrMapping/>
   </p:clrMapOvr>
-  <p:transition xmlns:p14="http://schemas.microsoft.com/office/powerpoint/2010/main" spd="med" advClick="1"/>
+  <p:transition spd="med"/>
 </p:sld>
 </file>
 
 <file path=ppt/slides/slide27.xml><?xml version="1.0" encoding="utf-8"?>
-<p:sld xmlns:a="http://schemas.openxmlformats.org/drawingml/2006/main" xmlns:r="http://schemas.openxmlformats.org/officeDocument/2006/relationships" xmlns:p="http://schemas.openxmlformats.org/presentationml/2006/main" showMasterSp="1" showMasterPhAnim="1">
+<p:sld xmlns:a="http://schemas.openxmlformats.org/drawingml/2006/main" xmlns:r="http://schemas.openxmlformats.org/officeDocument/2006/relationships" xmlns:p="http://schemas.openxmlformats.org/presentationml/2006/main">
   <p:cSld>
     <p:spTree>
       <p:nvGrpSpPr>
@@ -6198,23 +6383,18 @@
           <a:ln w="12700">
             <a:miter lim="400000"/>
           </a:ln>
-          <a:extLst>
-            <a:ext uri="{C572A759-6A51-4108-AA02-DFA0A04FC94B}">
-              <ma14:wrappingTextBoxFlag xmlns:ma14="http://schemas.microsoft.com/office/mac/drawingml/2011/main" val="1"/>
-            </a:ext>
-          </a:extLst>
         </p:spPr>
         <p:txBody>
           <a:bodyPr wrap="none" lIns="50800" tIns="50800" rIns="50800" bIns="50800">
             <a:spAutoFit/>
           </a:bodyPr>
           <a:lstStyle>
-            <a:lvl1pPr marL="661458" indent="-661458" algn="l">
+            <a:lvl1pPr marL="661670" indent="-661670" algn="l">
               <a:buSzPct val="50000"/>
               <a:buBlip>
-                <a:blip r:embed="rId2"/>
+                <a:blip r:embed="rId1"/>
               </a:buBlip>
-              <a:defRPr b="0" sz="5000">
+              <a:defRPr sz="5000" b="0">
                 <a:latin typeface="Helvetica Light"/>
                 <a:ea typeface="Helvetica Light"/>
                 <a:cs typeface="Helvetica Light"/>
@@ -6223,7 +6403,6 @@
             </a:lvl1pPr>
           </a:lstStyle>
           <a:p>
-            <a:pPr/>
             <a:r>
               <a:t>组件高级用法 — 内联模板</a:t>
             </a:r>
@@ -6247,11 +6426,6 @@
           <a:ln w="12700">
             <a:miter lim="400000"/>
           </a:ln>
-          <a:extLst>
-            <a:ext uri="{C572A759-6A51-4108-AA02-DFA0A04FC94B}">
-              <ma14:wrappingTextBoxFlag xmlns:ma14="http://schemas.microsoft.com/office/mac/drawingml/2011/main" val="1"/>
-            </a:ext>
-          </a:extLst>
         </p:spPr>
         <p:txBody>
           <a:bodyPr wrap="none" lIns="50800" tIns="50800" rIns="50800" bIns="50800" anchor="ctr">
@@ -6259,11 +6433,10 @@
           </a:bodyPr>
           <a:lstStyle>
             <a:lvl1pPr>
-              <a:defRPr b="0" i="1" sz="6000"/>
+              <a:defRPr sz="6000" b="0" i="1"/>
             </a:lvl1pPr>
           </a:lstStyle>
           <a:p>
-            <a:pPr/>
             <a:r>
               <a:t>Demo</a:t>
             </a:r>
@@ -6275,12 +6448,12 @@
   <p:clrMapOvr>
     <a:masterClrMapping/>
   </p:clrMapOvr>
-  <p:transition xmlns:p14="http://schemas.microsoft.com/office/powerpoint/2010/main" spd="med" advClick="1"/>
+  <p:transition spd="med"/>
 </p:sld>
 </file>
 
 <file path=ppt/slides/slide28.xml><?xml version="1.0" encoding="utf-8"?>
-<p:sld xmlns:a="http://schemas.openxmlformats.org/drawingml/2006/main" xmlns:r="http://schemas.openxmlformats.org/officeDocument/2006/relationships" xmlns:p="http://schemas.openxmlformats.org/presentationml/2006/main" showMasterSp="1" showMasterPhAnim="1">
+<p:sld xmlns:a="http://schemas.openxmlformats.org/drawingml/2006/main" xmlns:r="http://schemas.openxmlformats.org/officeDocument/2006/relationships" xmlns:p="http://schemas.openxmlformats.org/presentationml/2006/main">
   <p:cSld>
     <p:spTree>
       <p:nvGrpSpPr>
@@ -6313,23 +6486,18 @@
           <a:ln w="12700">
             <a:miter lim="400000"/>
           </a:ln>
-          <a:extLst>
-            <a:ext uri="{C572A759-6A51-4108-AA02-DFA0A04FC94B}">
-              <ma14:wrappingTextBoxFlag xmlns:ma14="http://schemas.microsoft.com/office/mac/drawingml/2011/main" val="1"/>
-            </a:ext>
-          </a:extLst>
         </p:spPr>
         <p:txBody>
           <a:bodyPr wrap="none" lIns="50800" tIns="50800" rIns="50800" bIns="50800">
             <a:spAutoFit/>
           </a:bodyPr>
           <a:lstStyle>
-            <a:lvl1pPr marL="661458" indent="-661458" algn="l">
+            <a:lvl1pPr marL="661670" indent="-661670" algn="l">
               <a:buSzPct val="50000"/>
               <a:buBlip>
-                <a:blip r:embed="rId2"/>
+                <a:blip r:embed="rId1"/>
               </a:buBlip>
-              <a:defRPr b="0" sz="5000">
+              <a:defRPr sz="5000" b="0">
                 <a:latin typeface="Helvetica Light"/>
                 <a:ea typeface="Helvetica Light"/>
                 <a:cs typeface="Helvetica Light"/>
@@ -6338,7 +6506,6 @@
             </a:lvl1pPr>
           </a:lstStyle>
           <a:p>
-            <a:pPr/>
             <a:r>
               <a:t>组件高级用法 — 动态组件</a:t>
             </a:r>
@@ -6362,11 +6529,6 @@
           <a:ln w="12700">
             <a:miter lim="400000"/>
           </a:ln>
-          <a:extLst>
-            <a:ext uri="{C572A759-6A51-4108-AA02-DFA0A04FC94B}">
-              <ma14:wrappingTextBoxFlag xmlns:ma14="http://schemas.microsoft.com/office/mac/drawingml/2011/main" val="1"/>
-            </a:ext>
-          </a:extLst>
         </p:spPr>
         <p:txBody>
           <a:bodyPr wrap="none" lIns="50800" tIns="50800" rIns="50800" bIns="50800" anchor="ctr">
@@ -6374,11 +6536,10 @@
           </a:bodyPr>
           <a:lstStyle>
             <a:lvl1pPr>
-              <a:defRPr b="0" i="1" sz="6000"/>
+              <a:defRPr sz="6000" b="0" i="1"/>
             </a:lvl1pPr>
           </a:lstStyle>
           <a:p>
-            <a:pPr/>
             <a:r>
               <a:t>Demo</a:t>
             </a:r>
@@ -6390,12 +6551,12 @@
   <p:clrMapOvr>
     <a:masterClrMapping/>
   </p:clrMapOvr>
-  <p:transition xmlns:p14="http://schemas.microsoft.com/office/powerpoint/2010/main" spd="med" advClick="1"/>
+  <p:transition spd="med"/>
 </p:sld>
 </file>
 
 <file path=ppt/slides/slide29.xml><?xml version="1.0" encoding="utf-8"?>
-<p:sld xmlns:a="http://schemas.openxmlformats.org/drawingml/2006/main" xmlns:r="http://schemas.openxmlformats.org/officeDocument/2006/relationships" xmlns:p="http://schemas.openxmlformats.org/presentationml/2006/main" showMasterSp="1" showMasterPhAnim="1">
+<p:sld xmlns:a="http://schemas.openxmlformats.org/drawingml/2006/main" xmlns:r="http://schemas.openxmlformats.org/officeDocument/2006/relationships" xmlns:p="http://schemas.openxmlformats.org/presentationml/2006/main">
   <p:cSld>
     <p:spTree>
       <p:nvGrpSpPr>
@@ -6428,23 +6589,18 @@
           <a:ln w="12700">
             <a:miter lim="400000"/>
           </a:ln>
-          <a:extLst>
-            <a:ext uri="{C572A759-6A51-4108-AA02-DFA0A04FC94B}">
-              <ma14:wrappingTextBoxFlag xmlns:ma14="http://schemas.microsoft.com/office/mac/drawingml/2011/main" val="1"/>
-            </a:ext>
-          </a:extLst>
         </p:spPr>
         <p:txBody>
           <a:bodyPr wrap="none" lIns="50800" tIns="50800" rIns="50800" bIns="50800">
             <a:spAutoFit/>
           </a:bodyPr>
           <a:lstStyle>
-            <a:lvl1pPr marL="661458" indent="-661458" algn="l">
+            <a:lvl1pPr marL="661670" indent="-661670" algn="l">
               <a:buSzPct val="50000"/>
               <a:buBlip>
-                <a:blip r:embed="rId2"/>
+                <a:blip r:embed="rId1"/>
               </a:buBlip>
-              <a:defRPr b="0" sz="5000">
+              <a:defRPr sz="5000" b="0">
                 <a:latin typeface="Helvetica Light"/>
                 <a:ea typeface="Helvetica Light"/>
                 <a:cs typeface="Helvetica Light"/>
@@ -6453,7 +6609,6 @@
             </a:lvl1pPr>
           </a:lstStyle>
           <a:p>
-            <a:pPr/>
             <a:r>
               <a:t>组件高级用法 — 异步组件</a:t>
             </a:r>
@@ -6477,11 +6632,6 @@
           <a:ln w="12700">
             <a:miter lim="400000"/>
           </a:ln>
-          <a:extLst>
-            <a:ext uri="{C572A759-6A51-4108-AA02-DFA0A04FC94B}">
-              <ma14:wrappingTextBoxFlag xmlns:ma14="http://schemas.microsoft.com/office/mac/drawingml/2011/main" val="1"/>
-            </a:ext>
-          </a:extLst>
         </p:spPr>
         <p:txBody>
           <a:bodyPr wrap="none" lIns="50800" tIns="50800" rIns="50800" bIns="50800" anchor="ctr">
@@ -6489,11 +6639,10 @@
           </a:bodyPr>
           <a:lstStyle>
             <a:lvl1pPr>
-              <a:defRPr b="0" i="1" sz="6000"/>
+              <a:defRPr sz="6000" b="0" i="1"/>
             </a:lvl1pPr>
           </a:lstStyle>
           <a:p>
-            <a:pPr/>
             <a:r>
               <a:t>Demo</a:t>
             </a:r>
@@ -6505,12 +6654,12 @@
   <p:clrMapOvr>
     <a:masterClrMapping/>
   </p:clrMapOvr>
-  <p:transition xmlns:p14="http://schemas.microsoft.com/office/powerpoint/2010/main" spd="med" advClick="1"/>
+  <p:transition spd="med"/>
 </p:sld>
 </file>
 
 <file path=ppt/slides/slide3.xml><?xml version="1.0" encoding="utf-8"?>
-<p:sld xmlns:a="http://schemas.openxmlformats.org/drawingml/2006/main" xmlns:r="http://schemas.openxmlformats.org/officeDocument/2006/relationships" xmlns:p="http://schemas.openxmlformats.org/presentationml/2006/main" showMasterSp="1" showMasterPhAnim="1">
+<p:sld xmlns:a="http://schemas.openxmlformats.org/drawingml/2006/main" xmlns:r="http://schemas.openxmlformats.org/officeDocument/2006/relationships" xmlns:p="http://schemas.openxmlformats.org/presentationml/2006/main">
   <p:cSld>
     <p:spTree>
       <p:nvGrpSpPr>
@@ -6535,9 +6684,7 @@
           <p:nvPr/>
         </p:nvPicPr>
         <p:blipFill>
-          <a:blip r:embed="rId2">
-            <a:extLst/>
-          </a:blip>
+          <a:blip r:embed="rId1"/>
           <a:stretch>
             <a:fillRect/>
           </a:stretch>
@@ -6552,6 +6699,8 @@
           </a:prstGeom>
           <a:ln w="12700">
             <a:miter lim="400000"/>
+            <a:headEnd/>
+            <a:tailEnd/>
           </a:ln>
         </p:spPr>
       </p:pic>
@@ -6572,11 +6721,6 @@
           <a:ln w="12700">
             <a:miter lim="400000"/>
           </a:ln>
-          <a:extLst>
-            <a:ext uri="{C572A759-6A51-4108-AA02-DFA0A04FC94B}">
-              <ma14:wrappingTextBoxFlag xmlns:ma14="http://schemas.microsoft.com/office/mac/drawingml/2011/main" val="1"/>
-            </a:ext>
-          </a:extLst>
         </p:spPr>
         <p:txBody>
           <a:bodyPr lIns="50800" tIns="50800" rIns="50800" bIns="50800">
@@ -6584,13 +6728,13 @@
           </a:bodyPr>
           <a:lstStyle/>
           <a:p>
-            <a:pPr marL="610576" indent="-610576" algn="l">
+            <a:pPr marL="610870" indent="-610870" algn="l">
               <a:lnSpc>
                 <a:spcPct val="200000"/>
               </a:lnSpc>
               <a:buSzPct val="75000"/>
               <a:buChar char="•"/>
-              <a:defRPr b="0" sz="5000">
+              <a:defRPr sz="5000" b="0">
                 <a:latin typeface="Helvetica Light"/>
                 <a:ea typeface="Helvetica Light"/>
                 <a:cs typeface="Helvetica Light"/>
@@ -6602,13 +6746,13 @@
             </a:r>
           </a:p>
           <a:p>
-            <a:pPr marL="610576" indent="-610576" algn="l">
+            <a:pPr marL="610870" indent="-610870" algn="l">
               <a:lnSpc>
                 <a:spcPct val="200000"/>
               </a:lnSpc>
               <a:buSzPct val="75000"/>
               <a:buChar char="•"/>
-              <a:defRPr b="0" sz="5000">
+              <a:defRPr sz="5000" b="0">
                 <a:solidFill>
                   <a:srgbClr val="009051"/>
                 </a:solidFill>
@@ -6623,13 +6767,13 @@
             </a:r>
           </a:p>
           <a:p>
-            <a:pPr marL="610576" indent="-610576" algn="l">
+            <a:pPr marL="610870" indent="-610870" algn="l">
               <a:lnSpc>
                 <a:spcPct val="200000"/>
               </a:lnSpc>
               <a:buSzPct val="75000"/>
               <a:buChar char="•"/>
-              <a:defRPr b="0" sz="5000">
+              <a:defRPr sz="5000" b="0">
                 <a:latin typeface="Helvetica Light"/>
                 <a:ea typeface="Helvetica Light"/>
                 <a:cs typeface="Helvetica Light"/>
@@ -6641,13 +6785,13 @@
             </a:r>
           </a:p>
           <a:p>
-            <a:pPr marL="610576" indent="-610576" algn="l">
+            <a:pPr marL="610870" indent="-610870" algn="l">
               <a:lnSpc>
                 <a:spcPct val="200000"/>
               </a:lnSpc>
               <a:buSzPct val="75000"/>
               <a:buChar char="•"/>
-              <a:defRPr b="0" sz="5000">
+              <a:defRPr sz="5000" b="0">
                 <a:latin typeface="Helvetica Light"/>
                 <a:ea typeface="Helvetica Light"/>
                 <a:cs typeface="Helvetica Light"/>
@@ -6659,13 +6803,13 @@
             </a:r>
           </a:p>
           <a:p>
-            <a:pPr marL="610576" indent="-610576" algn="l">
+            <a:pPr marL="610870" indent="-610870" algn="l">
               <a:lnSpc>
                 <a:spcPct val="200000"/>
               </a:lnSpc>
               <a:buSzPct val="75000"/>
               <a:buChar char="•"/>
-              <a:defRPr b="0" sz="5000">
+              <a:defRPr sz="5000" b="0">
                 <a:latin typeface="Helvetica Light"/>
                 <a:ea typeface="Helvetica Light"/>
                 <a:cs typeface="Helvetica Light"/>
@@ -6709,7 +6853,7 @@
             </a:cxnLst>
             <a:rect l="0" t="0" r="r" b="b"/>
             <a:pathLst>
-              <a:path w="21452" h="20404" fill="norm" stroke="1" extrusionOk="0">
+              <a:path w="21452" h="20404" extrusionOk="0">
                 <a:moveTo>
                   <a:pt x="19340" y="6"/>
                 </a:moveTo>
@@ -6834,7 +6978,7 @@
           <a:lstStyle/>
           <a:p>
             <a:pPr>
-              <a:defRPr b="0" sz="3200">
+              <a:defRPr sz="3200" b="0">
                 <a:solidFill>
                   <a:srgbClr val="FFFFFF"/>
                 </a:solidFill>
@@ -6852,12 +6996,12 @@
   <p:clrMapOvr>
     <a:masterClrMapping/>
   </p:clrMapOvr>
-  <p:transition xmlns:p14="http://schemas.microsoft.com/office/powerpoint/2010/main" spd="med" advClick="1"/>
+  <p:transition spd="med"/>
 </p:sld>
 </file>
 
 <file path=ppt/slides/slide30.xml><?xml version="1.0" encoding="utf-8"?>
-<p:sld xmlns:a="http://schemas.openxmlformats.org/drawingml/2006/main" xmlns:r="http://schemas.openxmlformats.org/officeDocument/2006/relationships" xmlns:p="http://schemas.openxmlformats.org/presentationml/2006/main" showMasterSp="1" showMasterPhAnim="1">
+<p:sld xmlns:a="http://schemas.openxmlformats.org/drawingml/2006/main" xmlns:r="http://schemas.openxmlformats.org/officeDocument/2006/relationships" xmlns:p="http://schemas.openxmlformats.org/presentationml/2006/main">
   <p:cSld>
     <p:spTree>
       <p:nvGrpSpPr>
@@ -6890,23 +7034,18 @@
           <a:ln w="12700">
             <a:miter lim="400000"/>
           </a:ln>
-          <a:extLst>
-            <a:ext uri="{C572A759-6A51-4108-AA02-DFA0A04FC94B}">
-              <ma14:wrappingTextBoxFlag xmlns:ma14="http://schemas.microsoft.com/office/mac/drawingml/2011/main" val="1"/>
-            </a:ext>
-          </a:extLst>
         </p:spPr>
         <p:txBody>
           <a:bodyPr wrap="none" lIns="50800" tIns="50800" rIns="50800" bIns="50800">
             <a:spAutoFit/>
           </a:bodyPr>
           <a:lstStyle>
-            <a:lvl1pPr marL="661458" indent="-661458" algn="l">
+            <a:lvl1pPr marL="661670" indent="-661670" algn="l">
               <a:buSzPct val="50000"/>
               <a:buBlip>
-                <a:blip r:embed="rId2"/>
+                <a:blip r:embed="rId1"/>
               </a:buBlip>
-              <a:defRPr b="0" sz="5000">
+              <a:defRPr sz="5000" b="0">
                 <a:latin typeface="Helvetica Light"/>
                 <a:ea typeface="Helvetica Light"/>
                 <a:cs typeface="Helvetica Light"/>
@@ -6915,7 +7054,6 @@
             </a:lvl1pPr>
           </a:lstStyle>
           <a:p>
-            <a:pPr/>
             <a:r>
               <a:t>$nextTick</a:t>
             </a:r>
@@ -6939,11 +7077,6 @@
           <a:ln w="12700">
             <a:miter lim="400000"/>
           </a:ln>
-          <a:extLst>
-            <a:ext uri="{C572A759-6A51-4108-AA02-DFA0A04FC94B}">
-              <ma14:wrappingTextBoxFlag xmlns:ma14="http://schemas.microsoft.com/office/mac/drawingml/2011/main" val="1"/>
-            </a:ext>
-          </a:extLst>
         </p:spPr>
         <p:txBody>
           <a:bodyPr wrap="none" lIns="50800" tIns="50800" rIns="50800" bIns="50800" anchor="ctr">
@@ -6951,11 +7084,10 @@
           </a:bodyPr>
           <a:lstStyle>
             <a:lvl1pPr>
-              <a:defRPr b="0" i="1" sz="6000"/>
+              <a:defRPr sz="6000" b="0" i="1"/>
             </a:lvl1pPr>
           </a:lstStyle>
           <a:p>
-            <a:pPr/>
             <a:r>
               <a:t>Demo</a:t>
             </a:r>
@@ -6967,12 +7099,12 @@
   <p:clrMapOvr>
     <a:masterClrMapping/>
   </p:clrMapOvr>
-  <p:transition xmlns:p14="http://schemas.microsoft.com/office/powerpoint/2010/main" spd="med" advClick="1"/>
+  <p:transition spd="med"/>
 </p:sld>
 </file>
 
 <file path=ppt/slides/slide31.xml><?xml version="1.0" encoding="utf-8"?>
-<p:sld xmlns:a="http://schemas.openxmlformats.org/drawingml/2006/main" xmlns:r="http://schemas.openxmlformats.org/officeDocument/2006/relationships" xmlns:p="http://schemas.openxmlformats.org/presentationml/2006/main" showMasterSp="1" showMasterPhAnim="1">
+<p:sld xmlns:a="http://schemas.openxmlformats.org/drawingml/2006/main" xmlns:r="http://schemas.openxmlformats.org/officeDocument/2006/relationships" xmlns:p="http://schemas.openxmlformats.org/presentationml/2006/main">
   <p:cSld>
     <p:spTree>
       <p:nvGrpSpPr>
@@ -7005,23 +7137,18 @@
           <a:ln w="12700">
             <a:miter lim="400000"/>
           </a:ln>
-          <a:extLst>
-            <a:ext uri="{C572A759-6A51-4108-AA02-DFA0A04FC94B}">
-              <ma14:wrappingTextBoxFlag xmlns:ma14="http://schemas.microsoft.com/office/mac/drawingml/2011/main" val="1"/>
-            </a:ext>
-          </a:extLst>
         </p:spPr>
         <p:txBody>
           <a:bodyPr wrap="none" lIns="50800" tIns="50800" rIns="50800" bIns="50800">
             <a:spAutoFit/>
           </a:bodyPr>
           <a:lstStyle>
-            <a:lvl1pPr marL="661458" indent="-661458" algn="l">
+            <a:lvl1pPr marL="661670" indent="-661670" algn="l">
               <a:buSzPct val="50000"/>
               <a:buBlip>
-                <a:blip r:embed="rId2"/>
+                <a:blip r:embed="rId1"/>
               </a:buBlip>
-              <a:defRPr b="0" sz="5000">
+              <a:defRPr sz="5000" b="0">
                 <a:latin typeface="Helvetica Light"/>
                 <a:ea typeface="Helvetica Light"/>
                 <a:cs typeface="Helvetica Light"/>
@@ -7030,7 +7157,6 @@
             </a:lvl1pPr>
           </a:lstStyle>
           <a:p>
-            <a:pPr/>
             <a:r>
               <a:t>X-Templates</a:t>
             </a:r>
@@ -7054,11 +7180,6 @@
           <a:ln w="12700">
             <a:miter lim="400000"/>
           </a:ln>
-          <a:extLst>
-            <a:ext uri="{C572A759-6A51-4108-AA02-DFA0A04FC94B}">
-              <ma14:wrappingTextBoxFlag xmlns:ma14="http://schemas.microsoft.com/office/mac/drawingml/2011/main" val="1"/>
-            </a:ext>
-          </a:extLst>
         </p:spPr>
         <p:txBody>
           <a:bodyPr wrap="none" lIns="50800" tIns="50800" rIns="50800" bIns="50800" anchor="ctr">
@@ -7066,11 +7187,10 @@
           </a:bodyPr>
           <a:lstStyle>
             <a:lvl1pPr>
-              <a:defRPr b="0" i="1" sz="6000"/>
+              <a:defRPr sz="6000" b="0" i="1"/>
             </a:lvl1pPr>
           </a:lstStyle>
           <a:p>
-            <a:pPr/>
             <a:r>
               <a:t>Demo</a:t>
             </a:r>
@@ -7082,12 +7202,12 @@
   <p:clrMapOvr>
     <a:masterClrMapping/>
   </p:clrMapOvr>
-  <p:transition xmlns:p14="http://schemas.microsoft.com/office/powerpoint/2010/main" spd="med" advClick="1"/>
+  <p:transition spd="med"/>
 </p:sld>
 </file>
 
 <file path=ppt/slides/slide32.xml><?xml version="1.0" encoding="utf-8"?>
-<p:sld xmlns:a="http://schemas.openxmlformats.org/drawingml/2006/main" xmlns:r="http://schemas.openxmlformats.org/officeDocument/2006/relationships" xmlns:p="http://schemas.openxmlformats.org/presentationml/2006/main" showMasterSp="1" showMasterPhAnim="1">
+<p:sld xmlns:a="http://schemas.openxmlformats.org/drawingml/2006/main" xmlns:r="http://schemas.openxmlformats.org/officeDocument/2006/relationships" xmlns:p="http://schemas.openxmlformats.org/presentationml/2006/main">
   <p:cSld>
     <p:spTree>
       <p:nvGrpSpPr>
@@ -7120,23 +7240,18 @@
           <a:ln w="12700">
             <a:miter lim="400000"/>
           </a:ln>
-          <a:extLst>
-            <a:ext uri="{C572A759-6A51-4108-AA02-DFA0A04FC94B}">
-              <ma14:wrappingTextBoxFlag xmlns:ma14="http://schemas.microsoft.com/office/mac/drawingml/2011/main" val="1"/>
-            </a:ext>
-          </a:extLst>
         </p:spPr>
         <p:txBody>
           <a:bodyPr wrap="none" lIns="50800" tIns="50800" rIns="50800" bIns="50800">
             <a:spAutoFit/>
           </a:bodyPr>
           <a:lstStyle>
-            <a:lvl1pPr marL="661458" indent="-661458" algn="l">
+            <a:lvl1pPr marL="661670" indent="-661670" algn="l">
               <a:buSzPct val="50000"/>
               <a:buBlip>
-                <a:blip r:embed="rId2"/>
+                <a:blip r:embed="rId1"/>
               </a:buBlip>
-              <a:defRPr b="0" sz="5000">
+              <a:defRPr sz="5000" b="0">
                 <a:latin typeface="Helvetica Light"/>
                 <a:ea typeface="Helvetica Light"/>
                 <a:cs typeface="Helvetica Light"/>
@@ -7145,7 +7260,6 @@
             </a:lvl1pPr>
           </a:lstStyle>
           <a:p>
-            <a:pPr/>
             <a:r>
               <a:t>手动挂载实例</a:t>
             </a:r>
@@ -7169,11 +7283,6 @@
           <a:ln w="12700">
             <a:miter lim="400000"/>
           </a:ln>
-          <a:extLst>
-            <a:ext uri="{C572A759-6A51-4108-AA02-DFA0A04FC94B}">
-              <ma14:wrappingTextBoxFlag xmlns:ma14="http://schemas.microsoft.com/office/mac/drawingml/2011/main" val="1"/>
-            </a:ext>
-          </a:extLst>
         </p:spPr>
         <p:txBody>
           <a:bodyPr wrap="none" lIns="50800" tIns="50800" rIns="50800" bIns="50800" anchor="ctr">
@@ -7181,11 +7290,10 @@
           </a:bodyPr>
           <a:lstStyle>
             <a:lvl1pPr>
-              <a:defRPr b="0" i="1" sz="6000"/>
+              <a:defRPr sz="6000" b="0" i="1"/>
             </a:lvl1pPr>
           </a:lstStyle>
           <a:p>
-            <a:pPr/>
             <a:r>
               <a:t>Demo</a:t>
             </a:r>
@@ -7197,12 +7305,12 @@
   <p:clrMapOvr>
     <a:masterClrMapping/>
   </p:clrMapOvr>
-  <p:transition xmlns:p14="http://schemas.microsoft.com/office/powerpoint/2010/main" spd="med" advClick="1"/>
+  <p:transition spd="med"/>
 </p:sld>
 </file>
 
 <file path=ppt/slides/slide33.xml><?xml version="1.0" encoding="utf-8"?>
-<p:sld xmlns:a="http://schemas.openxmlformats.org/drawingml/2006/main" xmlns:r="http://schemas.openxmlformats.org/officeDocument/2006/relationships" xmlns:p="http://schemas.openxmlformats.org/presentationml/2006/main" showMasterSp="1" showMasterPhAnim="1">
+<p:sld xmlns:a="http://schemas.openxmlformats.org/drawingml/2006/main" xmlns:r="http://schemas.openxmlformats.org/officeDocument/2006/relationships" xmlns:p="http://schemas.openxmlformats.org/presentationml/2006/main">
   <p:cSld>
     <p:spTree>
       <p:nvGrpSpPr>
@@ -7227,9 +7335,7 @@
           <p:nvPr/>
         </p:nvPicPr>
         <p:blipFill>
-          <a:blip r:embed="rId2">
-            <a:extLst/>
-          </a:blip>
+          <a:blip r:embed="rId1"/>
           <a:stretch>
             <a:fillRect/>
           </a:stretch>
@@ -7244,9 +7350,11 @@
           </a:prstGeom>
           <a:ln w="25400">
             <a:miter lim="400000"/>
+            <a:headEnd/>
+            <a:tailEnd/>
           </a:ln>
           <a:effectLst>
-            <a:reflection blurRad="0" stA="100000" stPos="0" endA="0" endPos="40000" dist="0" dir="5400000" fadeDir="5400000" sx="100000" sy="-100000" kx="0" ky="0" algn="bl" rotWithShape="0"/>
+            <a:reflection endPos="40000" dir="5400000" sy="-100000" algn="bl" rotWithShape="0"/>
           </a:effectLst>
         </p:spPr>
       </p:pic>
@@ -7267,11 +7375,6 @@
           <a:ln w="12700">
             <a:miter lim="400000"/>
           </a:ln>
-          <a:extLst>
-            <a:ext uri="{C572A759-6A51-4108-AA02-DFA0A04FC94B}">
-              <ma14:wrappingTextBoxFlag xmlns:ma14="http://schemas.microsoft.com/office/mac/drawingml/2011/main" val="1"/>
-            </a:ext>
-          </a:extLst>
         </p:spPr>
         <p:txBody>
           <a:bodyPr wrap="none" lIns="50800" tIns="50800" rIns="50800" bIns="50800" anchor="ctr">
@@ -7279,7 +7382,7 @@
           </a:bodyPr>
           <a:lstStyle>
             <a:lvl1pPr>
-              <a:defRPr b="0" sz="8000">
+              <a:defRPr sz="8000" b="0">
                 <a:latin typeface="Helvetica"/>
                 <a:ea typeface="Helvetica"/>
                 <a:cs typeface="Helvetica"/>
@@ -7288,7 +7391,6 @@
             </a:lvl1pPr>
           </a:lstStyle>
           <a:p>
-            <a:pPr/>
             <a:r>
               <a:t>Thanks</a:t>
             </a:r>
@@ -7300,12 +7402,12 @@
   <p:clrMapOvr>
     <a:masterClrMapping/>
   </p:clrMapOvr>
-  <p:transition xmlns:p14="http://schemas.microsoft.com/office/powerpoint/2010/main" spd="med" advClick="1"/>
+  <p:transition spd="med"/>
 </p:sld>
 </file>
 
 <file path=ppt/slides/slide4.xml><?xml version="1.0" encoding="utf-8"?>
-<p:sld xmlns:a="http://schemas.openxmlformats.org/drawingml/2006/main" xmlns:r="http://schemas.openxmlformats.org/officeDocument/2006/relationships" xmlns:p="http://schemas.openxmlformats.org/presentationml/2006/main" showMasterSp="1" showMasterPhAnim="1">
+<p:sld xmlns:a="http://schemas.openxmlformats.org/drawingml/2006/main" xmlns:r="http://schemas.openxmlformats.org/officeDocument/2006/relationships" xmlns:p="http://schemas.openxmlformats.org/presentationml/2006/main">
   <p:cSld>
     <p:spTree>
       <p:nvGrpSpPr>
@@ -7338,23 +7440,18 @@
           <a:ln w="12700">
             <a:miter lim="400000"/>
           </a:ln>
-          <a:extLst>
-            <a:ext uri="{C572A759-6A51-4108-AA02-DFA0A04FC94B}">
-              <ma14:wrappingTextBoxFlag xmlns:ma14="http://schemas.microsoft.com/office/mac/drawingml/2011/main" val="1"/>
-            </a:ext>
-          </a:extLst>
         </p:spPr>
         <p:txBody>
           <a:bodyPr wrap="none" lIns="50800" tIns="50800" rIns="50800" bIns="50800">
             <a:spAutoFit/>
           </a:bodyPr>
           <a:lstStyle>
-            <a:lvl1pPr marL="661458" indent="-661458" algn="l">
+            <a:lvl1pPr marL="661670" indent="-661670" algn="l">
               <a:buSzPct val="50000"/>
               <a:buBlip>
-                <a:blip r:embed="rId2"/>
+                <a:blip r:embed="rId1"/>
               </a:buBlip>
-              <a:defRPr b="0" sz="5000">
+              <a:defRPr sz="5000" b="0">
                 <a:latin typeface="Helvetica Light"/>
                 <a:ea typeface="Helvetica Light"/>
                 <a:cs typeface="Helvetica Light"/>
@@ -7363,7 +7460,6 @@
             </a:lvl1pPr>
           </a:lstStyle>
           <a:p>
-            <a:pPr/>
             <a:r>
               <a:t>新书预告</a:t>
             </a:r>
@@ -7387,25 +7483,20 @@
           <a:ln w="12700">
             <a:miter lim="400000"/>
           </a:ln>
-          <a:extLst>
-            <a:ext uri="{C572A759-6A51-4108-AA02-DFA0A04FC94B}">
-              <ma14:wrappingTextBoxFlag xmlns:ma14="http://schemas.microsoft.com/office/mac/drawingml/2011/main" val="1"/>
-            </a:ext>
-          </a:extLst>
         </p:spPr>
         <p:txBody>
           <a:bodyPr lIns="50800" tIns="50800" rIns="50800" bIns="50800" anchor="ctr">
             <a:spAutoFit/>
           </a:bodyPr>
           <a:lstStyle>
-            <a:lvl1pPr indent="266399" algn="just" defTabSz="457200">
+            <a:lvl1pPr indent="266700" algn="just" defTabSz="457200">
               <a:lnSpc>
                 <a:spcPts val="6300"/>
               </a:lnSpc>
               <a:spcBef>
                 <a:spcPts val="1000"/>
               </a:spcBef>
-              <a:defRPr b="0" sz="4000">
+              <a:defRPr sz="4000" b="0">
                 <a:latin typeface="Songti SC Light"/>
                 <a:ea typeface="Songti SC Light"/>
                 <a:cs typeface="Songti SC Light"/>
@@ -7414,7 +7505,6 @@
             </a:lvl1pPr>
           </a:lstStyle>
           <a:p>
-            <a:pPr/>
             <a:r>
               <a:t>《Vue.js实战》将在 9 月由清华大学出版社出版，敬请期待！</a:t>
             </a:r>
@@ -7426,12 +7516,12 @@
   <p:clrMapOvr>
     <a:masterClrMapping/>
   </p:clrMapOvr>
-  <p:transition xmlns:p14="http://schemas.microsoft.com/office/powerpoint/2010/main" spd="med" advClick="1"/>
+  <p:transition spd="med"/>
 </p:sld>
 </file>
 
 <file path=ppt/slides/slide5.xml><?xml version="1.0" encoding="utf-8"?>
-<p:sld xmlns:a="http://schemas.openxmlformats.org/drawingml/2006/main" xmlns:r="http://schemas.openxmlformats.org/officeDocument/2006/relationships" xmlns:p="http://schemas.openxmlformats.org/presentationml/2006/main" showMasterSp="1" showMasterPhAnim="1">
+<p:sld xmlns:a="http://schemas.openxmlformats.org/drawingml/2006/main" xmlns:r="http://schemas.openxmlformats.org/officeDocument/2006/relationships" xmlns:p="http://schemas.openxmlformats.org/presentationml/2006/main">
   <p:cSld>
     <p:spTree>
       <p:nvGrpSpPr>
@@ -7464,23 +7554,18 @@
           <a:ln w="12700">
             <a:miter lim="400000"/>
           </a:ln>
-          <a:extLst>
-            <a:ext uri="{C572A759-6A51-4108-AA02-DFA0A04FC94B}">
-              <ma14:wrappingTextBoxFlag xmlns:ma14="http://schemas.microsoft.com/office/mac/drawingml/2011/main" val="1"/>
-            </a:ext>
-          </a:extLst>
         </p:spPr>
         <p:txBody>
           <a:bodyPr wrap="none" lIns="50800" tIns="50800" rIns="50800" bIns="50800">
             <a:spAutoFit/>
           </a:bodyPr>
           <a:lstStyle>
-            <a:lvl1pPr marL="661458" indent="-661458" algn="l">
+            <a:lvl1pPr marL="661670" indent="-661670" algn="l">
               <a:buSzPct val="50000"/>
               <a:buBlip>
-                <a:blip r:embed="rId2"/>
+                <a:blip r:embed="rId1"/>
               </a:buBlip>
-              <a:defRPr b="0" sz="5000">
+              <a:defRPr sz="5000" b="0">
                 <a:latin typeface="Helvetica Light"/>
                 <a:ea typeface="Helvetica Light"/>
                 <a:cs typeface="Helvetica Light"/>
@@ -7489,7 +7574,6 @@
             </a:lvl1pPr>
           </a:lstStyle>
           <a:p>
-            <a:pPr/>
             <a:r>
               <a:t>组件与复用</a:t>
             </a:r>
@@ -7505,9 +7589,7 @@
           <p:nvPr/>
         </p:nvPicPr>
         <p:blipFill>
-          <a:blip r:embed="rId3">
-            <a:extLst/>
-          </a:blip>
+          <a:blip r:embed="rId2"/>
           <a:stretch>
             <a:fillRect/>
           </a:stretch>
@@ -7522,6 +7604,8 @@
           </a:prstGeom>
           <a:ln w="12700">
             <a:miter lim="400000"/>
+            <a:headEnd/>
+            <a:tailEnd/>
           </a:ln>
         </p:spPr>
       </p:pic>
@@ -7530,12 +7614,12 @@
   <p:clrMapOvr>
     <a:masterClrMapping/>
   </p:clrMapOvr>
-  <p:transition xmlns:p14="http://schemas.microsoft.com/office/powerpoint/2010/main" spd="med" advClick="1"/>
+  <p:transition spd="med"/>
 </p:sld>
 </file>
 
 <file path=ppt/slides/slide6.xml><?xml version="1.0" encoding="utf-8"?>
-<p:sld xmlns:a="http://schemas.openxmlformats.org/drawingml/2006/main" xmlns:r="http://schemas.openxmlformats.org/officeDocument/2006/relationships" xmlns:p="http://schemas.openxmlformats.org/presentationml/2006/main" showMasterSp="1" showMasterPhAnim="1">
+<p:sld xmlns:a="http://schemas.openxmlformats.org/drawingml/2006/main" xmlns:r="http://schemas.openxmlformats.org/officeDocument/2006/relationships" xmlns:p="http://schemas.openxmlformats.org/presentationml/2006/main">
   <p:cSld>
     <p:spTree>
       <p:nvGrpSpPr>
@@ -7568,23 +7652,18 @@
           <a:ln w="12700">
             <a:miter lim="400000"/>
           </a:ln>
-          <a:extLst>
-            <a:ext uri="{C572A759-6A51-4108-AA02-DFA0A04FC94B}">
-              <ma14:wrappingTextBoxFlag xmlns:ma14="http://schemas.microsoft.com/office/mac/drawingml/2011/main" val="1"/>
-            </a:ext>
-          </a:extLst>
         </p:spPr>
         <p:txBody>
           <a:bodyPr wrap="none" lIns="50800" tIns="50800" rIns="50800" bIns="50800">
             <a:spAutoFit/>
           </a:bodyPr>
           <a:lstStyle>
-            <a:lvl1pPr marL="661458" indent="-661458" algn="l">
+            <a:lvl1pPr marL="661670" indent="-661670" algn="l">
               <a:buSzPct val="50000"/>
               <a:buBlip>
-                <a:blip r:embed="rId2"/>
+                <a:blip r:embed="rId1"/>
               </a:buBlip>
-              <a:defRPr b="0" sz="5000">
+              <a:defRPr sz="5000" b="0">
                 <a:latin typeface="Helvetica Light"/>
                 <a:ea typeface="Helvetica Light"/>
                 <a:cs typeface="Helvetica Light"/>
@@ -7593,7 +7672,6 @@
             </a:lvl1pPr>
           </a:lstStyle>
           <a:p>
-            <a:pPr/>
             <a:r>
               <a:t>组件与复用</a:t>
             </a:r>
@@ -7609,9 +7687,7 @@
           <p:nvPr/>
         </p:nvPicPr>
         <p:blipFill>
-          <a:blip r:embed="rId3">
-            <a:extLst/>
-          </a:blip>
+          <a:blip r:embed="rId2"/>
           <a:stretch>
             <a:fillRect/>
           </a:stretch>
@@ -7626,6 +7702,8 @@
           </a:prstGeom>
           <a:ln w="12700">
             <a:miter lim="400000"/>
+            <a:headEnd/>
+            <a:tailEnd/>
           </a:ln>
         </p:spPr>
       </p:pic>
@@ -7638,9 +7716,7 @@
           <p:nvPr/>
         </p:nvPicPr>
         <p:blipFill>
-          <a:blip r:embed="rId4">
-            <a:extLst/>
-          </a:blip>
+          <a:blip r:embed="rId3"/>
           <a:stretch>
             <a:fillRect/>
           </a:stretch>
@@ -7655,9 +7731,11 @@
           </a:prstGeom>
           <a:ln w="25400">
             <a:miter lim="400000"/>
+            <a:headEnd/>
+            <a:tailEnd/>
           </a:ln>
           <a:effectLst>
-            <a:outerShdw sx="100000" sy="100000" kx="0" ky="0" algn="b" rotWithShape="0" blurRad="254000" dist="127000" dir="5400000">
+            <a:outerShdw blurRad="254000" dist="127000" dir="5400000" rotWithShape="0">
               <a:srgbClr val="000000">
                 <a:alpha val="70000"/>
               </a:srgbClr>
@@ -7670,12 +7748,12 @@
   <p:clrMapOvr>
     <a:masterClrMapping/>
   </p:clrMapOvr>
-  <p:transition xmlns:p14="http://schemas.microsoft.com/office/powerpoint/2010/main" spd="med" advClick="1"/>
+  <p:transition spd="med"/>
 </p:sld>
 </file>
 
 <file path=ppt/slides/slide7.xml><?xml version="1.0" encoding="utf-8"?>
-<p:sld xmlns:a="http://schemas.openxmlformats.org/drawingml/2006/main" xmlns:r="http://schemas.openxmlformats.org/officeDocument/2006/relationships" xmlns:p="http://schemas.openxmlformats.org/presentationml/2006/main" showMasterSp="1" showMasterPhAnim="1">
+<p:sld xmlns:a="http://schemas.openxmlformats.org/drawingml/2006/main" xmlns:r="http://schemas.openxmlformats.org/officeDocument/2006/relationships" xmlns:p="http://schemas.openxmlformats.org/presentationml/2006/main">
   <p:cSld>
     <p:spTree>
       <p:nvGrpSpPr>
@@ -7708,23 +7786,18 @@
           <a:ln w="12700">
             <a:miter lim="400000"/>
           </a:ln>
-          <a:extLst>
-            <a:ext uri="{C572A759-6A51-4108-AA02-DFA0A04FC94B}">
-              <ma14:wrappingTextBoxFlag xmlns:ma14="http://schemas.microsoft.com/office/mac/drawingml/2011/main" val="1"/>
-            </a:ext>
-          </a:extLst>
         </p:spPr>
         <p:txBody>
           <a:bodyPr wrap="none" lIns="50800" tIns="50800" rIns="50800" bIns="50800">
             <a:spAutoFit/>
           </a:bodyPr>
           <a:lstStyle>
-            <a:lvl1pPr marL="661458" indent="-661458" algn="l">
+            <a:lvl1pPr marL="661670" indent="-661670" algn="l">
               <a:buSzPct val="50000"/>
               <a:buBlip>
-                <a:blip r:embed="rId2"/>
+                <a:blip r:embed="rId1"/>
               </a:buBlip>
-              <a:defRPr b="0" sz="5000">
+              <a:defRPr sz="5000" b="0">
                 <a:latin typeface="Helvetica Light"/>
                 <a:ea typeface="Helvetica Light"/>
                 <a:cs typeface="Helvetica Light"/>
@@ -7733,7 +7806,6 @@
             </a:lvl1pPr>
           </a:lstStyle>
           <a:p>
-            <a:pPr/>
             <a:r>
               <a:t>组件用法</a:t>
             </a:r>
@@ -7749,7 +7821,7 @@
         <p:spPr>
           <a:xfrm>
             <a:off x="2108413" y="2603371"/>
-            <a:ext cx="20967808" cy="6324601"/>
+            <a:ext cx="20967808" cy="6257290"/>
           </a:xfrm>
           <a:prstGeom prst="rect">
             <a:avLst/>
@@ -7757,11 +7829,6 @@
           <a:ln w="12700">
             <a:miter lim="400000"/>
           </a:ln>
-          <a:extLst>
-            <a:ext uri="{C572A759-6A51-4108-AA02-DFA0A04FC94B}">
-              <ma14:wrappingTextBoxFlag xmlns:ma14="http://schemas.microsoft.com/office/mac/drawingml/2011/main" val="1"/>
-            </a:ext>
-          </a:extLst>
         </p:spPr>
         <p:txBody>
           <a:bodyPr lIns="50800" tIns="50800" rIns="50800" bIns="50800">
@@ -7769,13 +7836,13 @@
           </a:bodyPr>
           <a:lstStyle/>
           <a:p>
-            <a:pPr marL="610576" indent="-610576" algn="l">
+            <a:pPr marL="610870" indent="-610870" algn="l">
               <a:lnSpc>
                 <a:spcPct val="200000"/>
               </a:lnSpc>
               <a:buSzPct val="75000"/>
               <a:buChar char="•"/>
-              <a:defRPr b="0" sz="5000">
+              <a:defRPr sz="5000" b="0">
                 <a:latin typeface="Helvetica Light"/>
                 <a:ea typeface="Helvetica Light"/>
                 <a:cs typeface="Helvetica Light"/>
@@ -7787,13 +7854,13 @@
             </a:r>
           </a:p>
           <a:p>
-            <a:pPr marL="610576" indent="-610576" algn="l">
+            <a:pPr marL="610870" indent="-610870" algn="l">
               <a:lnSpc>
                 <a:spcPct val="200000"/>
               </a:lnSpc>
               <a:buSzPct val="75000"/>
               <a:buChar char="•"/>
-              <a:defRPr b="0" sz="5000">
+              <a:defRPr sz="5000" b="0">
                 <a:latin typeface="Helvetica Light"/>
                 <a:ea typeface="Helvetica Light"/>
                 <a:cs typeface="Helvetica Light"/>
@@ -7805,13 +7872,13 @@
             </a:r>
           </a:p>
           <a:p>
-            <a:pPr marL="610576" indent="-610576" algn="l">
+            <a:pPr marL="610870" indent="-610870" algn="l">
               <a:lnSpc>
                 <a:spcPct val="200000"/>
               </a:lnSpc>
               <a:buSzPct val="75000"/>
               <a:buChar char="•"/>
-              <a:defRPr b="0" sz="5000">
+              <a:defRPr sz="5000" b="0">
                 <a:latin typeface="Helvetica Light"/>
                 <a:ea typeface="Helvetica Light"/>
                 <a:cs typeface="Helvetica Light"/>
@@ -7829,12 +7896,12 @@
   <p:clrMapOvr>
     <a:masterClrMapping/>
   </p:clrMapOvr>
-  <p:transition xmlns:p14="http://schemas.microsoft.com/office/powerpoint/2010/main" spd="med" advClick="1"/>
+  <p:transition spd="med"/>
 </p:sld>
 </file>
 
 <file path=ppt/slides/slide8.xml><?xml version="1.0" encoding="utf-8"?>
-<p:sld xmlns:a="http://schemas.openxmlformats.org/drawingml/2006/main" xmlns:r="http://schemas.openxmlformats.org/officeDocument/2006/relationships" xmlns:p="http://schemas.openxmlformats.org/presentationml/2006/main" showMasterSp="1" showMasterPhAnim="1">
+<p:sld xmlns:a="http://schemas.openxmlformats.org/drawingml/2006/main" xmlns:r="http://schemas.openxmlformats.org/officeDocument/2006/relationships" xmlns:p="http://schemas.openxmlformats.org/presentationml/2006/main">
   <p:cSld>
     <p:spTree>
       <p:nvGrpSpPr>
@@ -7867,23 +7934,18 @@
           <a:ln w="12700">
             <a:miter lim="400000"/>
           </a:ln>
-          <a:extLst>
-            <a:ext uri="{C572A759-6A51-4108-AA02-DFA0A04FC94B}">
-              <ma14:wrappingTextBoxFlag xmlns:ma14="http://schemas.microsoft.com/office/mac/drawingml/2011/main" val="1"/>
-            </a:ext>
-          </a:extLst>
         </p:spPr>
         <p:txBody>
           <a:bodyPr wrap="none" lIns="50800" tIns="50800" rIns="50800" bIns="50800">
             <a:spAutoFit/>
           </a:bodyPr>
           <a:lstStyle>
-            <a:lvl1pPr marL="661458" indent="-661458" algn="l">
+            <a:lvl1pPr marL="661670" indent="-661670" algn="l">
               <a:buSzPct val="50000"/>
               <a:buBlip>
-                <a:blip r:embed="rId2"/>
+                <a:blip r:embed="rId1"/>
               </a:buBlip>
-              <a:defRPr b="0" sz="5000">
+              <a:defRPr sz="5000" b="0">
                 <a:latin typeface="Helvetica Light"/>
                 <a:ea typeface="Helvetica Light"/>
                 <a:cs typeface="Helvetica Light"/>
@@ -7892,7 +7954,6 @@
             </a:lvl1pPr>
           </a:lstStyle>
           <a:p>
-            <a:pPr/>
             <a:r>
               <a:t>使用 props 传递数据</a:t>
             </a:r>
@@ -7916,25 +7977,20 @@
           <a:ln w="12700">
             <a:miter lim="400000"/>
           </a:ln>
-          <a:extLst>
-            <a:ext uri="{C572A759-6A51-4108-AA02-DFA0A04FC94B}">
-              <ma14:wrappingTextBoxFlag xmlns:ma14="http://schemas.microsoft.com/office/mac/drawingml/2011/main" val="1"/>
-            </a:ext>
-          </a:extLst>
         </p:spPr>
         <p:txBody>
           <a:bodyPr lIns="50800" tIns="50800" rIns="50800" bIns="50800" anchor="ctr">
             <a:spAutoFit/>
           </a:bodyPr>
           <a:lstStyle>
-            <a:lvl1pPr indent="266399" algn="just" defTabSz="457200">
+            <a:lvl1pPr indent="266700" algn="just" defTabSz="457200">
               <a:lnSpc>
                 <a:spcPts val="6300"/>
               </a:lnSpc>
               <a:spcBef>
                 <a:spcPts val="1000"/>
               </a:spcBef>
-              <a:defRPr b="0" sz="4000">
+              <a:defRPr sz="4000" b="0">
                 <a:latin typeface="Songti SC Light"/>
                 <a:ea typeface="Songti SC Light"/>
                 <a:cs typeface="Songti SC Light"/>
@@ -7943,7 +7999,6 @@
             </a:lvl1pPr>
           </a:lstStyle>
           <a:p>
-            <a:pPr/>
             <a:r>
               <a:t>组件不仅仅是要把模板的内容进行复用，更主要的是组件间要进行通信。通常父组件的模板中包含子组件，父组件要正向地向子组件传递数据或参数，子组件接收到后根据参数的不同来渲染不同的内容或执行操作。这个正向传递数据的过程，就是通过 props 来实现的。</a:t>
             </a:r>
@@ -7955,12 +8010,12 @@
   <p:clrMapOvr>
     <a:masterClrMapping/>
   </p:clrMapOvr>
-  <p:transition xmlns:p14="http://schemas.microsoft.com/office/powerpoint/2010/main" spd="med" advClick="1"/>
+  <p:transition spd="med"/>
 </p:sld>
 </file>
 
 <file path=ppt/slides/slide9.xml><?xml version="1.0" encoding="utf-8"?>
-<p:sld xmlns:a="http://schemas.openxmlformats.org/drawingml/2006/main" xmlns:r="http://schemas.openxmlformats.org/officeDocument/2006/relationships" xmlns:p="http://schemas.openxmlformats.org/presentationml/2006/main" showMasterSp="1" showMasterPhAnim="1">
+<p:sld xmlns:a="http://schemas.openxmlformats.org/drawingml/2006/main" xmlns:r="http://schemas.openxmlformats.org/officeDocument/2006/relationships" xmlns:p="http://schemas.openxmlformats.org/presentationml/2006/main">
   <p:cSld>
     <p:spTree>
       <p:nvGrpSpPr>
@@ -7993,23 +8048,18 @@
           <a:ln w="12700">
             <a:miter lim="400000"/>
           </a:ln>
-          <a:extLst>
-            <a:ext uri="{C572A759-6A51-4108-AA02-DFA0A04FC94B}">
-              <ma14:wrappingTextBoxFlag xmlns:ma14="http://schemas.microsoft.com/office/mac/drawingml/2011/main" val="1"/>
-            </a:ext>
-          </a:extLst>
         </p:spPr>
         <p:txBody>
           <a:bodyPr wrap="none" lIns="50800" tIns="50800" rIns="50800" bIns="50800">
             <a:spAutoFit/>
           </a:bodyPr>
           <a:lstStyle>
-            <a:lvl1pPr marL="661458" indent="-661458" algn="l">
+            <a:lvl1pPr marL="661670" indent="-661670" algn="l">
               <a:buSzPct val="50000"/>
               <a:buBlip>
-                <a:blip r:embed="rId2"/>
+                <a:blip r:embed="rId1"/>
               </a:buBlip>
-              <a:defRPr b="0" sz="5000">
+              <a:defRPr sz="5000" b="0">
                 <a:latin typeface="Helvetica Light"/>
                 <a:ea typeface="Helvetica Light"/>
                 <a:cs typeface="Helvetica Light"/>
@@ -8018,7 +8068,6 @@
             </a:lvl1pPr>
           </a:lstStyle>
           <a:p>
-            <a:pPr/>
             <a:r>
               <a:t>单向数据流</a:t>
             </a:r>
@@ -8034,9 +8083,7 @@
           <p:nvPr/>
         </p:nvPicPr>
         <p:blipFill>
-          <a:blip r:embed="rId3">
-            <a:extLst/>
-          </a:blip>
+          <a:blip r:embed="rId2"/>
           <a:stretch>
             <a:fillRect/>
           </a:stretch>
@@ -8051,9 +8098,11 @@
           </a:prstGeom>
           <a:ln w="25400">
             <a:miter lim="400000"/>
+            <a:headEnd/>
+            <a:tailEnd/>
           </a:ln>
           <a:effectLst>
-            <a:outerShdw sx="100000" sy="100000" kx="0" ky="0" algn="b" rotWithShape="0" blurRad="254000" dist="127000" dir="5400000">
+            <a:outerShdw blurRad="254000" dist="127000" dir="5400000" rotWithShape="0">
               <a:srgbClr val="000000">
                 <a:alpha val="70000"/>
               </a:srgbClr>
@@ -8078,11 +8127,6 @@
           <a:ln w="12700">
             <a:miter lim="400000"/>
           </a:ln>
-          <a:extLst>
-            <a:ext uri="{C572A759-6A51-4108-AA02-DFA0A04FC94B}">
-              <ma14:wrappingTextBoxFlag xmlns:ma14="http://schemas.microsoft.com/office/mac/drawingml/2011/main" val="1"/>
-            </a:ext>
-          </a:extLst>
         </p:spPr>
         <p:txBody>
           <a:bodyPr wrap="none" lIns="50800" tIns="50800" rIns="50800" bIns="50800" anchor="ctr">
@@ -8090,11 +8134,10 @@
           </a:bodyPr>
           <a:lstStyle>
             <a:lvl1pPr>
-              <a:defRPr b="0" i="1" sz="6000"/>
+              <a:defRPr sz="6000" b="0" i="1"/>
             </a:lvl1pPr>
           </a:lstStyle>
           <a:p>
-            <a:pPr/>
             <a:r>
               <a:t>Demo</a:t>
             </a:r>
@@ -8106,12 +8149,12 @@
   <p:clrMapOvr>
     <a:masterClrMapping/>
   </p:clrMapOvr>
-  <p:transition xmlns:p14="http://schemas.microsoft.com/office/powerpoint/2010/main" spd="med" advClick="1"/>
+  <p:transition spd="med"/>
 </p:sld>
 </file>
 
 <file path=ppt/theme/theme1.xml><?xml version="1.0" encoding="utf-8"?>
-<a:theme xmlns:a="http://schemas.openxmlformats.org/drawingml/2006/main" xmlns:r="http://schemas.openxmlformats.org/officeDocument/2006/relationships" name="White">
+<a:theme xmlns:a="http://schemas.openxmlformats.org/drawingml/2006/main" name="White">
   <a:themeElements>
     <a:clrScheme name="White">
       <a:dk1>
@@ -8307,8 +8350,6 @@
           <a:noFill/>
           <a:miter lim="400000"/>
         </a:ln>
-        <a:effectLst/>
-        <a:sp3d/>
       </a:spPr>
       <a:bodyPr rot="0" spcFirstLastPara="1" vertOverflow="overflow" horzOverflow="overflow" vert="horz" wrap="square" lIns="0" tIns="0" rIns="0" bIns="0" numCol="1" spcCol="38100" rtlCol="0" anchor="ctr" upright="0">
         <a:spAutoFit/>
@@ -8328,8 +8369,7 @@
           <a:buSzTx/>
           <a:buFontTx/>
           <a:buNone/>
-          <a:tabLst/>
-          <a:defRPr b="0" baseline="0" cap="none" i="0" spc="0" strike="noStrike" sz="3200" u="none" kumimoji="0" normalizeH="0">
+          <a:defRPr kumimoji="0" sz="3200" b="0" i="0" u="none" strike="noStrike" cap="none" spc="0" normalizeH="0" baseline="0">
             <a:ln>
               <a:noFill/>
             </a:ln>
@@ -8358,8 +8398,7 @@
           <a:buSzTx/>
           <a:buFontTx/>
           <a:buNone/>
-          <a:tabLst/>
-          <a:defRPr b="0" baseline="0" cap="none" i="0" spc="0" strike="noStrike" sz="1800" u="none" kumimoji="0" normalizeH="0">
+          <a:defRPr kumimoji="0" sz="1800" b="0" i="0" u="none" strike="noStrike" cap="none" spc="0" normalizeH="0" baseline="0">
             <a:ln>
               <a:noFill/>
             </a:ln>
@@ -8384,8 +8423,7 @@
           <a:buSzTx/>
           <a:buFontTx/>
           <a:buNone/>
-          <a:tabLst/>
-          <a:defRPr b="0" baseline="0" cap="none" i="0" spc="0" strike="noStrike" sz="1800" u="none" kumimoji="0" normalizeH="0">
+          <a:defRPr kumimoji="0" sz="1800" b="0" i="0" u="none" strike="noStrike" cap="none" spc="0" normalizeH="0" baseline="0">
             <a:ln>
               <a:noFill/>
             </a:ln>
@@ -8410,8 +8448,7 @@
           <a:buSzTx/>
           <a:buFontTx/>
           <a:buNone/>
-          <a:tabLst/>
-          <a:defRPr b="0" baseline="0" cap="none" i="0" spc="0" strike="noStrike" sz="1800" u="none" kumimoji="0" normalizeH="0">
+          <a:defRPr kumimoji="0" sz="1800" b="0" i="0" u="none" strike="noStrike" cap="none" spc="0" normalizeH="0" baseline="0">
             <a:ln>
               <a:noFill/>
             </a:ln>
@@ -8436,8 +8473,7 @@
           <a:buSzTx/>
           <a:buFontTx/>
           <a:buNone/>
-          <a:tabLst/>
-          <a:defRPr b="0" baseline="0" cap="none" i="0" spc="0" strike="noStrike" sz="1800" u="none" kumimoji="0" normalizeH="0">
+          <a:defRPr kumimoji="0" sz="1800" b="0" i="0" u="none" strike="noStrike" cap="none" spc="0" normalizeH="0" baseline="0">
             <a:ln>
               <a:noFill/>
             </a:ln>
@@ -8462,8 +8498,7 @@
           <a:buSzTx/>
           <a:buFontTx/>
           <a:buNone/>
-          <a:tabLst/>
-          <a:defRPr b="0" baseline="0" cap="none" i="0" spc="0" strike="noStrike" sz="1800" u="none" kumimoji="0" normalizeH="0">
+          <a:defRPr kumimoji="0" sz="1800" b="0" i="0" u="none" strike="noStrike" cap="none" spc="0" normalizeH="0" baseline="0">
             <a:ln>
               <a:noFill/>
             </a:ln>
@@ -8488,8 +8523,7 @@
           <a:buSzTx/>
           <a:buFontTx/>
           <a:buNone/>
-          <a:tabLst/>
-          <a:defRPr b="0" baseline="0" cap="none" i="0" spc="0" strike="noStrike" sz="1800" u="none" kumimoji="0" normalizeH="0">
+          <a:defRPr kumimoji="0" sz="1800" b="0" i="0" u="none" strike="noStrike" cap="none" spc="0" normalizeH="0" baseline="0">
             <a:ln>
               <a:noFill/>
             </a:ln>
@@ -8514,8 +8548,7 @@
           <a:buSzTx/>
           <a:buFontTx/>
           <a:buNone/>
-          <a:tabLst/>
-          <a:defRPr b="0" baseline="0" cap="none" i="0" spc="0" strike="noStrike" sz="1800" u="none" kumimoji="0" normalizeH="0">
+          <a:defRPr kumimoji="0" sz="1800" b="0" i="0" u="none" strike="noStrike" cap="none" spc="0" normalizeH="0" baseline="0">
             <a:ln>
               <a:noFill/>
             </a:ln>
@@ -8540,8 +8573,7 @@
           <a:buSzTx/>
           <a:buFontTx/>
           <a:buNone/>
-          <a:tabLst/>
-          <a:defRPr b="0" baseline="0" cap="none" i="0" spc="0" strike="noStrike" sz="1800" u="none" kumimoji="0" normalizeH="0">
+          <a:defRPr kumimoji="0" sz="1800" b="0" i="0" u="none" strike="noStrike" cap="none" spc="0" normalizeH="0" baseline="0">
             <a:ln>
               <a:noFill/>
             </a:ln>
@@ -8566,8 +8598,7 @@
           <a:buSzTx/>
           <a:buFontTx/>
           <a:buNone/>
-          <a:tabLst/>
-          <a:defRPr b="0" baseline="0" cap="none" i="0" spc="0" strike="noStrike" sz="1800" u="none" kumimoji="0" normalizeH="0">
+          <a:defRPr kumimoji="0" sz="1800" b="0" i="0" u="none" strike="noStrike" cap="none" spc="0" normalizeH="0" baseline="0">
             <a:ln>
               <a:noFill/>
             </a:ln>
@@ -8580,9 +8611,15 @@
         </a:lvl9pPr>
       </a:lstStyle>
       <a:style>
-        <a:lnRef idx="0"/>
-        <a:fillRef idx="0"/>
-        <a:effectRef idx="0"/>
+        <a:lnRef idx="0">
+          <a:srgbClr val="FFFFFF"/>
+        </a:lnRef>
+        <a:fillRef idx="0">
+          <a:srgbClr val="FFFFFF"/>
+        </a:fillRef>
+        <a:effectRef idx="0">
+          <a:srgbClr val="FFFFFF"/>
+        </a:effectRef>
         <a:fontRef idx="none"/>
       </a:style>
     </a:spDef>
@@ -8596,8 +8633,6 @@
           <a:prstDash val="solid"/>
           <a:miter lim="400000"/>
         </a:ln>
-        <a:effectLst/>
-        <a:sp3d/>
       </a:spPr>
       <a:bodyPr rot="0" spcFirstLastPara="1" vertOverflow="overflow" horzOverflow="overflow" vert="horz" wrap="square" lIns="91439" tIns="45719" rIns="91439" bIns="45719" numCol="1" spcCol="38100" rtlCol="0" anchor="t" upright="0">
         <a:noAutofit/>
@@ -8617,8 +8652,7 @@
           <a:buSzTx/>
           <a:buFontTx/>
           <a:buNone/>
-          <a:tabLst/>
-          <a:defRPr b="0" baseline="0" cap="none" i="0" spc="0" strike="noStrike" sz="1800" u="none" kumimoji="0" normalizeH="0">
+          <a:defRPr kumimoji="0" sz="1800" b="0" i="0" u="none" strike="noStrike" cap="none" spc="0" normalizeH="0" baseline="0">
             <a:ln>
               <a:noFill/>
             </a:ln>
@@ -8643,8 +8677,7 @@
           <a:buSzTx/>
           <a:buFontTx/>
           <a:buNone/>
-          <a:tabLst/>
-          <a:defRPr b="0" baseline="0" cap="none" i="0" spc="0" strike="noStrike" sz="1800" u="none" kumimoji="0" normalizeH="0">
+          <a:defRPr kumimoji="0" sz="1800" b="0" i="0" u="none" strike="noStrike" cap="none" spc="0" normalizeH="0" baseline="0">
             <a:ln>
               <a:noFill/>
             </a:ln>
@@ -8669,8 +8702,7 @@
           <a:buSzTx/>
           <a:buFontTx/>
           <a:buNone/>
-          <a:tabLst/>
-          <a:defRPr b="0" baseline="0" cap="none" i="0" spc="0" strike="noStrike" sz="1800" u="none" kumimoji="0" normalizeH="0">
+          <a:defRPr kumimoji="0" sz="1800" b="0" i="0" u="none" strike="noStrike" cap="none" spc="0" normalizeH="0" baseline="0">
             <a:ln>
               <a:noFill/>
             </a:ln>
@@ -8695,8 +8727,7 @@
           <a:buSzTx/>
           <a:buFontTx/>
           <a:buNone/>
-          <a:tabLst/>
-          <a:defRPr b="0" baseline="0" cap="none" i="0" spc="0" strike="noStrike" sz="1800" u="none" kumimoji="0" normalizeH="0">
+          <a:defRPr kumimoji="0" sz="1800" b="0" i="0" u="none" strike="noStrike" cap="none" spc="0" normalizeH="0" baseline="0">
             <a:ln>
               <a:noFill/>
             </a:ln>
@@ -8721,8 +8752,7 @@
           <a:buSzTx/>
           <a:buFontTx/>
           <a:buNone/>
-          <a:tabLst/>
-          <a:defRPr b="0" baseline="0" cap="none" i="0" spc="0" strike="noStrike" sz="1800" u="none" kumimoji="0" normalizeH="0">
+          <a:defRPr kumimoji="0" sz="1800" b="0" i="0" u="none" strike="noStrike" cap="none" spc="0" normalizeH="0" baseline="0">
             <a:ln>
               <a:noFill/>
             </a:ln>
@@ -8747,8 +8777,7 @@
           <a:buSzTx/>
           <a:buFontTx/>
           <a:buNone/>
-          <a:tabLst/>
-          <a:defRPr b="0" baseline="0" cap="none" i="0" spc="0" strike="noStrike" sz="1800" u="none" kumimoji="0" normalizeH="0">
+          <a:defRPr kumimoji="0" sz="1800" b="0" i="0" u="none" strike="noStrike" cap="none" spc="0" normalizeH="0" baseline="0">
             <a:ln>
               <a:noFill/>
             </a:ln>
@@ -8773,8 +8802,7 @@
           <a:buSzTx/>
           <a:buFontTx/>
           <a:buNone/>
-          <a:tabLst/>
-          <a:defRPr b="0" baseline="0" cap="none" i="0" spc="0" strike="noStrike" sz="1800" u="none" kumimoji="0" normalizeH="0">
+          <a:defRPr kumimoji="0" sz="1800" b="0" i="0" u="none" strike="noStrike" cap="none" spc="0" normalizeH="0" baseline="0">
             <a:ln>
               <a:noFill/>
             </a:ln>
@@ -8799,8 +8827,7 @@
           <a:buSzTx/>
           <a:buFontTx/>
           <a:buNone/>
-          <a:tabLst/>
-          <a:defRPr b="0" baseline="0" cap="none" i="0" spc="0" strike="noStrike" sz="1800" u="none" kumimoji="0" normalizeH="0">
+          <a:defRPr kumimoji="0" sz="1800" b="0" i="0" u="none" strike="noStrike" cap="none" spc="0" normalizeH="0" baseline="0">
             <a:ln>
               <a:noFill/>
             </a:ln>
@@ -8825,8 +8852,7 @@
           <a:buSzTx/>
           <a:buFontTx/>
           <a:buNone/>
-          <a:tabLst/>
-          <a:defRPr b="0" baseline="0" cap="none" i="0" spc="0" strike="noStrike" sz="1800" u="none" kumimoji="0" normalizeH="0">
+          <a:defRPr kumimoji="0" sz="1800" b="0" i="0" u="none" strike="noStrike" cap="none" spc="0" normalizeH="0" baseline="0">
             <a:ln>
               <a:noFill/>
             </a:ln>
@@ -8851,8 +8877,7 @@
           <a:buSzTx/>
           <a:buFontTx/>
           <a:buNone/>
-          <a:tabLst/>
-          <a:defRPr b="0" baseline="0" cap="none" i="0" spc="0" strike="noStrike" sz="1800" u="none" kumimoji="0" normalizeH="0">
+          <a:defRPr kumimoji="0" sz="1800" b="0" i="0" u="none" strike="noStrike" cap="none" spc="0" normalizeH="0" baseline="0">
             <a:ln>
               <a:noFill/>
             </a:ln>
@@ -8865,9 +8890,15 @@
         </a:lvl9pPr>
       </a:lstStyle>
       <a:style>
-        <a:lnRef idx="0"/>
-        <a:fillRef idx="0"/>
-        <a:effectRef idx="0"/>
+        <a:lnRef idx="0">
+          <a:srgbClr val="FFFFFF"/>
+        </a:lnRef>
+        <a:fillRef idx="0">
+          <a:srgbClr val="FFFFFF"/>
+        </a:fillRef>
+        <a:effectRef idx="0">
+          <a:srgbClr val="FFFFFF"/>
+        </a:effectRef>
         <a:fontRef idx="none"/>
       </a:style>
     </a:lnDef>
@@ -8878,8 +8909,6 @@
           <a:noFill/>
           <a:miter lim="400000"/>
         </a:ln>
-        <a:effectLst/>
-        <a:sp3d/>
       </a:spPr>
       <a:bodyPr rot="0" spcFirstLastPara="1" vertOverflow="overflow" horzOverflow="overflow" vert="horz" wrap="square" lIns="50800" tIns="50800" rIns="50800" bIns="50800" numCol="1" spcCol="38100" rtlCol="0" anchor="ctr" upright="0">
         <a:spAutoFit/>
@@ -8899,8 +8928,7 @@
           <a:buSzTx/>
           <a:buFontTx/>
           <a:buNone/>
-          <a:tabLst/>
-          <a:defRPr b="1" baseline="0" cap="none" i="0" spc="0" strike="noStrike" sz="3000" u="none" kumimoji="0" normalizeH="0">
+          <a:defRPr kumimoji="0" sz="3000" b="1" i="0" u="none" strike="noStrike" cap="none" spc="0" normalizeH="0" baseline="0">
             <a:ln>
               <a:noFill/>
             </a:ln>
@@ -8929,8 +8957,7 @@
           <a:buSzTx/>
           <a:buFontTx/>
           <a:buNone/>
-          <a:tabLst/>
-          <a:defRPr b="0" baseline="0" cap="none" i="0" spc="0" strike="noStrike" sz="1800" u="none" kumimoji="0" normalizeH="0">
+          <a:defRPr kumimoji="0" sz="1800" b="0" i="0" u="none" strike="noStrike" cap="none" spc="0" normalizeH="0" baseline="0">
             <a:ln>
               <a:noFill/>
             </a:ln>
@@ -8955,8 +8982,7 @@
           <a:buSzTx/>
           <a:buFontTx/>
           <a:buNone/>
-          <a:tabLst/>
-          <a:defRPr b="0" baseline="0" cap="none" i="0" spc="0" strike="noStrike" sz="1800" u="none" kumimoji="0" normalizeH="0">
+          <a:defRPr kumimoji="0" sz="1800" b="0" i="0" u="none" strike="noStrike" cap="none" spc="0" normalizeH="0" baseline="0">
             <a:ln>
               <a:noFill/>
             </a:ln>
@@ -8981,8 +9007,7 @@
           <a:buSzTx/>
           <a:buFontTx/>
           <a:buNone/>
-          <a:tabLst/>
-          <a:defRPr b="0" baseline="0" cap="none" i="0" spc="0" strike="noStrike" sz="1800" u="none" kumimoji="0" normalizeH="0">
+          <a:defRPr kumimoji="0" sz="1800" b="0" i="0" u="none" strike="noStrike" cap="none" spc="0" normalizeH="0" baseline="0">
             <a:ln>
               <a:noFill/>
             </a:ln>
@@ -9007,8 +9032,7 @@
           <a:buSzTx/>
           <a:buFontTx/>
           <a:buNone/>
-          <a:tabLst/>
-          <a:defRPr b="0" baseline="0" cap="none" i="0" spc="0" strike="noStrike" sz="1800" u="none" kumimoji="0" normalizeH="0">
+          <a:defRPr kumimoji="0" sz="1800" b="0" i="0" u="none" strike="noStrike" cap="none" spc="0" normalizeH="0" baseline="0">
             <a:ln>
               <a:noFill/>
             </a:ln>
@@ -9033,8 +9057,7 @@
           <a:buSzTx/>
           <a:buFontTx/>
           <a:buNone/>
-          <a:tabLst/>
-          <a:defRPr b="0" baseline="0" cap="none" i="0" spc="0" strike="noStrike" sz="1800" u="none" kumimoji="0" normalizeH="0">
+          <a:defRPr kumimoji="0" sz="1800" b="0" i="0" u="none" strike="noStrike" cap="none" spc="0" normalizeH="0" baseline="0">
             <a:ln>
               <a:noFill/>
             </a:ln>
@@ -9059,8 +9082,7 @@
           <a:buSzTx/>
           <a:buFontTx/>
           <a:buNone/>
-          <a:tabLst/>
-          <a:defRPr b="0" baseline="0" cap="none" i="0" spc="0" strike="noStrike" sz="1800" u="none" kumimoji="0" normalizeH="0">
+          <a:defRPr kumimoji="0" sz="1800" b="0" i="0" u="none" strike="noStrike" cap="none" spc="0" normalizeH="0" baseline="0">
             <a:ln>
               <a:noFill/>
             </a:ln>
@@ -9085,8 +9107,7 @@
           <a:buSzTx/>
           <a:buFontTx/>
           <a:buNone/>
-          <a:tabLst/>
-          <a:defRPr b="0" baseline="0" cap="none" i="0" spc="0" strike="noStrike" sz="1800" u="none" kumimoji="0" normalizeH="0">
+          <a:defRPr kumimoji="0" sz="1800" b="0" i="0" u="none" strike="noStrike" cap="none" spc="0" normalizeH="0" baseline="0">
             <a:ln>
               <a:noFill/>
             </a:ln>
@@ -9111,8 +9132,7 @@
           <a:buSzTx/>
           <a:buFontTx/>
           <a:buNone/>
-          <a:tabLst/>
-          <a:defRPr b="0" baseline="0" cap="none" i="0" spc="0" strike="noStrike" sz="1800" u="none" kumimoji="0" normalizeH="0">
+          <a:defRPr kumimoji="0" sz="1800" b="0" i="0" u="none" strike="noStrike" cap="none" spc="0" normalizeH="0" baseline="0">
             <a:ln>
               <a:noFill/>
             </a:ln>
@@ -9137,8 +9157,7 @@
           <a:buSzTx/>
           <a:buFontTx/>
           <a:buNone/>
-          <a:tabLst/>
-          <a:defRPr b="0" baseline="0" cap="none" i="0" spc="0" strike="noStrike" sz="1800" u="none" kumimoji="0" normalizeH="0">
+          <a:defRPr kumimoji="0" sz="1800" b="0" i="0" u="none" strike="noStrike" cap="none" spc="0" normalizeH="0" baseline="0">
             <a:ln>
               <a:noFill/>
             </a:ln>
@@ -9151,18 +9170,29 @@
         </a:lvl9pPr>
       </a:lstStyle>
       <a:style>
-        <a:lnRef idx="0"/>
-        <a:fillRef idx="0"/>
-        <a:effectRef idx="0"/>
+        <a:lnRef idx="0">
+          <a:srgbClr val="FFFFFF"/>
+        </a:lnRef>
+        <a:fillRef idx="0">
+          <a:srgbClr val="FFFFFF"/>
+        </a:fillRef>
+        <a:effectRef idx="0">
+          <a:srgbClr val="FFFFFF"/>
+        </a:effectRef>
         <a:fontRef idx="none"/>
       </a:style>
     </a:txDef>
   </a:objectDefaults>
+  <a:extLst>
+    <a:ext uri="{05A4C25C-085E-4340-85A3-A5531E510DB2}">
+      <thm15:themeFamily xmlns:thm15="http://schemas.microsoft.com/office/thememl/2012/main" name="Office Theme" id="{62F939B6-93AF-4DB8-9C6B-D6C7DFDC589F}" vid="{4A3C46E8-61CC-4603-A589-7422A47A8E4A}"/>
+    </a:ext>
+  </a:extLst>
 </a:theme>
 </file>
 
 <file path=ppt/theme/theme2.xml><?xml version="1.0" encoding="utf-8"?>
-<a:theme xmlns:a="http://schemas.openxmlformats.org/drawingml/2006/main" xmlns:r="http://schemas.openxmlformats.org/officeDocument/2006/relationships" name="White">
+<a:theme xmlns:a="http://schemas.openxmlformats.org/drawingml/2006/main" name="White">
   <a:themeElements>
     <a:clrScheme name="White">
       <a:dk1>
@@ -9358,8 +9388,6 @@
           <a:noFill/>
           <a:miter lim="400000"/>
         </a:ln>
-        <a:effectLst/>
-        <a:sp3d/>
       </a:spPr>
       <a:bodyPr rot="0" spcFirstLastPara="1" vertOverflow="overflow" horzOverflow="overflow" vert="horz" wrap="square" lIns="0" tIns="0" rIns="0" bIns="0" numCol="1" spcCol="38100" rtlCol="0" anchor="ctr" upright="0">
         <a:spAutoFit/>
@@ -9379,8 +9407,7 @@
           <a:buSzTx/>
           <a:buFontTx/>
           <a:buNone/>
-          <a:tabLst/>
-          <a:defRPr b="0" baseline="0" cap="none" i="0" spc="0" strike="noStrike" sz="3200" u="none" kumimoji="0" normalizeH="0">
+          <a:defRPr kumimoji="0" sz="3200" b="0" i="0" u="none" strike="noStrike" cap="none" spc="0" normalizeH="0" baseline="0">
             <a:ln>
               <a:noFill/>
             </a:ln>
@@ -9409,8 +9436,7 @@
           <a:buSzTx/>
           <a:buFontTx/>
           <a:buNone/>
-          <a:tabLst/>
-          <a:defRPr b="0" baseline="0" cap="none" i="0" spc="0" strike="noStrike" sz="1800" u="none" kumimoji="0" normalizeH="0">
+          <a:defRPr kumimoji="0" sz="1800" b="0" i="0" u="none" strike="noStrike" cap="none" spc="0" normalizeH="0" baseline="0">
             <a:ln>
               <a:noFill/>
             </a:ln>
@@ -9435,8 +9461,7 @@
           <a:buSzTx/>
           <a:buFontTx/>
           <a:buNone/>
-          <a:tabLst/>
-          <a:defRPr b="0" baseline="0" cap="none" i="0" spc="0" strike="noStrike" sz="1800" u="none" kumimoji="0" normalizeH="0">
+          <a:defRPr kumimoji="0" sz="1800" b="0" i="0" u="none" strike="noStrike" cap="none" spc="0" normalizeH="0" baseline="0">
             <a:ln>
               <a:noFill/>
             </a:ln>
@@ -9461,8 +9486,7 @@
           <a:buSzTx/>
           <a:buFontTx/>
           <a:buNone/>
-          <a:tabLst/>
-          <a:defRPr b="0" baseline="0" cap="none" i="0" spc="0" strike="noStrike" sz="1800" u="none" kumimoji="0" normalizeH="0">
+          <a:defRPr kumimoji="0" sz="1800" b="0" i="0" u="none" strike="noStrike" cap="none" spc="0" normalizeH="0" baseline="0">
             <a:ln>
               <a:noFill/>
             </a:ln>
@@ -9487,8 +9511,7 @@
           <a:buSzTx/>
           <a:buFontTx/>
           <a:buNone/>
-          <a:tabLst/>
-          <a:defRPr b="0" baseline="0" cap="none" i="0" spc="0" strike="noStrike" sz="1800" u="none" kumimoji="0" normalizeH="0">
+          <a:defRPr kumimoji="0" sz="1800" b="0" i="0" u="none" strike="noStrike" cap="none" spc="0" normalizeH="0" baseline="0">
             <a:ln>
               <a:noFill/>
             </a:ln>
@@ -9513,8 +9536,7 @@
           <a:buSzTx/>
           <a:buFontTx/>
           <a:buNone/>
-          <a:tabLst/>
-          <a:defRPr b="0" baseline="0" cap="none" i="0" spc="0" strike="noStrike" sz="1800" u="none" kumimoji="0" normalizeH="0">
+          <a:defRPr kumimoji="0" sz="1800" b="0" i="0" u="none" strike="noStrike" cap="none" spc="0" normalizeH="0" baseline="0">
             <a:ln>
               <a:noFill/>
             </a:ln>
@@ -9539,8 +9561,7 @@
           <a:buSzTx/>
           <a:buFontTx/>
           <a:buNone/>
-          <a:tabLst/>
-          <a:defRPr b="0" baseline="0" cap="none" i="0" spc="0" strike="noStrike" sz="1800" u="none" kumimoji="0" normalizeH="0">
+          <a:defRPr kumimoji="0" sz="1800" b="0" i="0" u="none" strike="noStrike" cap="none" spc="0" normalizeH="0" baseline="0">
             <a:ln>
               <a:noFill/>
             </a:ln>
@@ -9565,8 +9586,7 @@
           <a:buSzTx/>
           <a:buFontTx/>
           <a:buNone/>
-          <a:tabLst/>
-          <a:defRPr b="0" baseline="0" cap="none" i="0" spc="0" strike="noStrike" sz="1800" u="none" kumimoji="0" normalizeH="0">
+          <a:defRPr kumimoji="0" sz="1800" b="0" i="0" u="none" strike="noStrike" cap="none" spc="0" normalizeH="0" baseline="0">
             <a:ln>
               <a:noFill/>
             </a:ln>
@@ -9591,8 +9611,7 @@
           <a:buSzTx/>
           <a:buFontTx/>
           <a:buNone/>
-          <a:tabLst/>
-          <a:defRPr b="0" baseline="0" cap="none" i="0" spc="0" strike="noStrike" sz="1800" u="none" kumimoji="0" normalizeH="0">
+          <a:defRPr kumimoji="0" sz="1800" b="0" i="0" u="none" strike="noStrike" cap="none" spc="0" normalizeH="0" baseline="0">
             <a:ln>
               <a:noFill/>
             </a:ln>
@@ -9617,8 +9636,7 @@
           <a:buSzTx/>
           <a:buFontTx/>
           <a:buNone/>
-          <a:tabLst/>
-          <a:defRPr b="0" baseline="0" cap="none" i="0" spc="0" strike="noStrike" sz="1800" u="none" kumimoji="0" normalizeH="0">
+          <a:defRPr kumimoji="0" sz="1800" b="0" i="0" u="none" strike="noStrike" cap="none" spc="0" normalizeH="0" baseline="0">
             <a:ln>
               <a:noFill/>
             </a:ln>
@@ -9631,9 +9649,15 @@
         </a:lvl9pPr>
       </a:lstStyle>
       <a:style>
-        <a:lnRef idx="0"/>
-        <a:fillRef idx="0"/>
-        <a:effectRef idx="0"/>
+        <a:lnRef idx="0">
+          <a:srgbClr val="FFFFFF"/>
+        </a:lnRef>
+        <a:fillRef idx="0">
+          <a:srgbClr val="FFFFFF"/>
+        </a:fillRef>
+        <a:effectRef idx="0">
+          <a:srgbClr val="FFFFFF"/>
+        </a:effectRef>
         <a:fontRef idx="none"/>
       </a:style>
     </a:spDef>
@@ -9647,8 +9671,6 @@
           <a:prstDash val="solid"/>
           <a:miter lim="400000"/>
         </a:ln>
-        <a:effectLst/>
-        <a:sp3d/>
       </a:spPr>
       <a:bodyPr rot="0" spcFirstLastPara="1" vertOverflow="overflow" horzOverflow="overflow" vert="horz" wrap="square" lIns="91439" tIns="45719" rIns="91439" bIns="45719" numCol="1" spcCol="38100" rtlCol="0" anchor="t" upright="0">
         <a:noAutofit/>
@@ -9668,8 +9690,7 @@
           <a:buSzTx/>
           <a:buFontTx/>
           <a:buNone/>
-          <a:tabLst/>
-          <a:defRPr b="0" baseline="0" cap="none" i="0" spc="0" strike="noStrike" sz="1800" u="none" kumimoji="0" normalizeH="0">
+          <a:defRPr kumimoji="0" sz="1800" b="0" i="0" u="none" strike="noStrike" cap="none" spc="0" normalizeH="0" baseline="0">
             <a:ln>
               <a:noFill/>
             </a:ln>
@@ -9694,8 +9715,7 @@
           <a:buSzTx/>
           <a:buFontTx/>
           <a:buNone/>
-          <a:tabLst/>
-          <a:defRPr b="0" baseline="0" cap="none" i="0" spc="0" strike="noStrike" sz="1800" u="none" kumimoji="0" normalizeH="0">
+          <a:defRPr kumimoji="0" sz="1800" b="0" i="0" u="none" strike="noStrike" cap="none" spc="0" normalizeH="0" baseline="0">
             <a:ln>
               <a:noFill/>
             </a:ln>
@@ -9720,8 +9740,7 @@
           <a:buSzTx/>
           <a:buFontTx/>
           <a:buNone/>
-          <a:tabLst/>
-          <a:defRPr b="0" baseline="0" cap="none" i="0" spc="0" strike="noStrike" sz="1800" u="none" kumimoji="0" normalizeH="0">
+          <a:defRPr kumimoji="0" sz="1800" b="0" i="0" u="none" strike="noStrike" cap="none" spc="0" normalizeH="0" baseline="0">
             <a:ln>
               <a:noFill/>
             </a:ln>
@@ -9746,8 +9765,7 @@
           <a:buSzTx/>
           <a:buFontTx/>
           <a:buNone/>
-          <a:tabLst/>
-          <a:defRPr b="0" baseline="0" cap="none" i="0" spc="0" strike="noStrike" sz="1800" u="none" kumimoji="0" normalizeH="0">
+          <a:defRPr kumimoji="0" sz="1800" b="0" i="0" u="none" strike="noStrike" cap="none" spc="0" normalizeH="0" baseline="0">
             <a:ln>
               <a:noFill/>
             </a:ln>
@@ -9772,8 +9790,7 @@
           <a:buSzTx/>
           <a:buFontTx/>
           <a:buNone/>
-          <a:tabLst/>
-          <a:defRPr b="0" baseline="0" cap="none" i="0" spc="0" strike="noStrike" sz="1800" u="none" kumimoji="0" normalizeH="0">
+          <a:defRPr kumimoji="0" sz="1800" b="0" i="0" u="none" strike="noStrike" cap="none" spc="0" normalizeH="0" baseline="0">
             <a:ln>
               <a:noFill/>
             </a:ln>
@@ -9798,8 +9815,7 @@
           <a:buSzTx/>
           <a:buFontTx/>
           <a:buNone/>
-          <a:tabLst/>
-          <a:defRPr b="0" baseline="0" cap="none" i="0" spc="0" strike="noStrike" sz="1800" u="none" kumimoji="0" normalizeH="0">
+          <a:defRPr kumimoji="0" sz="1800" b="0" i="0" u="none" strike="noStrike" cap="none" spc="0" normalizeH="0" baseline="0">
             <a:ln>
               <a:noFill/>
             </a:ln>
@@ -9824,8 +9840,7 @@
           <a:buSzTx/>
           <a:buFontTx/>
           <a:buNone/>
-          <a:tabLst/>
-          <a:defRPr b="0" baseline="0" cap="none" i="0" spc="0" strike="noStrike" sz="1800" u="none" kumimoji="0" normalizeH="0">
+          <a:defRPr kumimoji="0" sz="1800" b="0" i="0" u="none" strike="noStrike" cap="none" spc="0" normalizeH="0" baseline="0">
             <a:ln>
               <a:noFill/>
             </a:ln>
@@ -9850,8 +9865,7 @@
           <a:buSzTx/>
           <a:buFontTx/>
           <a:buNone/>
-          <a:tabLst/>
-          <a:defRPr b="0" baseline="0" cap="none" i="0" spc="0" strike="noStrike" sz="1800" u="none" kumimoji="0" normalizeH="0">
+          <a:defRPr kumimoji="0" sz="1800" b="0" i="0" u="none" strike="noStrike" cap="none" spc="0" normalizeH="0" baseline="0">
             <a:ln>
               <a:noFill/>
             </a:ln>
@@ -9876,8 +9890,7 @@
           <a:buSzTx/>
           <a:buFontTx/>
           <a:buNone/>
-          <a:tabLst/>
-          <a:defRPr b="0" baseline="0" cap="none" i="0" spc="0" strike="noStrike" sz="1800" u="none" kumimoji="0" normalizeH="0">
+          <a:defRPr kumimoji="0" sz="1800" b="0" i="0" u="none" strike="noStrike" cap="none" spc="0" normalizeH="0" baseline="0">
             <a:ln>
               <a:noFill/>
             </a:ln>
@@ -9902,8 +9915,7 @@
           <a:buSzTx/>
           <a:buFontTx/>
           <a:buNone/>
-          <a:tabLst/>
-          <a:defRPr b="0" baseline="0" cap="none" i="0" spc="0" strike="noStrike" sz="1800" u="none" kumimoji="0" normalizeH="0">
+          <a:defRPr kumimoji="0" sz="1800" b="0" i="0" u="none" strike="noStrike" cap="none" spc="0" normalizeH="0" baseline="0">
             <a:ln>
               <a:noFill/>
             </a:ln>
@@ -9916,9 +9928,15 @@
         </a:lvl9pPr>
       </a:lstStyle>
       <a:style>
-        <a:lnRef idx="0"/>
-        <a:fillRef idx="0"/>
-        <a:effectRef idx="0"/>
+        <a:lnRef idx="0">
+          <a:srgbClr val="FFFFFF"/>
+        </a:lnRef>
+        <a:fillRef idx="0">
+          <a:srgbClr val="FFFFFF"/>
+        </a:fillRef>
+        <a:effectRef idx="0">
+          <a:srgbClr val="FFFFFF"/>
+        </a:effectRef>
         <a:fontRef idx="none"/>
       </a:style>
     </a:lnDef>
@@ -9929,8 +9947,6 @@
           <a:noFill/>
           <a:miter lim="400000"/>
         </a:ln>
-        <a:effectLst/>
-        <a:sp3d/>
       </a:spPr>
       <a:bodyPr rot="0" spcFirstLastPara="1" vertOverflow="overflow" horzOverflow="overflow" vert="horz" wrap="square" lIns="50800" tIns="50800" rIns="50800" bIns="50800" numCol="1" spcCol="38100" rtlCol="0" anchor="ctr" upright="0">
         <a:spAutoFit/>
@@ -9950,8 +9966,7 @@
           <a:buSzTx/>
           <a:buFontTx/>
           <a:buNone/>
-          <a:tabLst/>
-          <a:defRPr b="1" baseline="0" cap="none" i="0" spc="0" strike="noStrike" sz="3000" u="none" kumimoji="0" normalizeH="0">
+          <a:defRPr kumimoji="0" sz="3000" b="1" i="0" u="none" strike="noStrike" cap="none" spc="0" normalizeH="0" baseline="0">
             <a:ln>
               <a:noFill/>
             </a:ln>
@@ -9980,8 +9995,7 @@
           <a:buSzTx/>
           <a:buFontTx/>
           <a:buNone/>
-          <a:tabLst/>
-          <a:defRPr b="0" baseline="0" cap="none" i="0" spc="0" strike="noStrike" sz="1800" u="none" kumimoji="0" normalizeH="0">
+          <a:defRPr kumimoji="0" sz="1800" b="0" i="0" u="none" strike="noStrike" cap="none" spc="0" normalizeH="0" baseline="0">
             <a:ln>
               <a:noFill/>
             </a:ln>
@@ -10006,8 +10020,7 @@
           <a:buSzTx/>
           <a:buFontTx/>
           <a:buNone/>
-          <a:tabLst/>
-          <a:defRPr b="0" baseline="0" cap="none" i="0" spc="0" strike="noStrike" sz="1800" u="none" kumimoji="0" normalizeH="0">
+          <a:defRPr kumimoji="0" sz="1800" b="0" i="0" u="none" strike="noStrike" cap="none" spc="0" normalizeH="0" baseline="0">
             <a:ln>
               <a:noFill/>
             </a:ln>
@@ -10032,8 +10045,7 @@
           <a:buSzTx/>
           <a:buFontTx/>
           <a:buNone/>
-          <a:tabLst/>
-          <a:defRPr b="0" baseline="0" cap="none" i="0" spc="0" strike="noStrike" sz="1800" u="none" kumimoji="0" normalizeH="0">
+          <a:defRPr kumimoji="0" sz="1800" b="0" i="0" u="none" strike="noStrike" cap="none" spc="0" normalizeH="0" baseline="0">
             <a:ln>
               <a:noFill/>
             </a:ln>
@@ -10058,8 +10070,7 @@
           <a:buSzTx/>
           <a:buFontTx/>
           <a:buNone/>
-          <a:tabLst/>
-          <a:defRPr b="0" baseline="0" cap="none" i="0" spc="0" strike="noStrike" sz="1800" u="none" kumimoji="0" normalizeH="0">
+          <a:defRPr kumimoji="0" sz="1800" b="0" i="0" u="none" strike="noStrike" cap="none" spc="0" normalizeH="0" baseline="0">
             <a:ln>
               <a:noFill/>
             </a:ln>
@@ -10084,8 +10095,7 @@
           <a:buSzTx/>
           <a:buFontTx/>
           <a:buNone/>
-          <a:tabLst/>
-          <a:defRPr b="0" baseline="0" cap="none" i="0" spc="0" strike="noStrike" sz="1800" u="none" kumimoji="0" normalizeH="0">
+          <a:defRPr kumimoji="0" sz="1800" b="0" i="0" u="none" strike="noStrike" cap="none" spc="0" normalizeH="0" baseline="0">
             <a:ln>
               <a:noFill/>
             </a:ln>
@@ -10110,8 +10120,7 @@
           <a:buSzTx/>
           <a:buFontTx/>
           <a:buNone/>
-          <a:tabLst/>
-          <a:defRPr b="0" baseline="0" cap="none" i="0" spc="0" strike="noStrike" sz="1800" u="none" kumimoji="0" normalizeH="0">
+          <a:defRPr kumimoji="0" sz="1800" b="0" i="0" u="none" strike="noStrike" cap="none" spc="0" normalizeH="0" baseline="0">
             <a:ln>
               <a:noFill/>
             </a:ln>
@@ -10136,8 +10145,7 @@
           <a:buSzTx/>
           <a:buFontTx/>
           <a:buNone/>
-          <a:tabLst/>
-          <a:defRPr b="0" baseline="0" cap="none" i="0" spc="0" strike="noStrike" sz="1800" u="none" kumimoji="0" normalizeH="0">
+          <a:defRPr kumimoji="0" sz="1800" b="0" i="0" u="none" strike="noStrike" cap="none" spc="0" normalizeH="0" baseline="0">
             <a:ln>
               <a:noFill/>
             </a:ln>
@@ -10162,8 +10170,7 @@
           <a:buSzTx/>
           <a:buFontTx/>
           <a:buNone/>
-          <a:tabLst/>
-          <a:defRPr b="0" baseline="0" cap="none" i="0" spc="0" strike="noStrike" sz="1800" u="none" kumimoji="0" normalizeH="0">
+          <a:defRPr kumimoji="0" sz="1800" b="0" i="0" u="none" strike="noStrike" cap="none" spc="0" normalizeH="0" baseline="0">
             <a:ln>
               <a:noFill/>
             </a:ln>
@@ -10188,8 +10195,7 @@
           <a:buSzTx/>
           <a:buFontTx/>
           <a:buNone/>
-          <a:tabLst/>
-          <a:defRPr b="0" baseline="0" cap="none" i="0" spc="0" strike="noStrike" sz="1800" u="none" kumimoji="0" normalizeH="0">
+          <a:defRPr kumimoji="0" sz="1800" b="0" i="0" u="none" strike="noStrike" cap="none" spc="0" normalizeH="0" baseline="0">
             <a:ln>
               <a:noFill/>
             </a:ln>
@@ -10202,12 +10208,23 @@
         </a:lvl9pPr>
       </a:lstStyle>
       <a:style>
-        <a:lnRef idx="0"/>
-        <a:fillRef idx="0"/>
-        <a:effectRef idx="0"/>
+        <a:lnRef idx="0">
+          <a:srgbClr val="FFFFFF"/>
+        </a:lnRef>
+        <a:fillRef idx="0">
+          <a:srgbClr val="FFFFFF"/>
+        </a:fillRef>
+        <a:effectRef idx="0">
+          <a:srgbClr val="FFFFFF"/>
+        </a:effectRef>
         <a:fontRef idx="none"/>
       </a:style>
     </a:txDef>
   </a:objectDefaults>
+  <a:extLst>
+    <a:ext uri="{05A4C25C-085E-4340-85A3-A5531E510DB2}">
+      <thm15:themeFamily xmlns:thm15="http://schemas.microsoft.com/office/thememl/2012/main" name="Office Theme" id="{62F939B6-93AF-4DB8-9C6B-D6C7DFDC589F}" vid="{4A3C46E8-61CC-4603-A589-7422A47A8E4A}"/>
+    </a:ext>
+  </a:extLst>
 </a:theme>
 </file>
--- a/vue组件.pptx
+++ b/vue组件.pptx
@@ -41,6 +41,16 @@
     <p:sldId id="286" r:id="rId34"/>
     <p:sldId id="287" r:id="rId35"/>
     <p:sldId id="288" r:id="rId36"/>
+    <p:sldId id="289" r:id="rId37"/>
+    <p:sldId id="290" r:id="rId38"/>
+    <p:sldId id="291" r:id="rId39"/>
+    <p:sldId id="292" r:id="rId40"/>
+    <p:sldId id="293" r:id="rId41"/>
+    <p:sldId id="295" r:id="rId42"/>
+    <p:sldId id="296" r:id="rId43"/>
+    <p:sldId id="297" r:id="rId44"/>
+    <p:sldId id="298" r:id="rId45"/>
+    <p:sldId id="299" r:id="rId46"/>
   </p:sldIdLst>
   <p:sldSz cx="24384000" cy="13716000"/>
   <p:notesSz cx="6858000" cy="9144000"/>
@@ -558,6 +568,900 @@
 </p:notes>
 </file>
 
+<file path=ppt/notesSlides/notesSlide10.xml><?xml version="1.0" encoding="utf-8"?>
+<p:notes xmlns:a="http://schemas.openxmlformats.org/drawingml/2006/main" xmlns:r="http://schemas.openxmlformats.org/officeDocument/2006/relationships" xmlns:p="http://schemas.openxmlformats.org/presentationml/2006/main">
+  <p:cSld>
+    <p:spTree>
+      <p:nvGrpSpPr>
+        <p:cNvPr id="1" name=""/>
+        <p:cNvGrpSpPr/>
+        <p:nvPr/>
+      </p:nvGrpSpPr>
+      <p:grpSpPr/>
+      <p:sp>
+        <p:nvSpPr>
+          <p:cNvPr id="2" name="幻灯片图像占位符 1"/>
+          <p:cNvSpPr/>
+          <p:nvPr>
+            <p:ph type="sldImg"/>
+          </p:nvPr>
+        </p:nvSpPr>
+        <p:spPr/>
+      </p:sp>
+      <p:sp>
+        <p:nvSpPr>
+          <p:cNvPr id="3" name="文本占位符 2"/>
+          <p:cNvSpPr/>
+          <p:nvPr>
+            <p:ph type="body" idx="1"/>
+          </p:nvPr>
+        </p:nvSpPr>
+        <p:spPr/>
+        <p:txBody>
+          <a:bodyPr/>
+          <a:p>
+            <a:r>
+              <a:rPr lang="en-US" altLang="zh-CN"/>
+              <a:t>1.</a:t>
+            </a:r>
+            <a:r>
+              <a:rPr lang="zh-CN" altLang="en-US"/>
+              <a:t>本身的单项数据流</a:t>
+            </a:r>
+            <a:endParaRPr lang="zh-CN" altLang="en-US"/>
+          </a:p>
+          <a:p>
+            <a:r>
+              <a:rPr lang="en-US" altLang="zh-CN"/>
+              <a:t>2.</a:t>
+            </a:r>
+            <a:r>
+              <a:rPr lang="zh-CN" altLang="en-US"/>
+              <a:t>兄弟组件的通信</a:t>
+            </a:r>
+            <a:endParaRPr lang="zh-CN" altLang="en-US"/>
+          </a:p>
+          <a:p>
+            <a:endParaRPr lang="zh-CN" altLang="en-US"/>
+          </a:p>
+          <a:p>
+            <a:endParaRPr lang="zh-CN" altLang="en-US"/>
+          </a:p>
+          <a:p>
+            <a:r>
+              <a:rPr lang="zh-CN" altLang="en-US"/>
+              <a:t>二、</a:t>
+            </a:r>
+            <a:endParaRPr lang="zh-CN" altLang="en-US"/>
+          </a:p>
+          <a:p>
+            <a:r>
+              <a:rPr lang="en-US" altLang="zh-CN"/>
+              <a:t>state</a:t>
+            </a:r>
+            <a:r>
+              <a:rPr lang="zh-CN" altLang="en-US"/>
+              <a:t>就是整个项目的一个状态</a:t>
+            </a:r>
+            <a:endParaRPr lang="zh-CN" altLang="en-US"/>
+          </a:p>
+          <a:p>
+            <a:r>
+              <a:rPr lang="zh-CN" altLang="en-US"/>
+              <a:t>模块的时候</a:t>
+            </a:r>
+            <a:r>
+              <a:rPr lang="en-US" altLang="zh-CN"/>
+              <a:t>this.$store.state.appName</a:t>
+            </a:r>
+            <a:endParaRPr lang="en-US" altLang="zh-CN"/>
+          </a:p>
+          <a:p>
+            <a:r>
+              <a:rPr lang="zh-CN" altLang="en-US"/>
+              <a:t>在模块中使用</a:t>
+            </a:r>
+            <a:r>
+              <a:rPr lang="en-US" altLang="zh-CN"/>
+              <a:t>namespaced:true </a:t>
+            </a:r>
+            <a:r>
+              <a:rPr lang="zh-CN" altLang="en-US"/>
+              <a:t>命名空间，使项目更加密闭</a:t>
+            </a:r>
+            <a:endParaRPr lang="zh-CN" altLang="en-US"/>
+          </a:p>
+          <a:p>
+            <a:r>
+              <a:rPr lang="en-US" altLang="zh-CN"/>
+              <a:t>createNamespaceHelpers </a:t>
+            </a:r>
+            <a:r>
+              <a:rPr lang="zh-CN" altLang="en-US"/>
+              <a:t>在组件中引入命名空间</a:t>
+            </a:r>
+            <a:endParaRPr lang="zh-CN" altLang="en-US"/>
+          </a:p>
+          <a:p>
+            <a:r>
+              <a:rPr lang="en-US" altLang="zh-CN"/>
+              <a:t>store.vue</a:t>
+            </a:r>
+            <a:r>
+              <a:rPr lang="zh-CN" altLang="en-US"/>
+              <a:t>是所有</a:t>
+            </a:r>
+            <a:r>
+              <a:rPr lang="en-US" altLang="zh-CN"/>
+              <a:t>vuex</a:t>
+            </a:r>
+            <a:r>
+              <a:rPr lang="zh-CN" altLang="en-US"/>
+              <a:t>组件使用的</a:t>
+            </a:r>
+            <a:r>
+              <a:rPr lang="en-US" altLang="zh-CN"/>
+              <a:t>demo</a:t>
+            </a:r>
+            <a:endParaRPr lang="en-US" altLang="zh-CN"/>
+          </a:p>
+          <a:p>
+            <a:r>
+              <a:rPr lang="en-US" altLang="zh-CN"/>
+              <a:t>getters </a:t>
+            </a:r>
+            <a:r>
+              <a:rPr lang="zh-CN" altLang="en-US"/>
+              <a:t>类似</a:t>
+            </a:r>
+            <a:r>
+              <a:rPr lang="en-US" altLang="zh-CN"/>
+              <a:t>vuex</a:t>
+            </a:r>
+            <a:r>
+              <a:rPr lang="zh-CN" altLang="en-US"/>
+              <a:t>中的</a:t>
+            </a:r>
+            <a:r>
+              <a:rPr lang="en-US" altLang="zh-CN"/>
+              <a:t>computed </a:t>
+            </a:r>
+            <a:r>
+              <a:rPr lang="zh-CN" altLang="en-US"/>
+              <a:t>命名空间没有打开的话可以不用写</a:t>
+            </a:r>
+            <a:r>
+              <a:rPr lang="en-US" altLang="zh-CN"/>
+              <a:t>user</a:t>
+            </a:r>
+            <a:r>
+              <a:rPr lang="zh-CN" altLang="en-US"/>
+              <a:t>这个模块</a:t>
+            </a:r>
+            <a:endParaRPr lang="zh-CN" altLang="en-US"/>
+          </a:p>
+          <a:p>
+            <a:endParaRPr lang="zh-CN" altLang="en-US"/>
+          </a:p>
+          <a:p>
+            <a:r>
+              <a:rPr lang="zh-CN" altLang="en-US"/>
+              <a:t>三、</a:t>
+            </a:r>
+            <a:endParaRPr lang="zh-CN" altLang="en-US"/>
+          </a:p>
+          <a:p>
+            <a:r>
+              <a:rPr lang="zh-CN" altLang="en-US"/>
+              <a:t>注意事件的命名方式</a:t>
+            </a:r>
+            <a:endParaRPr lang="zh-CN" altLang="en-US"/>
+          </a:p>
+          <a:p>
+            <a:r>
+              <a:rPr lang="en-US" altLang="zh-CN"/>
+              <a:t>computed</a:t>
+            </a:r>
+            <a:r>
+              <a:rPr lang="zh-CN" altLang="en-US"/>
+              <a:t>的</a:t>
+            </a:r>
+            <a:r>
+              <a:rPr lang="en-US" altLang="zh-CN"/>
+              <a:t>set</a:t>
+            </a:r>
+            <a:r>
+              <a:rPr lang="zh-CN" altLang="en-US"/>
+              <a:t>和</a:t>
+            </a:r>
+            <a:r>
+              <a:rPr lang="en-US" altLang="zh-CN"/>
+              <a:t>get</a:t>
+            </a:r>
+            <a:r>
+              <a:rPr lang="zh-CN" altLang="en-US"/>
+              <a:t>方法</a:t>
+            </a:r>
+            <a:endParaRPr lang="zh-CN" altLang="en-US"/>
+          </a:p>
+          <a:p>
+            <a:r>
+              <a:rPr lang="zh-CN" altLang="en-US"/>
+              <a:t>注意</a:t>
+            </a:r>
+            <a:r>
+              <a:rPr lang="en-US" altLang="zh-CN"/>
+              <a:t>mutation</a:t>
+            </a:r>
+            <a:r>
+              <a:rPr lang="zh-CN" altLang="en-US"/>
+              <a:t>中的写法，谁是</a:t>
+            </a:r>
+            <a:r>
+              <a:rPr lang="en-US" altLang="zh-CN"/>
+              <a:t>commit</a:t>
+            </a:r>
+            <a:r>
+              <a:rPr lang="zh-CN" altLang="en-US"/>
+              <a:t>的通行证（大写的内容）</a:t>
+            </a:r>
+            <a:endParaRPr lang="zh-CN" altLang="en-US"/>
+          </a:p>
+          <a:p>
+            <a:r>
+              <a:rPr lang="en-US" altLang="zh-CN"/>
+              <a:t>store.vue</a:t>
+            </a:r>
+            <a:r>
+              <a:rPr lang="zh-CN" altLang="en-US"/>
+              <a:t>的文件夹下</a:t>
+            </a:r>
+            <a:endParaRPr lang="zh-CN" altLang="en-US"/>
+          </a:p>
+          <a:p>
+            <a:r>
+              <a:rPr lang="en-US" altLang="zh-CN"/>
+              <a:t>mutation</a:t>
+            </a:r>
+            <a:r>
+              <a:rPr lang="zh-CN" altLang="en-US"/>
+              <a:t>中的坑：如果没有在</a:t>
+            </a:r>
+            <a:r>
+              <a:rPr lang="en-US" altLang="zh-CN"/>
+              <a:t>state</a:t>
+            </a:r>
+            <a:r>
+              <a:rPr lang="zh-CN" altLang="en-US"/>
+              <a:t>中写对应的要</a:t>
+            </a:r>
+            <a:r>
+              <a:rPr lang="en-US" altLang="zh-CN"/>
+              <a:t>mutations</a:t>
+            </a:r>
+            <a:r>
+              <a:rPr lang="zh-CN" altLang="en-US"/>
+              <a:t>修改的值，就在</a:t>
+            </a:r>
+            <a:r>
+              <a:rPr lang="en-US" altLang="zh-CN"/>
+              <a:t>mutation</a:t>
+            </a:r>
+            <a:r>
+              <a:rPr lang="zh-CN" altLang="en-US"/>
+              <a:t>中写</a:t>
+            </a:r>
+            <a:r>
+              <a:rPr lang="en-US" altLang="zh-CN"/>
+              <a:t>vue.set(state,'appVersion','v2.0')</a:t>
+            </a:r>
+            <a:endParaRPr lang="en-US" altLang="zh-CN"/>
+          </a:p>
+          <a:p>
+            <a:r>
+              <a:rPr lang="en-US" altLang="zh-CN"/>
+              <a:t>actions</a:t>
+            </a:r>
+            <a:endParaRPr lang="en-US" altLang="zh-CN"/>
+          </a:p>
+        </p:txBody>
+      </p:sp>
+    </p:spTree>
+  </p:cSld>
+  <p:clrMapOvr>
+    <a:masterClrMapping/>
+  </p:clrMapOvr>
+</p:notes>
+</file>
+
+<file path=ppt/notesSlides/notesSlide11.xml><?xml version="1.0" encoding="utf-8"?>
+<p:notes xmlns:a="http://schemas.openxmlformats.org/drawingml/2006/main" xmlns:r="http://schemas.openxmlformats.org/officeDocument/2006/relationships" xmlns:p="http://schemas.openxmlformats.org/presentationml/2006/main">
+  <p:cSld>
+    <p:spTree>
+      <p:nvGrpSpPr>
+        <p:cNvPr id="1" name=""/>
+        <p:cNvGrpSpPr/>
+        <p:nvPr/>
+      </p:nvGrpSpPr>
+      <p:grpSpPr/>
+      <p:sp>
+        <p:nvSpPr>
+          <p:cNvPr id="2" name="幻灯片图像占位符 1"/>
+          <p:cNvSpPr/>
+          <p:nvPr>
+            <p:ph type="sldImg"/>
+          </p:nvPr>
+        </p:nvSpPr>
+        <p:spPr/>
+      </p:sp>
+      <p:sp>
+        <p:nvSpPr>
+          <p:cNvPr id="3" name="文本占位符 2"/>
+          <p:cNvSpPr/>
+          <p:nvPr>
+            <p:ph type="body" idx="1"/>
+          </p:nvPr>
+        </p:nvSpPr>
+        <p:spPr/>
+        <p:txBody>
+          <a:bodyPr/>
+          <a:p>
+            <a:r>
+              <a:rPr lang="en-US" altLang="zh-CN"/>
+              <a:t>actions</a:t>
+            </a:r>
+            <a:r>
+              <a:rPr lang="zh-CN" altLang="en-US"/>
+              <a:t>触发</a:t>
+            </a:r>
+            <a:r>
+              <a:rPr lang="en-US" altLang="zh-CN"/>
+              <a:t>mutation</a:t>
+            </a:r>
+            <a:r>
+              <a:rPr lang="zh-CN" altLang="en-US"/>
+              <a:t>中的</a:t>
+            </a:r>
+            <a:r>
+              <a:rPr lang="en-US" altLang="zh-CN"/>
+              <a:t>commit</a:t>
+            </a:r>
+            <a:r>
+              <a:rPr lang="zh-CN" altLang="en-US"/>
+              <a:t>的变化</a:t>
+            </a:r>
+            <a:endParaRPr lang="zh-CN" altLang="en-US"/>
+          </a:p>
+          <a:p>
+            <a:r>
+              <a:rPr lang="en-US" altLang="zh-CN"/>
+              <a:t>strict</a:t>
+            </a:r>
+            <a:r>
+              <a:rPr lang="zh-CN" altLang="en-US"/>
+              <a:t>：</a:t>
+            </a:r>
+            <a:r>
+              <a:rPr lang="en-US" altLang="zh-CN"/>
+              <a:t>true</a:t>
+            </a:r>
+            <a:r>
+              <a:rPr lang="zh-CN" altLang="en-US"/>
+              <a:t>解决赋值必须用</a:t>
+            </a:r>
+            <a:r>
+              <a:rPr lang="en-US" altLang="zh-CN"/>
+              <a:t>commit</a:t>
+            </a:r>
+            <a:endParaRPr lang="en-US" altLang="zh-CN"/>
+          </a:p>
+          <a:p>
+            <a:r>
+              <a:rPr lang="en-US" altLang="zh-CN"/>
+              <a:t>vuex</a:t>
+            </a:r>
+            <a:r>
+              <a:rPr lang="zh-CN" altLang="en-US"/>
+              <a:t>的值双向绑定怎么办 </a:t>
+            </a:r>
+            <a:r>
+              <a:rPr lang="en-US" altLang="zh-CN"/>
+              <a:t>vuex+</a:t>
+            </a:r>
+            <a:r>
+              <a:rPr lang="zh-CN" altLang="en-US"/>
+              <a:t>双向绑定</a:t>
+            </a:r>
+            <a:endParaRPr lang="zh-CN" altLang="en-US"/>
+          </a:p>
+        </p:txBody>
+      </p:sp>
+    </p:spTree>
+  </p:cSld>
+  <p:clrMapOvr>
+    <a:masterClrMapping/>
+  </p:clrMapOvr>
+</p:notes>
+</file>
+
+<file path=ppt/notesSlides/notesSlide12.xml><?xml version="1.0" encoding="utf-8"?>
+<p:notes xmlns:a="http://schemas.openxmlformats.org/drawingml/2006/main" xmlns:r="http://schemas.openxmlformats.org/officeDocument/2006/relationships" xmlns:p="http://schemas.openxmlformats.org/presentationml/2006/main">
+  <p:cSld>
+    <p:spTree>
+      <p:nvGrpSpPr>
+        <p:cNvPr id="1" name=""/>
+        <p:cNvGrpSpPr/>
+        <p:nvPr/>
+      </p:nvGrpSpPr>
+      <p:grpSpPr/>
+      <p:sp>
+        <p:nvSpPr>
+          <p:cNvPr id="2" name="幻灯片图像占位符 1"/>
+          <p:cNvSpPr/>
+          <p:nvPr>
+            <p:ph type="sldImg"/>
+          </p:nvPr>
+        </p:nvSpPr>
+        <p:spPr/>
+      </p:sp>
+      <p:sp>
+        <p:nvSpPr>
+          <p:cNvPr id="3" name="文本占位符 2"/>
+          <p:cNvSpPr/>
+          <p:nvPr>
+            <p:ph type="body" idx="1"/>
+          </p:nvPr>
+        </p:nvSpPr>
+        <p:spPr/>
+        <p:txBody>
+          <a:bodyPr/>
+          <a:p>
+            <a:r>
+              <a:rPr lang="en-US" altLang="zh-CN"/>
+              <a:t>JS</a:t>
+            </a:r>
+            <a:r>
+              <a:rPr lang="zh-CN" altLang="en-US"/>
+              <a:t>库封装成组件</a:t>
+            </a:r>
+            <a:endParaRPr lang="zh-CN" altLang="en-US"/>
+          </a:p>
+          <a:p>
+            <a:r>
+              <a:rPr lang="en-US" altLang="zh-CN"/>
+              <a:t>npm</a:t>
+            </a:r>
+            <a:r>
+              <a:rPr lang="zh-CN" altLang="en-US"/>
+              <a:t>安装之后，引入再一步步的使用，</a:t>
+            </a:r>
+            <a:endParaRPr lang="zh-CN" altLang="en-US"/>
+          </a:p>
+          <a:p>
+            <a:r>
+              <a:rPr lang="zh-CN" altLang="en-US"/>
+              <a:t>重点是怎么在</a:t>
+            </a:r>
+            <a:r>
+              <a:rPr lang="en-US" altLang="zh-CN"/>
+              <a:t>dom</a:t>
+            </a:r>
+            <a:r>
+              <a:rPr lang="zh-CN" altLang="en-US"/>
+              <a:t>渲染之后做一些操作</a:t>
+            </a:r>
+            <a:endParaRPr lang="zh-CN" altLang="en-US"/>
+          </a:p>
+          <a:p>
+            <a:endParaRPr lang="zh-CN" altLang="en-US"/>
+          </a:p>
+          <a:p>
+            <a:endParaRPr lang="zh-CN" altLang="en-US"/>
+          </a:p>
+          <a:p>
+            <a:r>
+              <a:rPr lang="zh-CN" altLang="en-US"/>
+              <a:t>先去添加一个</a:t>
+            </a:r>
+            <a:r>
+              <a:rPr lang="en-US" altLang="zh-CN"/>
+              <a:t>.vue</a:t>
+            </a:r>
+            <a:r>
+              <a:rPr lang="zh-CN" altLang="en-US"/>
+              <a:t>文件</a:t>
+            </a:r>
+            <a:endParaRPr lang="zh-CN" altLang="en-US"/>
+          </a:p>
+          <a:p>
+            <a:r>
+              <a:rPr lang="en-US" altLang="zh-CN"/>
+              <a:t>.sync()</a:t>
+            </a:r>
+            <a:r>
+              <a:rPr lang="zh-CN" altLang="en-US"/>
+              <a:t>类似于</a:t>
+            </a:r>
+            <a:r>
+              <a:rPr lang="en-US" altLang="zh-CN"/>
+              <a:t>v-model</a:t>
+            </a:r>
+            <a:endParaRPr lang="en-US" altLang="zh-CN"/>
+          </a:p>
+        </p:txBody>
+      </p:sp>
+    </p:spTree>
+  </p:cSld>
+  <p:clrMapOvr>
+    <a:masterClrMapping/>
+  </p:clrMapOvr>
+</p:notes>
+</file>
+
+<file path=ppt/notesSlides/notesSlide13.xml><?xml version="1.0" encoding="utf-8"?>
+<p:notes xmlns:a="http://schemas.openxmlformats.org/drawingml/2006/main" xmlns:r="http://schemas.openxmlformats.org/officeDocument/2006/relationships" xmlns:p="http://schemas.openxmlformats.org/presentationml/2006/main">
+  <p:cSld>
+    <p:spTree>
+      <p:nvGrpSpPr>
+        <p:cNvPr id="1" name=""/>
+        <p:cNvGrpSpPr/>
+        <p:nvPr/>
+      </p:nvGrpSpPr>
+      <p:grpSpPr/>
+      <p:sp>
+        <p:nvSpPr>
+          <p:cNvPr id="2" name="幻灯片图像占位符 1"/>
+          <p:cNvSpPr/>
+          <p:nvPr>
+            <p:ph type="sldImg"/>
+          </p:nvPr>
+        </p:nvSpPr>
+        <p:spPr/>
+      </p:sp>
+      <p:sp>
+        <p:nvSpPr>
+          <p:cNvPr id="3" name="文本占位符 2"/>
+          <p:cNvSpPr/>
+          <p:nvPr>
+            <p:ph type="body" idx="1"/>
+          </p:nvPr>
+        </p:nvSpPr>
+        <p:spPr/>
+        <p:txBody>
+          <a:bodyPr/>
+          <a:p>
+            <a:r>
+              <a:rPr lang="en-US" altLang="zh-CN"/>
+              <a:t>render</a:t>
+            </a:r>
+            <a:r>
+              <a:rPr lang="zh-CN" altLang="en-US"/>
+              <a:t>函数中（他那几个函数中的参数指的是什么）</a:t>
+            </a:r>
+            <a:endParaRPr lang="zh-CN" altLang="en-US"/>
+          </a:p>
+          <a:p>
+            <a:r>
+              <a:rPr lang="zh-CN" altLang="en-US"/>
+              <a:t>自定义事件</a:t>
+            </a:r>
+            <a:endParaRPr lang="zh-CN" altLang="en-US"/>
+          </a:p>
+          <a:p>
+            <a:r>
+              <a:rPr lang="zh-CN" altLang="en-US"/>
+              <a:t>原生事件</a:t>
+            </a:r>
+            <a:endParaRPr lang="zh-CN" altLang="en-US"/>
+          </a:p>
+          <a:p>
+            <a:r>
+              <a:rPr lang="zh-CN" altLang="en-US"/>
+              <a:t>看文档：</a:t>
+            </a:r>
+            <a:r>
+              <a:rPr lang="en-US" altLang="zh-CN"/>
+              <a:t>template</a:t>
+            </a:r>
+            <a:r>
+              <a:rPr lang="zh-CN" altLang="en-US"/>
+              <a:t>中的内容在</a:t>
+            </a:r>
+            <a:r>
+              <a:rPr lang="en-US" altLang="zh-CN"/>
+              <a:t>render</a:t>
+            </a:r>
+            <a:r>
+              <a:rPr lang="zh-CN" altLang="en-US"/>
+              <a:t>中是怎样实现</a:t>
+            </a:r>
+            <a:endParaRPr lang="zh-CN" altLang="en-US"/>
+          </a:p>
+        </p:txBody>
+      </p:sp>
+    </p:spTree>
+  </p:cSld>
+  <p:clrMapOvr>
+    <a:masterClrMapping/>
+  </p:clrMapOvr>
+</p:notes>
+</file>
+
+<file path=ppt/notesSlides/notesSlide14.xml><?xml version="1.0" encoding="utf-8"?>
+<p:notes xmlns:a="http://schemas.openxmlformats.org/drawingml/2006/main" xmlns:r="http://schemas.openxmlformats.org/officeDocument/2006/relationships" xmlns:p="http://schemas.openxmlformats.org/presentationml/2006/main">
+  <p:cSld>
+    <p:spTree>
+      <p:nvGrpSpPr>
+        <p:cNvPr id="1" name=""/>
+        <p:cNvGrpSpPr/>
+        <p:nvPr/>
+      </p:nvGrpSpPr>
+      <p:grpSpPr/>
+      <p:sp>
+        <p:nvSpPr>
+          <p:cNvPr id="2" name="幻灯片图像占位符 1"/>
+          <p:cNvSpPr/>
+          <p:nvPr>
+            <p:ph type="sldImg"/>
+          </p:nvPr>
+        </p:nvSpPr>
+        <p:spPr/>
+      </p:sp>
+      <p:sp>
+        <p:nvSpPr>
+          <p:cNvPr id="3" name="文本占位符 2"/>
+          <p:cNvSpPr/>
+          <p:nvPr>
+            <p:ph type="body" idx="1"/>
+          </p:nvPr>
+        </p:nvSpPr>
+        <p:spPr/>
+        <p:txBody>
+          <a:bodyPr/>
+          <a:p>
+            <a:r>
+              <a:rPr lang="zh-CN" altLang="en-US"/>
+              <a:t>通过数据来遍历生成的</a:t>
+            </a:r>
+            <a:endParaRPr lang="zh-CN" altLang="en-US"/>
+          </a:p>
+          <a:p>
+            <a:r>
+              <a:rPr lang="zh-CN" altLang="en-US"/>
+              <a:t>根据层级一级级的生成</a:t>
+            </a:r>
+            <a:endParaRPr lang="zh-CN" altLang="en-US"/>
+          </a:p>
+          <a:p>
+            <a:r>
+              <a:rPr lang="zh-CN" altLang="en-US"/>
+              <a:t>核心要点：</a:t>
+            </a:r>
+            <a:endParaRPr lang="zh-CN" altLang="en-US"/>
+          </a:p>
+          <a:p>
+            <a:r>
+              <a:rPr lang="zh-CN" altLang="en-US"/>
+              <a:t>要有结束的条件</a:t>
+            </a:r>
+            <a:endParaRPr lang="zh-CN" altLang="en-US"/>
+          </a:p>
+          <a:p>
+            <a:r>
+              <a:rPr lang="zh-CN" altLang="en-US"/>
+              <a:t>要有name值才可以引用自身的组件</a:t>
+            </a:r>
+            <a:endParaRPr lang="zh-CN" altLang="en-US"/>
+          </a:p>
+        </p:txBody>
+      </p:sp>
+    </p:spTree>
+  </p:cSld>
+  <p:clrMapOvr>
+    <a:masterClrMapping/>
+  </p:clrMapOvr>
+</p:notes>
+</file>
+
+<file path=ppt/notesSlides/notesSlide15.xml><?xml version="1.0" encoding="utf-8"?>
+<p:notes xmlns:a="http://schemas.openxmlformats.org/drawingml/2006/main" xmlns:r="http://schemas.openxmlformats.org/officeDocument/2006/relationships" xmlns:p="http://schemas.openxmlformats.org/presentationml/2006/main">
+  <p:cSld>
+    <p:spTree>
+      <p:nvGrpSpPr>
+        <p:cNvPr id="1" name=""/>
+        <p:cNvGrpSpPr/>
+        <p:nvPr/>
+      </p:nvGrpSpPr>
+      <p:grpSpPr/>
+      <p:sp>
+        <p:nvSpPr>
+          <p:cNvPr id="2" name="幻灯片图像占位符 1"/>
+          <p:cNvSpPr/>
+          <p:nvPr>
+            <p:ph type="sldImg"/>
+          </p:nvPr>
+        </p:nvSpPr>
+        <p:spPr/>
+      </p:sp>
+      <p:sp>
+        <p:nvSpPr>
+          <p:cNvPr id="3" name="文本占位符 2"/>
+          <p:cNvSpPr/>
+          <p:nvPr>
+            <p:ph type="body" idx="1"/>
+          </p:nvPr>
+        </p:nvSpPr>
+        <p:spPr/>
+        <p:txBody>
+          <a:bodyPr/>
+          <a:p>
+            <a:r>
+              <a:rPr lang="zh-CN" altLang="en-US"/>
+              <a:t>跨站脚本攻击（不允许前端去操作</a:t>
+            </a:r>
+            <a:r>
+              <a:rPr lang="en-US" altLang="zh-CN"/>
+              <a:t>cookie</a:t>
+            </a:r>
+            <a:r>
+              <a:rPr lang="zh-CN" altLang="en-US"/>
+              <a:t>）</a:t>
+            </a:r>
+            <a:endParaRPr lang="zh-CN" altLang="en-US"/>
+          </a:p>
+          <a:p>
+            <a:r>
+              <a:rPr lang="zh-CN" altLang="en-US"/>
+              <a:t>后端设置</a:t>
+            </a:r>
+            <a:r>
+              <a:rPr lang="en-US" altLang="zh-CN"/>
+              <a:t>httpOnly</a:t>
+            </a:r>
+            <a:r>
+              <a:rPr lang="zh-CN" altLang="en-US"/>
+              <a:t>为</a:t>
+            </a:r>
+            <a:r>
+              <a:rPr lang="en-US" altLang="zh-CN"/>
+              <a:t>true</a:t>
+            </a:r>
+            <a:endParaRPr lang="en-US" altLang="zh-CN"/>
+          </a:p>
+        </p:txBody>
+      </p:sp>
+    </p:spTree>
+  </p:cSld>
+  <p:clrMapOvr>
+    <a:masterClrMapping/>
+  </p:clrMapOvr>
+</p:notes>
+</file>
+
+<file path=ppt/notesSlides/notesSlide16.xml><?xml version="1.0" encoding="utf-8"?>
+<p:notes xmlns:a="http://schemas.openxmlformats.org/drawingml/2006/main" xmlns:r="http://schemas.openxmlformats.org/officeDocument/2006/relationships" xmlns:p="http://schemas.openxmlformats.org/presentationml/2006/main">
+  <p:cSld>
+    <p:spTree>
+      <p:nvGrpSpPr>
+        <p:cNvPr id="1" name=""/>
+        <p:cNvGrpSpPr/>
+        <p:nvPr/>
+      </p:nvGrpSpPr>
+      <p:grpSpPr/>
+      <p:sp>
+        <p:nvSpPr>
+          <p:cNvPr id="2" name="幻灯片图像占位符 1"/>
+          <p:cNvSpPr/>
+          <p:nvPr>
+            <p:ph type="sldImg"/>
+          </p:nvPr>
+        </p:nvSpPr>
+        <p:spPr/>
+      </p:sp>
+      <p:sp>
+        <p:nvSpPr>
+          <p:cNvPr id="3" name="文本占位符 2"/>
+          <p:cNvSpPr/>
+          <p:nvPr>
+            <p:ph type="body" idx="1"/>
+          </p:nvPr>
+        </p:nvSpPr>
+        <p:spPr/>
+        <p:txBody>
+          <a:bodyPr/>
+          <a:p>
+            <a:r>
+              <a:rPr lang="zh-CN" altLang="en-US"/>
+              <a:t>这三块：</a:t>
+            </a:r>
+            <a:endParaRPr lang="en-US" altLang="zh-CN"/>
+          </a:p>
+          <a:p>
+            <a:r>
+              <a:rPr lang="en-US" altLang="zh-CN"/>
+              <a:t>layout.vue</a:t>
+            </a:r>
+            <a:endParaRPr lang="en-US" altLang="zh-CN"/>
+          </a:p>
+          <a:p>
+            <a:r>
+              <a:rPr lang="en-US" altLang="zh-CN"/>
+              <a:t>home.vue  Row  i-col</a:t>
+            </a:r>
+            <a:endParaRPr lang="en-US" altLang="zh-CN"/>
+          </a:p>
+          <a:p>
+            <a:r>
+              <a:rPr lang="en-US" altLang="zh-CN"/>
+              <a:t>router.js</a:t>
+            </a:r>
+            <a:endParaRPr lang="en-US" altLang="zh-CN"/>
+          </a:p>
+          <a:p>
+            <a:endParaRPr lang="en-US" altLang="zh-CN"/>
+          </a:p>
+        </p:txBody>
+      </p:sp>
+    </p:spTree>
+  </p:cSld>
+  <p:clrMapOvr>
+    <a:masterClrMapping/>
+  </p:clrMapOvr>
+</p:notes>
+</file>
+
+<file path=ppt/notesSlides/notesSlide17.xml><?xml version="1.0" encoding="utf-8"?>
+<p:notes xmlns:a="http://schemas.openxmlformats.org/drawingml/2006/main" xmlns:r="http://schemas.openxmlformats.org/officeDocument/2006/relationships" xmlns:p="http://schemas.openxmlformats.org/presentationml/2006/main">
+  <p:cSld>
+    <p:spTree>
+      <p:nvGrpSpPr>
+        <p:cNvPr id="1" name=""/>
+        <p:cNvGrpSpPr/>
+        <p:nvPr/>
+      </p:nvGrpSpPr>
+      <p:grpSpPr/>
+      <p:sp>
+        <p:nvSpPr>
+          <p:cNvPr id="2" name="幻灯片图像占位符 1"/>
+          <p:cNvSpPr/>
+          <p:nvPr>
+            <p:ph type="sldImg"/>
+          </p:nvPr>
+        </p:nvSpPr>
+        <p:spPr/>
+      </p:sp>
+      <p:sp>
+        <p:nvSpPr>
+          <p:cNvPr id="3" name="文本占位符 2"/>
+          <p:cNvSpPr/>
+          <p:nvPr>
+            <p:ph type="body" idx="1"/>
+          </p:nvPr>
+        </p:nvSpPr>
+        <p:spPr/>
+        <p:txBody>
+          <a:bodyPr/>
+          <a:p>
+            <a:r>
+              <a:rPr lang="en-US" altLang="zh-CN"/>
+              <a:t>layout</a:t>
+            </a:r>
+            <a:r>
+              <a:rPr lang="zh-CN" altLang="en-US"/>
+              <a:t>上嵌套开发</a:t>
+            </a:r>
+            <a:endParaRPr lang="zh-CN" altLang="en-US"/>
+          </a:p>
+        </p:txBody>
+      </p:sp>
+    </p:spTree>
+  </p:cSld>
+  <p:clrMapOvr>
+    <a:masterClrMapping/>
+  </p:clrMapOvr>
+</p:notes>
+</file>
+
 <file path=ppt/notesSlides/notesSlide2.xml><?xml version="1.0" encoding="utf-8"?>
 <p:notes xmlns:a="http://schemas.openxmlformats.org/drawingml/2006/main" xmlns:r="http://schemas.openxmlformats.org/officeDocument/2006/relationships" xmlns:p="http://schemas.openxmlformats.org/presentationml/2006/main">
   <p:cSld>
@@ -965,6 +1869,245 @@
               <a:t>this.$slots.name</a:t>
             </a:r>
             <a:endParaRPr lang="en-US" altLang="zh-CN"/>
+          </a:p>
+        </p:txBody>
+      </p:sp>
+    </p:spTree>
+  </p:cSld>
+  <p:clrMapOvr>
+    <a:masterClrMapping/>
+  </p:clrMapOvr>
+</p:notes>
+</file>
+
+<file path=ppt/notesSlides/notesSlide8.xml><?xml version="1.0" encoding="utf-8"?>
+<p:notes xmlns:a="http://schemas.openxmlformats.org/drawingml/2006/main" xmlns:r="http://schemas.openxmlformats.org/officeDocument/2006/relationships" xmlns:p="http://schemas.openxmlformats.org/presentationml/2006/main">
+  <p:cSld>
+    <p:spTree>
+      <p:nvGrpSpPr>
+        <p:cNvPr id="1" name=""/>
+        <p:cNvGrpSpPr/>
+        <p:nvPr/>
+      </p:nvGrpSpPr>
+      <p:grpSpPr/>
+      <p:sp>
+        <p:nvSpPr>
+          <p:cNvPr id="2" name="幻灯片图像占位符 1"/>
+          <p:cNvSpPr/>
+          <p:nvPr>
+            <p:ph type="sldImg"/>
+          </p:nvPr>
+        </p:nvSpPr>
+        <p:spPr/>
+      </p:sp>
+      <p:sp>
+        <p:nvSpPr>
+          <p:cNvPr id="3" name="文本占位符 2"/>
+          <p:cNvSpPr/>
+          <p:nvPr>
+            <p:ph type="body" idx="1"/>
+          </p:nvPr>
+        </p:nvSpPr>
+        <p:spPr/>
+        <p:txBody>
+          <a:bodyPr/>
+          <a:p>
+            <a:endParaRPr lang="zh-CN" altLang="en-US"/>
+          </a:p>
+        </p:txBody>
+      </p:sp>
+    </p:spTree>
+  </p:cSld>
+  <p:clrMapOvr>
+    <a:masterClrMapping/>
+  </p:clrMapOvr>
+</p:notes>
+</file>
+
+<file path=ppt/notesSlides/notesSlide9.xml><?xml version="1.0" encoding="utf-8"?>
+<p:notes xmlns:a="http://schemas.openxmlformats.org/drawingml/2006/main" xmlns:r="http://schemas.openxmlformats.org/officeDocument/2006/relationships" xmlns:p="http://schemas.openxmlformats.org/presentationml/2006/main">
+  <p:cSld>
+    <p:spTree>
+      <p:nvGrpSpPr>
+        <p:cNvPr id="1" name=""/>
+        <p:cNvGrpSpPr/>
+        <p:nvPr/>
+      </p:nvGrpSpPr>
+      <p:grpSpPr/>
+      <p:sp>
+        <p:nvSpPr>
+          <p:cNvPr id="2" name="幻灯片图像占位符 1"/>
+          <p:cNvSpPr/>
+          <p:nvPr>
+            <p:ph type="sldImg"/>
+          </p:nvPr>
+        </p:nvSpPr>
+        <p:spPr/>
+      </p:sp>
+      <p:sp>
+        <p:nvSpPr>
+          <p:cNvPr id="3" name="文本占位符 2"/>
+          <p:cNvSpPr/>
+          <p:nvPr>
+            <p:ph type="body" idx="1"/>
+          </p:nvPr>
+        </p:nvSpPr>
+        <p:spPr/>
+        <p:txBody>
+          <a:bodyPr/>
+          <a:p>
+            <a:r>
+              <a:rPr lang="zh-CN" altLang="en-US"/>
+              <a:t>命名视图：展示多个标签，多个视图，指定的视图展示在指定的位置</a:t>
+            </a:r>
+            <a:r>
+              <a:rPr lang="en-US" altLang="zh-CN"/>
+              <a:t>components</a:t>
+            </a:r>
+            <a:endParaRPr lang="en-US" altLang="zh-CN"/>
+          </a:p>
+          <a:p>
+            <a:r>
+              <a:rPr lang="zh-CN" altLang="en-US"/>
+              <a:t>别名：alias</a:t>
+            </a:r>
+            <a:endParaRPr lang="zh-CN" altLang="en-US"/>
+          </a:p>
+          <a:p>
+            <a:r>
+              <a:rPr lang="zh-CN" altLang="en-US"/>
+              <a:t>编程式导航</a:t>
+            </a:r>
+            <a:endParaRPr lang="zh-CN" altLang="en-US"/>
+          </a:p>
+          <a:p>
+            <a:endParaRPr lang="zh-CN" altLang="en-US"/>
+          </a:p>
+          <a:p>
+            <a:r>
+              <a:rPr lang="en-US" altLang="zh-CN"/>
+              <a:t>3.</a:t>
+            </a:r>
+            <a:endParaRPr lang="en-US" altLang="zh-CN"/>
+          </a:p>
+          <a:p>
+            <a:r>
+              <a:rPr lang="zh-CN" altLang="en-US"/>
+              <a:t>导航里面可以用</a:t>
+            </a:r>
+            <a:r>
+              <a:rPr lang="en-US" altLang="zh-CN"/>
+              <a:t>props</a:t>
+            </a:r>
+            <a:r>
+              <a:rPr lang="zh-CN" altLang="en-US"/>
+              <a:t>属性来传递值（</a:t>
+            </a:r>
+            <a:r>
+              <a:rPr lang="en-US" altLang="zh-CN"/>
+              <a:t>3</a:t>
+            </a:r>
+            <a:r>
+              <a:rPr lang="zh-CN" altLang="en-US"/>
+              <a:t>种模式）</a:t>
+            </a:r>
+            <a:endParaRPr lang="zh-CN" altLang="en-US"/>
+          </a:p>
+          <a:p>
+            <a:r>
+              <a:rPr lang="en-US" altLang="zh-CN"/>
+              <a:t>mode history(</a:t>
+            </a:r>
+            <a:r>
+              <a:rPr lang="zh-CN" altLang="en-US"/>
+              <a:t>后端没有匹配到重定向到</a:t>
+            </a:r>
+            <a:r>
+              <a:rPr lang="en-US" altLang="zh-CN"/>
+              <a:t>404</a:t>
+            </a:r>
+            <a:r>
+              <a:rPr lang="zh-CN" altLang="en-US"/>
+              <a:t>页面</a:t>
+            </a:r>
+            <a:r>
+              <a:rPr lang="en-US" altLang="zh-CN"/>
+              <a:t>)</a:t>
+            </a:r>
+            <a:endParaRPr lang="en-US" altLang="zh-CN"/>
+          </a:p>
+          <a:p>
+            <a:r>
+              <a:rPr lang="zh-CN" altLang="en-US"/>
+              <a:t>路由守卫：</a:t>
+            </a:r>
+            <a:r>
+              <a:rPr lang="en-US" altLang="zh-CN"/>
+              <a:t>app.js</a:t>
+            </a:r>
+            <a:r>
+              <a:rPr lang="zh-CN" altLang="en-US"/>
+              <a:t>，路由列表中，页面级组件里</a:t>
+            </a:r>
+            <a:endParaRPr lang="zh-CN" altLang="en-US"/>
+          </a:p>
+          <a:p>
+            <a:r>
+              <a:rPr lang="zh-CN" altLang="en-US"/>
+              <a:t>完整的导航解析流程</a:t>
+            </a:r>
+            <a:endParaRPr lang="zh-CN" altLang="en-US"/>
+          </a:p>
+          <a:p>
+            <a:r>
+              <a:rPr lang="en-US" altLang="zh-CN"/>
+              <a:t>meta:</a:t>
+            </a:r>
+            <a:r>
+              <a:rPr lang="zh-CN" altLang="en-US"/>
+              <a:t>权限</a:t>
+            </a:r>
+            <a:endParaRPr lang="zh-CN" altLang="en-US"/>
+          </a:p>
+          <a:p>
+            <a:r>
+              <a:rPr lang="en-US" altLang="zh-CN"/>
+              <a:t>setTitle</a:t>
+            </a:r>
+            <a:r>
+              <a:rPr lang="zh-CN" altLang="en-US"/>
+              <a:t>设置标签</a:t>
+            </a:r>
+            <a:endParaRPr lang="zh-CN" altLang="en-US"/>
+          </a:p>
+          <a:p>
+            <a:r>
+              <a:rPr lang="zh-CN" altLang="en-US"/>
+              <a:t>给页面设置过渡效果</a:t>
+            </a:r>
+            <a:endParaRPr lang="zh-CN" altLang="en-US"/>
+          </a:p>
+          <a:p>
+            <a:r>
+              <a:rPr lang="zh-CN" altLang="en-US"/>
+              <a:t>用一个组件，用</a:t>
+            </a:r>
+            <a:r>
+              <a:rPr lang="en-US" altLang="zh-CN"/>
+              <a:t>css</a:t>
+            </a:r>
+            <a:r>
+              <a:rPr lang="zh-CN" altLang="en-US"/>
+              <a:t>的配置效果</a:t>
+            </a:r>
+            <a:endParaRPr lang="zh-CN" altLang="en-US"/>
+          </a:p>
+          <a:p>
+            <a:r>
+              <a:rPr lang="zh-CN" altLang="en-US"/>
+              <a:t>路由切换的具体动效</a:t>
+            </a:r>
+            <a:endParaRPr lang="zh-CN" altLang="en-US"/>
           </a:p>
         </p:txBody>
       </p:sp>
@@ -1617,6 +2760,105 @@
 </p:sldLayout>
 </file>
 
+<file path=ppt/slideLayouts/slideLayout14.xml><?xml version="1.0" encoding="utf-8"?>
+<p:sldLayout xmlns:a="http://schemas.openxmlformats.org/drawingml/2006/main" xmlns:r="http://schemas.openxmlformats.org/officeDocument/2006/relationships" xmlns:p="http://schemas.openxmlformats.org/presentationml/2006/main" type="blank" preserve="1">
+  <p:cSld name="1_空白">
+    <p:spTree>
+      <p:nvGrpSpPr>
+        <p:cNvPr id="1" name=""/>
+        <p:cNvGrpSpPr/>
+        <p:nvPr/>
+      </p:nvGrpSpPr>
+      <p:grpSpPr>
+        <a:xfrm>
+          <a:off x="0" y="0"/>
+          <a:ext cx="0" cy="0"/>
+          <a:chOff x="0" y="0"/>
+          <a:chExt cx="0" cy="0"/>
+        </a:xfrm>
+      </p:grpSpPr>
+      <p:sp>
+        <p:nvSpPr>
+          <p:cNvPr id="2" name="日期占位符 1"/>
+          <p:cNvSpPr>
+            <a:spLocks noGrp="1"/>
+          </p:cNvSpPr>
+          <p:nvPr>
+            <p:ph type="dt" sz="half" idx="10"/>
+          </p:nvPr>
+        </p:nvSpPr>
+        <p:spPr>
+          <a:xfrm>
+            <a:off x="838200" y="6356350"/>
+            <a:ext cx="2743200" cy="365125"/>
+          </a:xfrm>
+        </p:spPr>
+        <p:txBody>
+          <a:bodyPr/>
+          <a:lstStyle/>
+          <a:p>
+            <a:fld id="{82F288E0-7875-42C4-84C8-98DBBD3BF4D2}" type="datetimeFigureOut">
+              <a:rPr lang="zh-CN" altLang="en-US" smtClean="0"/>
+            </a:fld>
+            <a:endParaRPr lang="zh-CN" altLang="en-US"/>
+          </a:p>
+        </p:txBody>
+      </p:sp>
+      <p:sp>
+        <p:nvSpPr>
+          <p:cNvPr id="3" name="页脚占位符 2"/>
+          <p:cNvSpPr>
+            <a:spLocks noGrp="1"/>
+          </p:cNvSpPr>
+          <p:nvPr>
+            <p:ph type="ftr" sz="quarter" idx="11"/>
+          </p:nvPr>
+        </p:nvSpPr>
+        <p:spPr>
+          <a:xfrm>
+            <a:off x="4038600" y="6356350"/>
+            <a:ext cx="4114800" cy="365125"/>
+          </a:xfrm>
+        </p:spPr>
+        <p:txBody>
+          <a:bodyPr/>
+          <a:lstStyle/>
+          <a:p>
+            <a:endParaRPr lang="zh-CN" altLang="en-US"/>
+          </a:p>
+        </p:txBody>
+      </p:sp>
+      <p:sp>
+        <p:nvSpPr>
+          <p:cNvPr id="4" name="灯片编号占位符 3"/>
+          <p:cNvSpPr>
+            <a:spLocks noGrp="1"/>
+          </p:cNvSpPr>
+          <p:nvPr>
+            <p:ph type="sldNum" sz="quarter" idx="12"/>
+          </p:nvPr>
+        </p:nvSpPr>
+        <p:spPr/>
+        <p:txBody>
+          <a:bodyPr/>
+          <a:lstStyle/>
+          <a:p>
+            <a:fld id="{86CB4B4D-7CA3-9044-876B-883B54F8677D}" type="slidenum">
+              <a:rPr/>
+            </a:fld>
+            <a:endParaRPr/>
+          </a:p>
+        </p:txBody>
+      </p:sp>
+    </p:spTree>
+  </p:cSld>
+  <p:clrMapOvr>
+    <a:masterClrMapping/>
+  </p:clrMapOvr>
+  <p:transition spd="med"/>
+</p:sldLayout>
+</file>
+
 <file path=ppt/slideLayouts/slideLayout2.xml><?xml version="1.0" encoding="utf-8"?>
 <p:sldLayout xmlns:a="http://schemas.openxmlformats.org/drawingml/2006/main" xmlns:r="http://schemas.openxmlformats.org/officeDocument/2006/relationships" xmlns:p="http://schemas.openxmlformats.org/presentationml/2006/main" type="tx">
   <p:cSld name="照片 - 水平">
@@ -2889,6 +4131,7 @@
     <p:sldLayoutId id="2147483659" r:id="rId11"/>
     <p:sldLayoutId id="2147483660" r:id="rId12"/>
     <p:sldLayoutId id="2147483661" r:id="rId13"/>
+    <p:sldLayoutId id="2147483662" r:id="rId14"/>
   </p:sldLayoutIdLst>
   <p:transition spd="med"/>
   <p:txStyles>
@@ -7406,6 +8649,1064 @@
 </p:sld>
 </file>
 
+<file path=ppt/slides/slide34.xml><?xml version="1.0" encoding="utf-8"?>
+<p:sld xmlns:a="http://schemas.openxmlformats.org/drawingml/2006/main" xmlns:r="http://schemas.openxmlformats.org/officeDocument/2006/relationships" xmlns:p="http://schemas.openxmlformats.org/presentationml/2006/main">
+  <p:cSld>
+    <p:spTree>
+      <p:nvGrpSpPr>
+        <p:cNvPr id="1" name=""/>
+        <p:cNvGrpSpPr/>
+        <p:nvPr/>
+      </p:nvGrpSpPr>
+      <p:grpSpPr/>
+      <p:pic>
+        <p:nvPicPr>
+          <p:cNvPr id="5" name="图片 4"/>
+          <p:cNvPicPr>
+            <a:picLocks noChangeAspect="1"/>
+          </p:cNvPicPr>
+          <p:nvPr/>
+        </p:nvPicPr>
+        <p:blipFill>
+          <a:blip r:embed="rId1"/>
+          <a:stretch>
+            <a:fillRect/>
+          </a:stretch>
+        </p:blipFill>
+        <p:spPr>
+          <a:xfrm>
+            <a:off x="848360" y="1985010"/>
+            <a:ext cx="5618480" cy="3479800"/>
+          </a:xfrm>
+          <a:prstGeom prst="rect">
+            <a:avLst/>
+          </a:prstGeom>
+        </p:spPr>
+      </p:pic>
+      <p:sp>
+        <p:nvSpPr>
+          <p:cNvPr id="6" name="文本框 5"/>
+          <p:cNvSpPr txBox="1"/>
+          <p:nvPr/>
+        </p:nvSpPr>
+        <p:spPr>
+          <a:xfrm>
+            <a:off x="848360" y="776605"/>
+            <a:ext cx="6625590" cy="778510"/>
+          </a:xfrm>
+          <a:prstGeom prst="rect">
+            <a:avLst/>
+          </a:prstGeom>
+          <a:noFill/>
+          <a:ln w="12700" cap="flat">
+            <a:noFill/>
+            <a:miter lim="400000"/>
+          </a:ln>
+        </p:spPr>
+        <p:style>
+          <a:lnRef idx="0">
+            <a:srgbClr val="FFFFFF"/>
+          </a:lnRef>
+          <a:fillRef idx="0">
+            <a:srgbClr val="FFFFFF"/>
+          </a:fillRef>
+          <a:effectRef idx="0">
+            <a:srgbClr val="FFFFFF"/>
+          </a:effectRef>
+          <a:fontRef idx="none"/>
+        </p:style>
+        <p:txBody>
+          <a:bodyPr rot="0" vertOverflow="overflow" horzOverflow="overflow" vert="horz" wrap="square" lIns="50800" tIns="50800" rIns="50800" bIns="50800" numCol="1" spcCol="38100" rtlCol="0" anchor="ctr" forceAA="0" upright="0">
+            <a:spAutoFit/>
+          </a:bodyPr>
+          <a:p>
+            <a:pPr marL="0" marR="0" indent="0" algn="l" defTabSz="825500" rtl="0" fontAlgn="auto" latinLnBrk="0" hangingPunct="0">
+              <a:lnSpc>
+                <a:spcPct val="100000"/>
+              </a:lnSpc>
+              <a:spcBef>
+                <a:spcPts val="0"/>
+              </a:spcBef>
+              <a:spcAft>
+                <a:spcPts val="0"/>
+              </a:spcAft>
+              <a:buClrTx/>
+              <a:buSzTx/>
+              <a:buFontTx/>
+              <a:buNone/>
+            </a:pPr>
+            <a:r>
+              <a:rPr kumimoji="0" lang="en-US" altLang="zh-CN" sz="4400" b="1" i="0" u="none" strike="noStrike" cap="none" spc="0" normalizeH="0" baseline="0">
+                <a:ln>
+                  <a:noFill/>
+                </a:ln>
+                <a:solidFill>
+                  <a:srgbClr val="000000"/>
+                </a:solidFill>
+                <a:effectLst/>
+                <a:uFillTx/>
+                <a:latin typeface="Helvetica Neue"/>
+                <a:ea typeface="Helvetica Neue"/>
+                <a:cs typeface="Helvetica Neue"/>
+                <a:sym typeface="Helvetica Neue"/>
+              </a:rPr>
+              <a:t>vue-cli 3.0</a:t>
+            </a:r>
+            <a:r>
+              <a:rPr kumimoji="0" lang="zh-CN" altLang="en-US" sz="4400" b="1" i="0" u="none" strike="noStrike" cap="none" spc="0" normalizeH="0" baseline="0">
+                <a:ln>
+                  <a:noFill/>
+                </a:ln>
+                <a:solidFill>
+                  <a:srgbClr val="000000"/>
+                </a:solidFill>
+                <a:effectLst/>
+                <a:uFillTx/>
+                <a:latin typeface="Helvetica Neue"/>
+                <a:ea typeface="Helvetica Neue"/>
+                <a:cs typeface="Helvetica Neue"/>
+                <a:sym typeface="Helvetica Neue"/>
+              </a:rPr>
+              <a:t>的基础配置</a:t>
+            </a:r>
+            <a:endParaRPr kumimoji="0" lang="zh-CN" altLang="en-US" sz="4400" b="1" i="0" u="none" strike="noStrike" cap="none" spc="0" normalizeH="0" baseline="0">
+              <a:ln>
+                <a:noFill/>
+              </a:ln>
+              <a:solidFill>
+                <a:srgbClr val="000000"/>
+              </a:solidFill>
+              <a:effectLst/>
+              <a:uFillTx/>
+              <a:latin typeface="Helvetica Neue"/>
+              <a:ea typeface="Helvetica Neue"/>
+              <a:cs typeface="Helvetica Neue"/>
+              <a:sym typeface="Helvetica Neue"/>
+            </a:endParaRPr>
+          </a:p>
+        </p:txBody>
+      </p:sp>
+      <p:sp>
+        <p:nvSpPr>
+          <p:cNvPr id="8" name="文本框 7"/>
+          <p:cNvSpPr txBox="1"/>
+          <p:nvPr/>
+        </p:nvSpPr>
+        <p:spPr>
+          <a:xfrm>
+            <a:off x="848360" y="6468745"/>
+            <a:ext cx="3564255" cy="778510"/>
+          </a:xfrm>
+          <a:prstGeom prst="rect">
+            <a:avLst/>
+          </a:prstGeom>
+          <a:noFill/>
+          <a:ln w="12700" cap="flat">
+            <a:noFill/>
+            <a:miter lim="400000"/>
+          </a:ln>
+        </p:spPr>
+        <p:style>
+          <a:lnRef idx="0">
+            <a:srgbClr val="FFFFFF"/>
+          </a:lnRef>
+          <a:fillRef idx="0">
+            <a:srgbClr val="FFFFFF"/>
+          </a:fillRef>
+          <a:effectRef idx="0">
+            <a:srgbClr val="FFFFFF"/>
+          </a:effectRef>
+          <a:fontRef idx="none"/>
+        </p:style>
+        <p:txBody>
+          <a:bodyPr rot="0" vertOverflow="overflow" horzOverflow="overflow" vert="horz" wrap="square" lIns="50800" tIns="50800" rIns="50800" bIns="50800" numCol="1" spcCol="38100" rtlCol="0" anchor="ctr" forceAA="0" upright="0">
+            <a:spAutoFit/>
+          </a:bodyPr>
+          <a:p>
+            <a:pPr marL="0" marR="0" indent="0" algn="l" defTabSz="825500" rtl="0" fontAlgn="auto" latinLnBrk="0" hangingPunct="0">
+              <a:lnSpc>
+                <a:spcPct val="100000"/>
+              </a:lnSpc>
+              <a:spcBef>
+                <a:spcPts val="0"/>
+              </a:spcBef>
+              <a:spcAft>
+                <a:spcPts val="0"/>
+              </a:spcAft>
+              <a:buClrTx/>
+              <a:buSzTx/>
+              <a:buFontTx/>
+              <a:buNone/>
+            </a:pPr>
+            <a:r>
+              <a:rPr kumimoji="0" lang="en-US" altLang="zh-CN" sz="4400" b="1" i="0" u="none" strike="noStrike" cap="none" spc="0" normalizeH="0" baseline="0">
+                <a:ln>
+                  <a:noFill/>
+                </a:ln>
+                <a:solidFill>
+                  <a:srgbClr val="000000"/>
+                </a:solidFill>
+                <a:effectLst/>
+                <a:uFillTx/>
+                <a:latin typeface="Helvetica Neue"/>
+                <a:ea typeface="Helvetica Neue"/>
+                <a:cs typeface="Helvetica Neue"/>
+                <a:sym typeface="Helvetica Neue"/>
+              </a:rPr>
+              <a:t>vue</a:t>
+            </a:r>
+            <a:r>
+              <a:rPr kumimoji="0" lang="zh-CN" altLang="en-US" sz="4400" b="1" i="0" u="none" strike="noStrike" cap="none" spc="0" normalizeH="0" baseline="0">
+                <a:ln>
+                  <a:noFill/>
+                </a:ln>
+                <a:solidFill>
+                  <a:srgbClr val="000000"/>
+                </a:solidFill>
+                <a:effectLst/>
+                <a:uFillTx/>
+                <a:latin typeface="Helvetica Neue"/>
+                <a:ea typeface="Helvetica Neue"/>
+                <a:cs typeface="Helvetica Neue"/>
+                <a:sym typeface="Helvetica Neue"/>
+              </a:rPr>
+              <a:t>路由详解</a:t>
+            </a:r>
+            <a:endParaRPr kumimoji="0" lang="zh-CN" altLang="en-US" sz="4400" b="1" i="0" u="none" strike="noStrike" cap="none" spc="0" normalizeH="0" baseline="0">
+              <a:ln>
+                <a:noFill/>
+              </a:ln>
+              <a:solidFill>
+                <a:srgbClr val="000000"/>
+              </a:solidFill>
+              <a:effectLst/>
+              <a:uFillTx/>
+              <a:latin typeface="Helvetica Neue"/>
+              <a:ea typeface="Helvetica Neue"/>
+              <a:cs typeface="Helvetica Neue"/>
+              <a:sym typeface="Helvetica Neue"/>
+            </a:endParaRPr>
+          </a:p>
+        </p:txBody>
+      </p:sp>
+      <p:pic>
+        <p:nvPicPr>
+          <p:cNvPr id="9" name="图片 8"/>
+          <p:cNvPicPr>
+            <a:picLocks noChangeAspect="1"/>
+          </p:cNvPicPr>
+          <p:nvPr/>
+        </p:nvPicPr>
+        <p:blipFill>
+          <a:blip r:embed="rId2"/>
+          <a:stretch>
+            <a:fillRect/>
+          </a:stretch>
+        </p:blipFill>
+        <p:spPr>
+          <a:xfrm>
+            <a:off x="848360" y="7499350"/>
+            <a:ext cx="5400040" cy="4410710"/>
+          </a:xfrm>
+          <a:prstGeom prst="rect">
+            <a:avLst/>
+          </a:prstGeom>
+        </p:spPr>
+      </p:pic>
+      <p:pic>
+        <p:nvPicPr>
+          <p:cNvPr id="2" name="图片 1"/>
+          <p:cNvPicPr>
+            <a:picLocks noChangeAspect="1"/>
+          </p:cNvPicPr>
+          <p:nvPr/>
+        </p:nvPicPr>
+        <p:blipFill>
+          <a:blip r:embed="rId3"/>
+          <a:stretch>
+            <a:fillRect/>
+          </a:stretch>
+        </p:blipFill>
+        <p:spPr>
+          <a:xfrm>
+            <a:off x="9633585" y="289560"/>
+            <a:ext cx="11552555" cy="6390640"/>
+          </a:xfrm>
+          <a:prstGeom prst="rect">
+            <a:avLst/>
+          </a:prstGeom>
+        </p:spPr>
+      </p:pic>
+    </p:spTree>
+  </p:cSld>
+  <p:clrMapOvr>
+    <a:masterClrMapping/>
+  </p:clrMapOvr>
+  <p:transition spd="med"/>
+</p:sld>
+</file>
+
+<file path=ppt/slides/slide35.xml><?xml version="1.0" encoding="utf-8"?>
+<p:sld xmlns:a="http://schemas.openxmlformats.org/drawingml/2006/main" xmlns:r="http://schemas.openxmlformats.org/officeDocument/2006/relationships" xmlns:p="http://schemas.openxmlformats.org/presentationml/2006/main">
+  <p:cSld>
+    <p:spTree>
+      <p:nvGrpSpPr>
+        <p:cNvPr id="1" name=""/>
+        <p:cNvGrpSpPr/>
+        <p:nvPr/>
+      </p:nvGrpSpPr>
+      <p:grpSpPr/>
+      <p:pic>
+        <p:nvPicPr>
+          <p:cNvPr id="5" name="图片 4"/>
+          <p:cNvPicPr>
+            <a:picLocks noChangeAspect="1"/>
+          </p:cNvPicPr>
+          <p:nvPr/>
+        </p:nvPicPr>
+        <p:blipFill>
+          <a:blip r:embed="rId1"/>
+          <a:stretch>
+            <a:fillRect/>
+          </a:stretch>
+        </p:blipFill>
+        <p:spPr>
+          <a:xfrm>
+            <a:off x="679450" y="725170"/>
+            <a:ext cx="8797290" cy="3783965"/>
+          </a:xfrm>
+          <a:prstGeom prst="rect">
+            <a:avLst/>
+          </a:prstGeom>
+        </p:spPr>
+      </p:pic>
+      <p:pic>
+        <p:nvPicPr>
+          <p:cNvPr id="6" name="图片 5"/>
+          <p:cNvPicPr>
+            <a:picLocks noChangeAspect="1"/>
+          </p:cNvPicPr>
+          <p:nvPr/>
+        </p:nvPicPr>
+        <p:blipFill>
+          <a:blip r:embed="rId2"/>
+          <a:stretch>
+            <a:fillRect/>
+          </a:stretch>
+        </p:blipFill>
+        <p:spPr>
+          <a:xfrm>
+            <a:off x="843280" y="6000750"/>
+            <a:ext cx="5297170" cy="2695575"/>
+          </a:xfrm>
+          <a:prstGeom prst="rect">
+            <a:avLst/>
+          </a:prstGeom>
+        </p:spPr>
+      </p:pic>
+      <p:sp>
+        <p:nvSpPr>
+          <p:cNvPr id="7" name="文本框 6"/>
+          <p:cNvSpPr txBox="1"/>
+          <p:nvPr/>
+        </p:nvSpPr>
+        <p:spPr>
+          <a:xfrm>
+            <a:off x="727710" y="4959985"/>
+            <a:ext cx="2190750" cy="563245"/>
+          </a:xfrm>
+          <a:prstGeom prst="rect">
+            <a:avLst/>
+          </a:prstGeom>
+          <a:noFill/>
+          <a:ln w="12700" cap="flat">
+            <a:noFill/>
+            <a:miter lim="400000"/>
+          </a:ln>
+        </p:spPr>
+        <p:style>
+          <a:lnRef idx="0">
+            <a:srgbClr val="FFFFFF"/>
+          </a:lnRef>
+          <a:fillRef idx="0">
+            <a:srgbClr val="FFFFFF"/>
+          </a:fillRef>
+          <a:effectRef idx="0">
+            <a:srgbClr val="FFFFFF"/>
+          </a:effectRef>
+          <a:fontRef idx="none"/>
+        </p:style>
+        <p:txBody>
+          <a:bodyPr rot="0" vertOverflow="overflow" horzOverflow="overflow" vert="horz" wrap="square" lIns="50800" tIns="50800" rIns="50800" bIns="50800" numCol="1" spcCol="38100" rtlCol="0" anchor="ctr" forceAA="0" upright="0">
+            <a:spAutoFit/>
+          </a:bodyPr>
+          <a:p>
+            <a:pPr marL="0" marR="0" indent="0" algn="l" defTabSz="825500" rtl="0" fontAlgn="auto" latinLnBrk="0" hangingPunct="0">
+              <a:lnSpc>
+                <a:spcPct val="100000"/>
+              </a:lnSpc>
+              <a:spcBef>
+                <a:spcPts val="0"/>
+              </a:spcBef>
+              <a:spcAft>
+                <a:spcPts val="0"/>
+              </a:spcAft>
+              <a:buClrTx/>
+              <a:buSzTx/>
+              <a:buFontTx/>
+              <a:buNone/>
+            </a:pPr>
+            <a:r>
+              <a:rPr kumimoji="0" lang="zh-CN" altLang="en-US" sz="3000" b="1" i="0" u="none" strike="noStrike" cap="none" spc="0" normalizeH="0" baseline="0">
+                <a:ln>
+                  <a:noFill/>
+                </a:ln>
+                <a:solidFill>
+                  <a:srgbClr val="000000"/>
+                </a:solidFill>
+                <a:effectLst/>
+                <a:uFillTx/>
+                <a:latin typeface="Helvetica Neue"/>
+                <a:ea typeface="Helvetica Neue"/>
+                <a:cs typeface="Helvetica Neue"/>
+                <a:sym typeface="Helvetica Neue"/>
+              </a:rPr>
+              <a:t>展开运算符</a:t>
+            </a:r>
+            <a:endParaRPr kumimoji="0" lang="zh-CN" altLang="en-US" sz="3000" b="1" i="0" u="none" strike="noStrike" cap="none" spc="0" normalizeH="0" baseline="0">
+              <a:ln>
+                <a:noFill/>
+              </a:ln>
+              <a:solidFill>
+                <a:srgbClr val="000000"/>
+              </a:solidFill>
+              <a:effectLst/>
+              <a:uFillTx/>
+              <a:latin typeface="Helvetica Neue"/>
+              <a:ea typeface="Helvetica Neue"/>
+              <a:cs typeface="Helvetica Neue"/>
+              <a:sym typeface="Helvetica Neue"/>
+            </a:endParaRPr>
+          </a:p>
+        </p:txBody>
+      </p:sp>
+      <p:pic>
+        <p:nvPicPr>
+          <p:cNvPr id="8" name="图片 7"/>
+          <p:cNvPicPr>
+            <a:picLocks noChangeAspect="1"/>
+          </p:cNvPicPr>
+          <p:nvPr/>
+        </p:nvPicPr>
+        <p:blipFill>
+          <a:blip r:embed="rId3"/>
+          <a:stretch>
+            <a:fillRect/>
+          </a:stretch>
+        </p:blipFill>
+        <p:spPr>
+          <a:xfrm>
+            <a:off x="843280" y="9440545"/>
+            <a:ext cx="9791065" cy="1144905"/>
+          </a:xfrm>
+          <a:prstGeom prst="rect">
+            <a:avLst/>
+          </a:prstGeom>
+        </p:spPr>
+      </p:pic>
+      <p:pic>
+        <p:nvPicPr>
+          <p:cNvPr id="9" name="图片 8"/>
+          <p:cNvPicPr>
+            <a:picLocks noChangeAspect="1"/>
+          </p:cNvPicPr>
+          <p:nvPr/>
+        </p:nvPicPr>
+        <p:blipFill>
+          <a:blip r:embed="rId4"/>
+          <a:stretch>
+            <a:fillRect/>
+          </a:stretch>
+        </p:blipFill>
+        <p:spPr>
+          <a:xfrm>
+            <a:off x="14185900" y="589280"/>
+            <a:ext cx="7958455" cy="6282055"/>
+          </a:xfrm>
+          <a:prstGeom prst="rect">
+            <a:avLst/>
+          </a:prstGeom>
+        </p:spPr>
+      </p:pic>
+      <p:pic>
+        <p:nvPicPr>
+          <p:cNvPr id="10" name="图片 9"/>
+          <p:cNvPicPr>
+            <a:picLocks noChangeAspect="1"/>
+          </p:cNvPicPr>
+          <p:nvPr/>
+        </p:nvPicPr>
+        <p:blipFill>
+          <a:blip r:embed="rId5"/>
+          <a:stretch>
+            <a:fillRect/>
+          </a:stretch>
+        </p:blipFill>
+        <p:spPr>
+          <a:xfrm>
+            <a:off x="14185900" y="8110855"/>
+            <a:ext cx="7637145" cy="2474595"/>
+          </a:xfrm>
+          <a:prstGeom prst="rect">
+            <a:avLst/>
+          </a:prstGeom>
+        </p:spPr>
+      </p:pic>
+      <p:pic>
+        <p:nvPicPr>
+          <p:cNvPr id="11" name="图片 10"/>
+          <p:cNvPicPr>
+            <a:picLocks noChangeAspect="1"/>
+          </p:cNvPicPr>
+          <p:nvPr/>
+        </p:nvPicPr>
+        <p:blipFill>
+          <a:blip r:embed="rId6"/>
+          <a:stretch>
+            <a:fillRect/>
+          </a:stretch>
+        </p:blipFill>
+        <p:spPr>
+          <a:xfrm>
+            <a:off x="14185900" y="10705465"/>
+            <a:ext cx="7445375" cy="2388870"/>
+          </a:xfrm>
+          <a:prstGeom prst="rect">
+            <a:avLst/>
+          </a:prstGeom>
+        </p:spPr>
+      </p:pic>
+      <p:sp>
+        <p:nvSpPr>
+          <p:cNvPr id="12" name="文本框 11"/>
+          <p:cNvSpPr txBox="1"/>
+          <p:nvPr/>
+        </p:nvSpPr>
+        <p:spPr>
+          <a:xfrm>
+            <a:off x="14185900" y="7320915"/>
+            <a:ext cx="1923415" cy="563245"/>
+          </a:xfrm>
+          <a:prstGeom prst="rect">
+            <a:avLst/>
+          </a:prstGeom>
+          <a:noFill/>
+          <a:ln w="12700" cap="flat">
+            <a:noFill/>
+            <a:miter lim="400000"/>
+          </a:ln>
+        </p:spPr>
+        <p:style>
+          <a:lnRef idx="0">
+            <a:srgbClr val="FFFFFF"/>
+          </a:lnRef>
+          <a:fillRef idx="0">
+            <a:srgbClr val="FFFFFF"/>
+          </a:fillRef>
+          <a:effectRef idx="0">
+            <a:srgbClr val="FFFFFF"/>
+          </a:effectRef>
+          <a:fontRef idx="none"/>
+        </p:style>
+        <p:txBody>
+          <a:bodyPr rot="0" vertOverflow="overflow" horzOverflow="overflow" vert="horz" wrap="square" lIns="50800" tIns="50800" rIns="50800" bIns="50800" numCol="1" spcCol="38100" rtlCol="0" anchor="ctr" forceAA="0" upright="0">
+            <a:spAutoFit/>
+          </a:bodyPr>
+          <a:p>
+            <a:pPr marL="0" marR="0" indent="0" algn="l" defTabSz="825500" rtl="0" fontAlgn="auto" latinLnBrk="0" hangingPunct="0">
+              <a:lnSpc>
+                <a:spcPct val="100000"/>
+              </a:lnSpc>
+              <a:spcBef>
+                <a:spcPts val="0"/>
+              </a:spcBef>
+              <a:spcAft>
+                <a:spcPts val="0"/>
+              </a:spcAft>
+              <a:buClrTx/>
+              <a:buSzTx/>
+              <a:buFontTx/>
+              <a:buNone/>
+            </a:pPr>
+            <a:r>
+              <a:rPr kumimoji="0" lang="zh-CN" altLang="en-US" sz="3000" b="1" i="0" u="none" strike="noStrike" cap="none" spc="0" normalizeH="0" baseline="0">
+                <a:ln>
+                  <a:noFill/>
+                </a:ln>
+                <a:solidFill>
+                  <a:srgbClr val="000000"/>
+                </a:solidFill>
+                <a:effectLst/>
+                <a:uFillTx/>
+                <a:latin typeface="Helvetica Neue"/>
+                <a:ea typeface="Helvetica Neue"/>
+                <a:cs typeface="Helvetica Neue"/>
+                <a:sym typeface="Helvetica Neue"/>
+              </a:rPr>
+              <a:t>解构赋值</a:t>
+            </a:r>
+            <a:endParaRPr kumimoji="0" lang="zh-CN" altLang="en-US" sz="3000" b="1" i="0" u="none" strike="noStrike" cap="none" spc="0" normalizeH="0" baseline="0">
+              <a:ln>
+                <a:noFill/>
+              </a:ln>
+              <a:solidFill>
+                <a:srgbClr val="000000"/>
+              </a:solidFill>
+              <a:effectLst/>
+              <a:uFillTx/>
+              <a:latin typeface="Helvetica Neue"/>
+              <a:ea typeface="Helvetica Neue"/>
+              <a:cs typeface="Helvetica Neue"/>
+              <a:sym typeface="Helvetica Neue"/>
+            </a:endParaRPr>
+          </a:p>
+        </p:txBody>
+      </p:sp>
+      <p:pic>
+        <p:nvPicPr>
+          <p:cNvPr id="13" name="图片 12"/>
+          <p:cNvPicPr>
+            <a:picLocks noChangeAspect="1"/>
+          </p:cNvPicPr>
+          <p:nvPr/>
+        </p:nvPicPr>
+        <p:blipFill>
+          <a:blip r:embed="rId7"/>
+          <a:stretch>
+            <a:fillRect/>
+          </a:stretch>
+        </p:blipFill>
+        <p:spPr>
+          <a:xfrm>
+            <a:off x="1590675" y="11448415"/>
+            <a:ext cx="8124825" cy="1652905"/>
+          </a:xfrm>
+          <a:prstGeom prst="rect">
+            <a:avLst/>
+          </a:prstGeom>
+        </p:spPr>
+      </p:pic>
+      <p:sp>
+        <p:nvSpPr>
+          <p:cNvPr id="14" name="文本框 13"/>
+          <p:cNvSpPr txBox="1"/>
+          <p:nvPr/>
+        </p:nvSpPr>
+        <p:spPr>
+          <a:xfrm>
+            <a:off x="727710" y="10705148"/>
+            <a:ext cx="9212580" cy="563245"/>
+          </a:xfrm>
+          <a:prstGeom prst="rect">
+            <a:avLst/>
+          </a:prstGeom>
+          <a:noFill/>
+          <a:ln w="12700" cap="flat">
+            <a:noFill/>
+            <a:miter lim="400000"/>
+          </a:ln>
+        </p:spPr>
+        <p:style>
+          <a:lnRef idx="0">
+            <a:srgbClr val="FFFFFF"/>
+          </a:lnRef>
+          <a:fillRef idx="0">
+            <a:srgbClr val="FFFFFF"/>
+          </a:fillRef>
+          <a:effectRef idx="0">
+            <a:srgbClr val="FFFFFF"/>
+          </a:effectRef>
+          <a:fontRef idx="none"/>
+        </p:style>
+        <p:txBody>
+          <a:bodyPr rot="0" vertOverflow="overflow" horzOverflow="overflow" vert="horz" wrap="square" lIns="50800" tIns="50800" rIns="50800" bIns="50800" numCol="1" spcCol="38100" rtlCol="0" anchor="ctr" forceAA="0" upright="0">
+            <a:spAutoFit/>
+          </a:bodyPr>
+          <a:p>
+            <a:pPr marL="0" marR="0" indent="0" algn="l" defTabSz="825500" rtl="0" fontAlgn="auto" latinLnBrk="0" hangingPunct="0">
+              <a:lnSpc>
+                <a:spcPct val="100000"/>
+              </a:lnSpc>
+              <a:spcBef>
+                <a:spcPts val="0"/>
+              </a:spcBef>
+              <a:spcAft>
+                <a:spcPts val="0"/>
+              </a:spcAft>
+              <a:buClrTx/>
+              <a:buSzTx/>
+              <a:buFontTx/>
+              <a:buNone/>
+            </a:pPr>
+            <a:r>
+              <a:rPr kumimoji="0" lang="zh-CN" altLang="en-US" sz="3000" b="1" i="0" u="none" strike="noStrike" cap="none" spc="0" normalizeH="0" baseline="0">
+                <a:ln>
+                  <a:noFill/>
+                </a:ln>
+                <a:solidFill>
+                  <a:srgbClr val="000000"/>
+                </a:solidFill>
+                <a:effectLst/>
+                <a:uFillTx/>
+                <a:latin typeface="Helvetica Neue"/>
+                <a:ea typeface="Helvetica Neue"/>
+                <a:cs typeface="Helvetica Neue"/>
+                <a:sym typeface="Helvetica Neue"/>
+              </a:rPr>
+              <a:t>解构赋值，统一接口可以用到的返回值</a:t>
+            </a:r>
+            <a:endParaRPr kumimoji="0" lang="zh-CN" altLang="en-US" sz="3000" b="1" i="0" u="none" strike="noStrike" cap="none" spc="0" normalizeH="0" baseline="0">
+              <a:ln>
+                <a:noFill/>
+              </a:ln>
+              <a:solidFill>
+                <a:srgbClr val="000000"/>
+              </a:solidFill>
+              <a:effectLst/>
+              <a:uFillTx/>
+              <a:latin typeface="Helvetica Neue"/>
+              <a:ea typeface="Helvetica Neue"/>
+              <a:cs typeface="Helvetica Neue"/>
+              <a:sym typeface="Helvetica Neue"/>
+            </a:endParaRPr>
+          </a:p>
+        </p:txBody>
+      </p:sp>
+    </p:spTree>
+  </p:cSld>
+  <p:clrMapOvr>
+    <a:masterClrMapping/>
+  </p:clrMapOvr>
+  <p:transition spd="med"/>
+</p:sld>
+</file>
+
+<file path=ppt/slides/slide36.xml><?xml version="1.0" encoding="utf-8"?>
+<p:sld xmlns:a="http://schemas.openxmlformats.org/drawingml/2006/main" xmlns:r="http://schemas.openxmlformats.org/officeDocument/2006/relationships" xmlns:p="http://schemas.openxmlformats.org/presentationml/2006/main">
+  <p:cSld>
+    <p:spTree>
+      <p:nvGrpSpPr>
+        <p:cNvPr id="1" name=""/>
+        <p:cNvGrpSpPr/>
+        <p:nvPr/>
+      </p:nvGrpSpPr>
+      <p:grpSpPr/>
+      <p:pic>
+        <p:nvPicPr>
+          <p:cNvPr id="3" name="图片 2"/>
+          <p:cNvPicPr>
+            <a:picLocks noChangeAspect="1"/>
+          </p:cNvPicPr>
+          <p:nvPr/>
+        </p:nvPicPr>
+        <p:blipFill>
+          <a:blip r:embed="rId1"/>
+          <a:stretch>
+            <a:fillRect/>
+          </a:stretch>
+        </p:blipFill>
+        <p:spPr>
+          <a:xfrm>
+            <a:off x="1778000" y="1252855"/>
+            <a:ext cx="10057765" cy="2344420"/>
+          </a:xfrm>
+          <a:prstGeom prst="rect">
+            <a:avLst/>
+          </a:prstGeom>
+        </p:spPr>
+      </p:pic>
+      <p:pic>
+        <p:nvPicPr>
+          <p:cNvPr id="4" name="图片 3"/>
+          <p:cNvPicPr>
+            <a:picLocks noChangeAspect="1"/>
+          </p:cNvPicPr>
+          <p:nvPr/>
+        </p:nvPicPr>
+        <p:blipFill>
+          <a:blip r:embed="rId2"/>
+          <a:stretch>
+            <a:fillRect/>
+          </a:stretch>
+        </p:blipFill>
+        <p:spPr>
+          <a:xfrm>
+            <a:off x="1634490" y="4842510"/>
+            <a:ext cx="11633835" cy="3446145"/>
+          </a:xfrm>
+          <a:prstGeom prst="rect">
+            <a:avLst/>
+          </a:prstGeom>
+        </p:spPr>
+      </p:pic>
+    </p:spTree>
+  </p:cSld>
+  <p:clrMapOvr>
+    <a:masterClrMapping/>
+  </p:clrMapOvr>
+  <p:transition spd="med"/>
+</p:sld>
+</file>
+
+<file path=ppt/slides/slide37.xml><?xml version="1.0" encoding="utf-8"?>
+<p:sld xmlns:a="http://schemas.openxmlformats.org/drawingml/2006/main" xmlns:r="http://schemas.openxmlformats.org/officeDocument/2006/relationships" xmlns:p="http://schemas.openxmlformats.org/presentationml/2006/main">
+  <p:cSld>
+    <p:spTree>
+      <p:nvGrpSpPr>
+        <p:cNvPr id="1" name=""/>
+        <p:cNvGrpSpPr/>
+        <p:nvPr/>
+      </p:nvGrpSpPr>
+      <p:grpSpPr/>
+      <p:pic>
+        <p:nvPicPr>
+          <p:cNvPr id="3" name="图片 2"/>
+          <p:cNvPicPr>
+            <a:picLocks noChangeAspect="1"/>
+          </p:cNvPicPr>
+          <p:nvPr/>
+        </p:nvPicPr>
+        <p:blipFill>
+          <a:blip r:embed="rId1"/>
+          <a:stretch>
+            <a:fillRect/>
+          </a:stretch>
+        </p:blipFill>
+        <p:spPr>
+          <a:xfrm>
+            <a:off x="568960" y="92075"/>
+            <a:ext cx="13828395" cy="7977505"/>
+          </a:xfrm>
+          <a:prstGeom prst="rect">
+            <a:avLst/>
+          </a:prstGeom>
+        </p:spPr>
+      </p:pic>
+      <p:pic>
+        <p:nvPicPr>
+          <p:cNvPr id="4" name="图片 3"/>
+          <p:cNvPicPr>
+            <a:picLocks noChangeAspect="1"/>
+          </p:cNvPicPr>
+          <p:nvPr/>
+        </p:nvPicPr>
+        <p:blipFill>
+          <a:blip r:embed="rId2"/>
+          <a:stretch>
+            <a:fillRect/>
+          </a:stretch>
+        </p:blipFill>
+        <p:spPr>
+          <a:xfrm>
+            <a:off x="1107440" y="8069580"/>
+            <a:ext cx="8053070" cy="3576955"/>
+          </a:xfrm>
+          <a:prstGeom prst="rect">
+            <a:avLst/>
+          </a:prstGeom>
+        </p:spPr>
+      </p:pic>
+      <p:pic>
+        <p:nvPicPr>
+          <p:cNvPr id="5" name="图片 4"/>
+          <p:cNvPicPr>
+            <a:picLocks noChangeAspect="1"/>
+          </p:cNvPicPr>
+          <p:nvPr/>
+        </p:nvPicPr>
+        <p:blipFill>
+          <a:blip r:embed="rId3"/>
+          <a:stretch>
+            <a:fillRect/>
+          </a:stretch>
+        </p:blipFill>
+        <p:spPr>
+          <a:xfrm>
+            <a:off x="1107440" y="12075795"/>
+            <a:ext cx="8053070" cy="1470025"/>
+          </a:xfrm>
+          <a:prstGeom prst="rect">
+            <a:avLst/>
+          </a:prstGeom>
+        </p:spPr>
+      </p:pic>
+      <p:pic>
+        <p:nvPicPr>
+          <p:cNvPr id="6" name="图片 5"/>
+          <p:cNvPicPr>
+            <a:picLocks noChangeAspect="1"/>
+          </p:cNvPicPr>
+          <p:nvPr/>
+        </p:nvPicPr>
+        <p:blipFill>
+          <a:blip r:embed="rId4"/>
+          <a:stretch>
+            <a:fillRect/>
+          </a:stretch>
+        </p:blipFill>
+        <p:spPr>
+          <a:xfrm>
+            <a:off x="14752955" y="760730"/>
+            <a:ext cx="5520055" cy="2829560"/>
+          </a:xfrm>
+          <a:prstGeom prst="rect">
+            <a:avLst/>
+          </a:prstGeom>
+        </p:spPr>
+      </p:pic>
+    </p:spTree>
+  </p:cSld>
+  <p:clrMapOvr>
+    <a:masterClrMapping/>
+  </p:clrMapOvr>
+  <p:transition spd="med"/>
+</p:sld>
+</file>
+
+<file path=ppt/slides/slide38.xml><?xml version="1.0" encoding="utf-8"?>
+<p:sld xmlns:a="http://schemas.openxmlformats.org/drawingml/2006/main" xmlns:r="http://schemas.openxmlformats.org/officeDocument/2006/relationships" xmlns:p="http://schemas.openxmlformats.org/presentationml/2006/main">
+  <p:cSld>
+    <p:spTree>
+      <p:nvGrpSpPr>
+        <p:cNvPr id="1" name=""/>
+        <p:cNvGrpSpPr/>
+        <p:nvPr/>
+      </p:nvGrpSpPr>
+      <p:grpSpPr/>
+      <p:pic>
+        <p:nvPicPr>
+          <p:cNvPr id="3" name="图片 2"/>
+          <p:cNvPicPr>
+            <a:picLocks noChangeAspect="1"/>
+          </p:cNvPicPr>
+          <p:nvPr/>
+        </p:nvPicPr>
+        <p:blipFill>
+          <a:blip r:embed="rId1"/>
+          <a:stretch>
+            <a:fillRect/>
+          </a:stretch>
+        </p:blipFill>
+        <p:spPr>
+          <a:xfrm>
+            <a:off x="1024255" y="699770"/>
+            <a:ext cx="5944235" cy="2137410"/>
+          </a:xfrm>
+          <a:prstGeom prst="rect">
+            <a:avLst/>
+          </a:prstGeom>
+        </p:spPr>
+      </p:pic>
+      <p:pic>
+        <p:nvPicPr>
+          <p:cNvPr id="2" name="图片 1"/>
+          <p:cNvPicPr>
+            <a:picLocks noChangeAspect="1"/>
+          </p:cNvPicPr>
+          <p:nvPr/>
+        </p:nvPicPr>
+        <p:blipFill>
+          <a:blip r:embed="rId2"/>
+          <a:stretch>
+            <a:fillRect/>
+          </a:stretch>
+        </p:blipFill>
+        <p:spPr>
+          <a:xfrm>
+            <a:off x="1024255" y="6422390"/>
+            <a:ext cx="7124700" cy="2938780"/>
+          </a:xfrm>
+          <a:prstGeom prst="rect">
+            <a:avLst/>
+          </a:prstGeom>
+        </p:spPr>
+      </p:pic>
+    </p:spTree>
+  </p:cSld>
+  <p:clrMapOvr>
+    <a:masterClrMapping/>
+  </p:clrMapOvr>
+  <p:transition spd="med"/>
+</p:sld>
+</file>
+
+<file path=ppt/slides/slide39.xml><?xml version="1.0" encoding="utf-8"?>
+<p:sld xmlns:a="http://schemas.openxmlformats.org/drawingml/2006/main" xmlns:r="http://schemas.openxmlformats.org/officeDocument/2006/relationships" xmlns:p="http://schemas.openxmlformats.org/presentationml/2006/main">
+  <p:cSld>
+    <p:spTree>
+      <p:nvGrpSpPr>
+        <p:cNvPr id="1" name=""/>
+        <p:cNvGrpSpPr/>
+        <p:nvPr/>
+      </p:nvGrpSpPr>
+      <p:grpSpPr/>
+      <p:pic>
+        <p:nvPicPr>
+          <p:cNvPr id="3" name="图片 2"/>
+          <p:cNvPicPr>
+            <a:picLocks noChangeAspect="1"/>
+          </p:cNvPicPr>
+          <p:nvPr/>
+        </p:nvPicPr>
+        <p:blipFill>
+          <a:blip r:embed="rId1"/>
+          <a:stretch>
+            <a:fillRect/>
+          </a:stretch>
+        </p:blipFill>
+        <p:spPr>
+          <a:xfrm>
+            <a:off x="854710" y="935990"/>
+            <a:ext cx="5342255" cy="3507105"/>
+          </a:xfrm>
+          <a:prstGeom prst="rect">
+            <a:avLst/>
+          </a:prstGeom>
+        </p:spPr>
+      </p:pic>
+      <p:pic>
+        <p:nvPicPr>
+          <p:cNvPr id="4" name="图片 3"/>
+          <p:cNvPicPr>
+            <a:picLocks noChangeAspect="1"/>
+          </p:cNvPicPr>
+          <p:nvPr/>
+        </p:nvPicPr>
+        <p:blipFill>
+          <a:blip r:embed="rId2"/>
+          <a:stretch>
+            <a:fillRect/>
+          </a:stretch>
+        </p:blipFill>
+        <p:spPr>
+          <a:xfrm>
+            <a:off x="854710" y="6584315"/>
+            <a:ext cx="5926455" cy="2449195"/>
+          </a:xfrm>
+          <a:prstGeom prst="rect">
+            <a:avLst/>
+          </a:prstGeom>
+        </p:spPr>
+      </p:pic>
+    </p:spTree>
+  </p:cSld>
+  <p:clrMapOvr>
+    <a:masterClrMapping/>
+  </p:clrMapOvr>
+  <p:transition spd="med"/>
+</p:sld>
+</file>
+
 <file path=ppt/slides/slide4.xml><?xml version="1.0" encoding="utf-8"?>
 <p:sld xmlns:a="http://schemas.openxmlformats.org/drawingml/2006/main" xmlns:r="http://schemas.openxmlformats.org/officeDocument/2006/relationships" xmlns:p="http://schemas.openxmlformats.org/presentationml/2006/main">
   <p:cSld>
@@ -7511,6 +9812,178 @@
           </a:p>
         </p:txBody>
       </p:sp>
+    </p:spTree>
+  </p:cSld>
+  <p:clrMapOvr>
+    <a:masterClrMapping/>
+  </p:clrMapOvr>
+  <p:transition spd="med"/>
+</p:sld>
+</file>
+
+<file path=ppt/slides/slide40.xml><?xml version="1.0" encoding="utf-8"?>
+<p:sld xmlns:a="http://schemas.openxmlformats.org/drawingml/2006/main" xmlns:r="http://schemas.openxmlformats.org/officeDocument/2006/relationships" xmlns:p="http://schemas.openxmlformats.org/presentationml/2006/main">
+  <p:cSld>
+    <p:spTree>
+      <p:nvGrpSpPr>
+        <p:cNvPr id="1" name=""/>
+        <p:cNvGrpSpPr/>
+        <p:nvPr/>
+      </p:nvGrpSpPr>
+      <p:grpSpPr/>
+      <p:pic>
+        <p:nvPicPr>
+          <p:cNvPr id="4" name="图片 3"/>
+          <p:cNvPicPr>
+            <a:picLocks noChangeAspect="1"/>
+          </p:cNvPicPr>
+          <p:nvPr/>
+        </p:nvPicPr>
+        <p:blipFill>
+          <a:blip r:embed="rId1"/>
+          <a:stretch>
+            <a:fillRect/>
+          </a:stretch>
+        </p:blipFill>
+        <p:spPr>
+          <a:xfrm>
+            <a:off x="608965" y="739140"/>
+            <a:ext cx="5926455" cy="2449195"/>
+          </a:xfrm>
+          <a:prstGeom prst="rect">
+            <a:avLst/>
+          </a:prstGeom>
+        </p:spPr>
+      </p:pic>
+    </p:spTree>
+  </p:cSld>
+  <p:clrMapOvr>
+    <a:masterClrMapping/>
+  </p:clrMapOvr>
+  <p:transition spd="med"/>
+</p:sld>
+</file>
+
+<file path=ppt/slides/slide41.xml><?xml version="1.0" encoding="utf-8"?>
+<p:sld xmlns:a="http://schemas.openxmlformats.org/drawingml/2006/main" xmlns:r="http://schemas.openxmlformats.org/officeDocument/2006/relationships" xmlns:p="http://schemas.openxmlformats.org/presentationml/2006/main">
+  <p:cSld>
+    <p:spTree>
+      <p:nvGrpSpPr>
+        <p:cNvPr id="1" name=""/>
+        <p:cNvGrpSpPr/>
+        <p:nvPr/>
+      </p:nvGrpSpPr>
+      <p:grpSpPr/>
+      <p:pic>
+        <p:nvPicPr>
+          <p:cNvPr id="3" name="图片 2"/>
+          <p:cNvPicPr>
+            <a:picLocks noChangeAspect="1"/>
+          </p:cNvPicPr>
+          <p:nvPr/>
+        </p:nvPicPr>
+        <p:blipFill>
+          <a:blip r:embed="rId1"/>
+          <a:stretch>
+            <a:fillRect/>
+          </a:stretch>
+        </p:blipFill>
+        <p:spPr>
+          <a:xfrm>
+            <a:off x="1194435" y="880745"/>
+            <a:ext cx="6485255" cy="4282440"/>
+          </a:xfrm>
+          <a:prstGeom prst="rect">
+            <a:avLst/>
+          </a:prstGeom>
+        </p:spPr>
+      </p:pic>
+    </p:spTree>
+  </p:cSld>
+  <p:clrMapOvr>
+    <a:masterClrMapping/>
+  </p:clrMapOvr>
+  <p:transition spd="med"/>
+</p:sld>
+</file>
+
+<file path=ppt/slides/slide42.xml><?xml version="1.0" encoding="utf-8"?>
+<p:sld xmlns:a="http://schemas.openxmlformats.org/drawingml/2006/main" xmlns:r="http://schemas.openxmlformats.org/officeDocument/2006/relationships" xmlns:p="http://schemas.openxmlformats.org/presentationml/2006/main">
+  <p:cSld>
+    <p:spTree>
+      <p:nvGrpSpPr>
+        <p:cNvPr id="1" name=""/>
+        <p:cNvGrpSpPr/>
+        <p:nvPr/>
+      </p:nvGrpSpPr>
+      <p:grpSpPr/>
+      <p:pic>
+        <p:nvPicPr>
+          <p:cNvPr id="3" name="图片 2"/>
+          <p:cNvPicPr>
+            <a:picLocks noChangeAspect="1"/>
+          </p:cNvPicPr>
+          <p:nvPr/>
+        </p:nvPicPr>
+        <p:blipFill>
+          <a:blip r:embed="rId1"/>
+          <a:stretch>
+            <a:fillRect/>
+          </a:stretch>
+        </p:blipFill>
+        <p:spPr>
+          <a:xfrm>
+            <a:off x="1294765" y="1250315"/>
+            <a:ext cx="5822950" cy="2456180"/>
+          </a:xfrm>
+          <a:prstGeom prst="rect">
+            <a:avLst/>
+          </a:prstGeom>
+        </p:spPr>
+      </p:pic>
+    </p:spTree>
+  </p:cSld>
+  <p:clrMapOvr>
+    <a:masterClrMapping/>
+  </p:clrMapOvr>
+  <p:transition spd="med"/>
+</p:sld>
+</file>
+
+<file path=ppt/slides/slide43.xml><?xml version="1.0" encoding="utf-8"?>
+<p:sld xmlns:a="http://schemas.openxmlformats.org/drawingml/2006/main" xmlns:r="http://schemas.openxmlformats.org/officeDocument/2006/relationships" xmlns:p="http://schemas.openxmlformats.org/presentationml/2006/main">
+  <p:cSld>
+    <p:spTree>
+      <p:nvGrpSpPr>
+        <p:cNvPr id="1" name=""/>
+        <p:cNvGrpSpPr/>
+        <p:nvPr/>
+      </p:nvGrpSpPr>
+      <p:grpSpPr/>
+      <p:pic>
+        <p:nvPicPr>
+          <p:cNvPr id="3" name="图片 2"/>
+          <p:cNvPicPr>
+            <a:picLocks noChangeAspect="1"/>
+          </p:cNvPicPr>
+          <p:nvPr/>
+        </p:nvPicPr>
+        <p:blipFill>
+          <a:blip r:embed="rId1"/>
+          <a:stretch>
+            <a:fillRect/>
+          </a:stretch>
+        </p:blipFill>
+        <p:spPr>
+          <a:xfrm>
+            <a:off x="1276985" y="1422400"/>
+            <a:ext cx="5647055" cy="2604770"/>
+          </a:xfrm>
+          <a:prstGeom prst="rect">
+            <a:avLst/>
+          </a:prstGeom>
+        </p:spPr>
+      </p:pic>
     </p:spTree>
   </p:cSld>
   <p:clrMapOvr>
